--- a/pres-source/06-additional-tools.pptx
+++ b/pres-source/06-additional-tools.pptx
@@ -5,25 +5,33 @@
     <p:sldMasterId id="2147483648" r:id="rId1"/>
   </p:sldMasterIdLst>
   <p:notesMasterIdLst>
-    <p:notesMasterId r:id="rId18"/>
+    <p:notesMasterId r:id="rId26"/>
   </p:notesMasterIdLst>
   <p:sldIdLst>
     <p:sldId id="256" r:id="rId2"/>
-    <p:sldId id="296" r:id="rId3"/>
-    <p:sldId id="297" r:id="rId4"/>
-    <p:sldId id="298" r:id="rId5"/>
-    <p:sldId id="299" r:id="rId6"/>
-    <p:sldId id="300" r:id="rId7"/>
-    <p:sldId id="301" r:id="rId8"/>
-    <p:sldId id="302" r:id="rId9"/>
-    <p:sldId id="303" r:id="rId10"/>
-    <p:sldId id="304" r:id="rId11"/>
-    <p:sldId id="305" r:id="rId12"/>
-    <p:sldId id="306" r:id="rId13"/>
-    <p:sldId id="307" r:id="rId14"/>
-    <p:sldId id="290" r:id="rId15"/>
-    <p:sldId id="291" r:id="rId16"/>
-    <p:sldId id="278" r:id="rId17"/>
+    <p:sldId id="308" r:id="rId3"/>
+    <p:sldId id="309" r:id="rId4"/>
+    <p:sldId id="310" r:id="rId5"/>
+    <p:sldId id="311" r:id="rId6"/>
+    <p:sldId id="312" r:id="rId7"/>
+    <p:sldId id="317" r:id="rId8"/>
+    <p:sldId id="296" r:id="rId9"/>
+    <p:sldId id="297" r:id="rId10"/>
+    <p:sldId id="298" r:id="rId11"/>
+    <p:sldId id="299" r:id="rId12"/>
+    <p:sldId id="300" r:id="rId13"/>
+    <p:sldId id="301" r:id="rId14"/>
+    <p:sldId id="302" r:id="rId15"/>
+    <p:sldId id="303" r:id="rId16"/>
+    <p:sldId id="304" r:id="rId17"/>
+    <p:sldId id="305" r:id="rId18"/>
+    <p:sldId id="306" r:id="rId19"/>
+    <p:sldId id="307" r:id="rId20"/>
+    <p:sldId id="315" r:id="rId21"/>
+    <p:sldId id="313" r:id="rId22"/>
+    <p:sldId id="314" r:id="rId23"/>
+    <p:sldId id="316" r:id="rId24"/>
+    <p:sldId id="278" r:id="rId25"/>
   </p:sldIdLst>
   <p:sldSz cx="9144000" cy="6858000" type="screen4x3"/>
   <p:notesSz cx="6858000" cy="9144000"/>
@@ -4004,7 +4012,7 @@
           <a:p>
             <a:r>
               <a:rPr lang="en-US" dirty="0" smtClean="0"/>
-              <a:t>R</a:t>
+              <a:t>Locality</a:t>
             </a:r>
             <a:endParaRPr lang="en-US" dirty="0"/>
           </a:p>
@@ -4022,73 +4030,42 @@
         </p:nvSpPr>
         <p:spPr/>
         <p:txBody>
-          <a:bodyPr>
-            <a:normAutofit lnSpcReduction="10000"/>
-          </a:bodyPr>
-          <a:lstStyle/>
-          <a:p>
-            <a:r>
-              <a:rPr lang="en-US" dirty="0" smtClean="0"/>
-              <a:t> R is an open source system for statistics and graphics</a:t>
+          <a:bodyPr/>
+          <a:lstStyle/>
+          <a:p>
+            <a:r>
+              <a:rPr lang="en-US" dirty="0" smtClean="0"/>
+              <a:t>Spark understands the locality of data:</a:t>
             </a:r>
           </a:p>
           <a:p>
             <a:pPr lvl="1"/>
             <a:r>
               <a:rPr lang="en-US" dirty="0" smtClean="0"/>
-              <a:t>Based on the S language from AT&amp;T Bell Labs</a:t>
-            </a:r>
-          </a:p>
-          <a:p>
-            <a:r>
-              <a:rPr lang="en-US" dirty="0" smtClean="0"/>
-              <a:t>Supports a wide variety of statistical techniques and graphing tools</a:t>
-            </a:r>
-          </a:p>
-          <a:p>
-            <a:r>
-              <a:rPr lang="en-US" dirty="0" smtClean="0"/>
-              <a:t>An extensible set of packages that provide extra functions via CRAN</a:t>
+              <a:t>Already in memory</a:t>
             </a:r>
           </a:p>
           <a:p>
             <a:pPr lvl="1"/>
             <a:r>
               <a:rPr lang="en-US" dirty="0" smtClean="0"/>
-              <a:t>The Comprehensive R Archive Network</a:t>
+              <a:t>HDFS location</a:t>
+            </a:r>
+          </a:p>
+          <a:p>
+            <a:pPr lvl="1"/>
+            <a:r>
+              <a:rPr lang="en-US" dirty="0" smtClean="0"/>
+              <a:t>Cassandra location</a:t>
             </a:r>
             <a:endParaRPr lang="en-US" dirty="0"/>
           </a:p>
         </p:txBody>
       </p:sp>
-      <p:pic>
-        <p:nvPicPr>
-          <p:cNvPr id="5" name="Picture 4"/>
-          <p:cNvPicPr>
-            <a:picLocks noChangeAspect="1"/>
-          </p:cNvPicPr>
-          <p:nvPr/>
-        </p:nvPicPr>
-        <p:blipFill>
-          <a:blip r:embed="rId2"/>
-          <a:stretch>
-            <a:fillRect/>
-          </a:stretch>
-        </p:blipFill>
-        <p:spPr>
-          <a:xfrm>
-            <a:off x="7685385" y="117126"/>
-            <a:ext cx="1170279" cy="906966"/>
-          </a:xfrm>
-          <a:prstGeom prst="rect">
-            <a:avLst/>
-          </a:prstGeom>
-        </p:spPr>
-      </p:pic>
     </p:spTree>
     <p:extLst>
       <p:ext uri="{BB962C8B-B14F-4D97-AF65-F5344CB8AC3E}">
-        <p14:creationId xmlns:p14="http://schemas.microsoft.com/office/powerpoint/2010/main" val="3437246227"/>
+        <p14:creationId xmlns:p14="http://schemas.microsoft.com/office/powerpoint/2010/main" val="3402949326"/>
       </p:ext>
     </p:extLst>
   </p:cSld>
@@ -4138,52 +4115,308 @@
           <a:lstStyle/>
           <a:p>
             <a:r>
-              <a:rPr lang="en-US" dirty="0" err="1" smtClean="0"/>
+              <a:rPr lang="en-US" dirty="0" smtClean="0"/>
+              <a:t>Spark Extras</a:t>
+            </a:r>
+            <a:endParaRPr lang="en-US" dirty="0"/>
+          </a:p>
+        </p:txBody>
+      </p:sp>
+      <p:sp>
+        <p:nvSpPr>
+          <p:cNvPr id="4" name="Rounded Rectangle 3"/>
+          <p:cNvSpPr/>
+          <p:nvPr/>
+        </p:nvSpPr>
+        <p:spPr>
+          <a:xfrm>
+            <a:off x="812800" y="4510708"/>
+            <a:ext cx="7467600" cy="1117600"/>
+          </a:xfrm>
+          <a:prstGeom prst="roundRect">
+            <a:avLst/>
+          </a:prstGeom>
+        </p:spPr>
+        <p:style>
+          <a:lnRef idx="1">
+            <a:schemeClr val="accent1"/>
+          </a:lnRef>
+          <a:fillRef idx="2">
+            <a:schemeClr val="accent1"/>
+          </a:fillRef>
+          <a:effectRef idx="1">
+            <a:schemeClr val="accent1"/>
+          </a:effectRef>
+          <a:fontRef idx="minor">
+            <a:schemeClr val="dk1"/>
+          </a:fontRef>
+        </p:style>
+        <p:txBody>
+          <a:bodyPr rtlCol="0" anchor="ctr"/>
+          <a:lstStyle/>
+          <a:p>
+            <a:pPr algn="ctr"/>
+            <a:r>
+              <a:rPr lang="en-US" sz="2800" dirty="0" smtClean="0">
+                <a:latin typeface="Montserrat"/>
+              </a:rPr>
+              <a:t>Spark Core</a:t>
+            </a:r>
+            <a:endParaRPr lang="en-US" sz="2800" dirty="0">
+              <a:latin typeface="Montserrat"/>
+            </a:endParaRPr>
+          </a:p>
+        </p:txBody>
+      </p:sp>
+      <p:sp>
+        <p:nvSpPr>
+          <p:cNvPr id="5" name="Rounded Rectangle 4"/>
+          <p:cNvSpPr/>
+          <p:nvPr/>
+        </p:nvSpPr>
+        <p:spPr>
+          <a:xfrm>
+            <a:off x="812800" y="1902148"/>
+            <a:ext cx="1371600" cy="2463800"/>
+          </a:xfrm>
+          <a:prstGeom prst="roundRect">
+            <a:avLst/>
+          </a:prstGeom>
+        </p:spPr>
+        <p:style>
+          <a:lnRef idx="1">
+            <a:schemeClr val="accent4"/>
+          </a:lnRef>
+          <a:fillRef idx="2">
+            <a:schemeClr val="accent4"/>
+          </a:fillRef>
+          <a:effectRef idx="1">
+            <a:schemeClr val="accent4"/>
+          </a:effectRef>
+          <a:fontRef idx="minor">
+            <a:schemeClr val="dk1"/>
+          </a:fontRef>
+        </p:style>
+        <p:txBody>
+          <a:bodyPr rtlCol="0" anchor="ctr"/>
+          <a:lstStyle/>
+          <a:p>
+            <a:pPr algn="ctr"/>
+            <a:r>
+              <a:rPr lang="en-US" sz="1400" dirty="0" smtClean="0">
+                <a:latin typeface="Montserrat"/>
+              </a:rPr>
+              <a:t>Spark </a:t>
+            </a:r>
+          </a:p>
+          <a:p>
+            <a:pPr algn="ctr"/>
+            <a:r>
+              <a:rPr lang="en-US" sz="1400" dirty="0" smtClean="0">
+                <a:latin typeface="Montserrat"/>
+              </a:rPr>
+              <a:t>SQL</a:t>
+            </a:r>
+            <a:endParaRPr lang="en-US" sz="1400" dirty="0">
+              <a:latin typeface="Montserrat"/>
+            </a:endParaRPr>
+          </a:p>
+        </p:txBody>
+      </p:sp>
+      <p:sp>
+        <p:nvSpPr>
+          <p:cNvPr id="6" name="Rounded Rectangle 5"/>
+          <p:cNvSpPr/>
+          <p:nvPr/>
+        </p:nvSpPr>
+        <p:spPr>
+          <a:xfrm>
+            <a:off x="2336800" y="1902148"/>
+            <a:ext cx="1371600" cy="2463800"/>
+          </a:xfrm>
+          <a:prstGeom prst="roundRect">
+            <a:avLst/>
+          </a:prstGeom>
+        </p:spPr>
+        <p:style>
+          <a:lnRef idx="1">
+            <a:schemeClr val="accent4"/>
+          </a:lnRef>
+          <a:fillRef idx="2">
+            <a:schemeClr val="accent4"/>
+          </a:fillRef>
+          <a:effectRef idx="1">
+            <a:schemeClr val="accent4"/>
+          </a:effectRef>
+          <a:fontRef idx="minor">
+            <a:schemeClr val="dk1"/>
+          </a:fontRef>
+        </p:style>
+        <p:txBody>
+          <a:bodyPr rtlCol="0" anchor="ctr"/>
+          <a:lstStyle/>
+          <a:p>
+            <a:pPr algn="ctr"/>
+            <a:r>
+              <a:rPr lang="en-US" sz="1400" dirty="0" smtClean="0">
+                <a:latin typeface="Montserrat"/>
+              </a:rPr>
+              <a:t>Spark Streaming</a:t>
+            </a:r>
+            <a:endParaRPr lang="en-US" sz="1400" dirty="0">
+              <a:latin typeface="Montserrat"/>
+            </a:endParaRPr>
+          </a:p>
+        </p:txBody>
+      </p:sp>
+      <p:sp>
+        <p:nvSpPr>
+          <p:cNvPr id="7" name="Rounded Rectangle 6"/>
+          <p:cNvSpPr/>
+          <p:nvPr/>
+        </p:nvSpPr>
+        <p:spPr>
+          <a:xfrm>
+            <a:off x="3860800" y="1902148"/>
+            <a:ext cx="1371600" cy="2463800"/>
+          </a:xfrm>
+          <a:prstGeom prst="roundRect">
+            <a:avLst/>
+          </a:prstGeom>
+        </p:spPr>
+        <p:style>
+          <a:lnRef idx="1">
+            <a:schemeClr val="accent4"/>
+          </a:lnRef>
+          <a:fillRef idx="2">
+            <a:schemeClr val="accent4"/>
+          </a:fillRef>
+          <a:effectRef idx="1">
+            <a:schemeClr val="accent4"/>
+          </a:effectRef>
+          <a:fontRef idx="minor">
+            <a:schemeClr val="dk1"/>
+          </a:fontRef>
+        </p:style>
+        <p:txBody>
+          <a:bodyPr rtlCol="0" anchor="ctr"/>
+          <a:lstStyle/>
+          <a:p>
+            <a:pPr algn="ctr"/>
+            <a:r>
+              <a:rPr lang="en-US" sz="1400" dirty="0" smtClean="0">
+                <a:latin typeface="Montserrat"/>
+              </a:rPr>
+              <a:t>Spark</a:t>
+            </a:r>
+          </a:p>
+          <a:p>
+            <a:pPr algn="ctr"/>
+            <a:r>
+              <a:rPr lang="en-US" sz="1400" dirty="0" smtClean="0">
+                <a:latin typeface="Montserrat"/>
+              </a:rPr>
+              <a:t>MLlib	</a:t>
+            </a:r>
+          </a:p>
+        </p:txBody>
+      </p:sp>
+      <p:sp>
+        <p:nvSpPr>
+          <p:cNvPr id="8" name="Rounded Rectangle 7"/>
+          <p:cNvSpPr/>
+          <p:nvPr/>
+        </p:nvSpPr>
+        <p:spPr>
+          <a:xfrm>
+            <a:off x="5384800" y="1902148"/>
+            <a:ext cx="1371600" cy="2463800"/>
+          </a:xfrm>
+          <a:prstGeom prst="roundRect">
+            <a:avLst/>
+          </a:prstGeom>
+        </p:spPr>
+        <p:style>
+          <a:lnRef idx="1">
+            <a:schemeClr val="accent4"/>
+          </a:lnRef>
+          <a:fillRef idx="2">
+            <a:schemeClr val="accent4"/>
+          </a:fillRef>
+          <a:effectRef idx="1">
+            <a:schemeClr val="accent4"/>
+          </a:effectRef>
+          <a:fontRef idx="minor">
+            <a:schemeClr val="dk1"/>
+          </a:fontRef>
+        </p:style>
+        <p:txBody>
+          <a:bodyPr rtlCol="0" anchor="ctr"/>
+          <a:lstStyle/>
+          <a:p>
+            <a:pPr algn="ctr"/>
+            <a:r>
+              <a:rPr lang="en-US" sz="1400" dirty="0" err="1" smtClean="0">
+                <a:latin typeface="Montserrat"/>
+              </a:rPr>
               <a:t>SparkR</a:t>
             </a:r>
-            <a:endParaRPr lang="en-US" dirty="0"/>
-          </a:p>
-        </p:txBody>
-      </p:sp>
-      <p:sp>
-        <p:nvSpPr>
-          <p:cNvPr id="3" name="Content Placeholder 2"/>
-          <p:cNvSpPr>
-            <a:spLocks noGrp="1"/>
-          </p:cNvSpPr>
-          <p:nvPr>
-            <p:ph idx="1"/>
-          </p:nvPr>
-        </p:nvSpPr>
-        <p:spPr/>
-        <p:txBody>
-          <a:bodyPr/>
-          <a:lstStyle/>
-          <a:p>
-            <a:r>
-              <a:rPr lang="en-US" dirty="0" smtClean="0"/>
-              <a:t>A lightweight approach to use Spark from within R</a:t>
-            </a:r>
-          </a:p>
-          <a:p>
-            <a:r>
-              <a:rPr lang="en-US" dirty="0" smtClean="0"/>
-              <a:t>Also works with MLlib for machine learning</a:t>
-            </a:r>
-          </a:p>
-          <a:p>
-            <a:r>
-              <a:rPr lang="en-US" dirty="0" smtClean="0"/>
-              <a:t>Allows complex statistical analysis to be done on a Spark cluster </a:t>
-            </a:r>
-            <a:endParaRPr lang="en-US" dirty="0"/>
+            <a:endParaRPr lang="en-US" sz="1400" dirty="0">
+              <a:latin typeface="Montserrat"/>
+            </a:endParaRPr>
+          </a:p>
+        </p:txBody>
+      </p:sp>
+      <p:sp>
+        <p:nvSpPr>
+          <p:cNvPr id="9" name="Rounded Rectangle 8"/>
+          <p:cNvSpPr/>
+          <p:nvPr/>
+        </p:nvSpPr>
+        <p:spPr>
+          <a:xfrm>
+            <a:off x="6908800" y="1902148"/>
+            <a:ext cx="1371600" cy="2463800"/>
+          </a:xfrm>
+          <a:prstGeom prst="roundRect">
+            <a:avLst/>
+          </a:prstGeom>
+        </p:spPr>
+        <p:style>
+          <a:lnRef idx="1">
+            <a:schemeClr val="accent4"/>
+          </a:lnRef>
+          <a:fillRef idx="2">
+            <a:schemeClr val="accent4"/>
+          </a:fillRef>
+          <a:effectRef idx="1">
+            <a:schemeClr val="accent4"/>
+          </a:effectRef>
+          <a:fontRef idx="minor">
+            <a:schemeClr val="dk1"/>
+          </a:fontRef>
+        </p:style>
+        <p:txBody>
+          <a:bodyPr rtlCol="0" anchor="ctr"/>
+          <a:lstStyle/>
+          <a:p>
+            <a:pPr algn="ctr"/>
+            <a:r>
+              <a:rPr lang="en-US" sz="1400" dirty="0" err="1" smtClean="0">
+                <a:latin typeface="Montserrat"/>
+              </a:rPr>
+              <a:t>GraphX</a:t>
+            </a:r>
+            <a:endParaRPr lang="en-US" sz="1400" dirty="0">
+              <a:latin typeface="Montserrat"/>
+            </a:endParaRPr>
           </a:p>
         </p:txBody>
       </p:sp>
     </p:spTree>
     <p:extLst>
       <p:ext uri="{BB962C8B-B14F-4D97-AF65-F5344CB8AC3E}">
-        <p14:creationId xmlns:p14="http://schemas.microsoft.com/office/powerpoint/2010/main" val="1296439439"/>
+        <p14:creationId xmlns:p14="http://schemas.microsoft.com/office/powerpoint/2010/main" val="4097766008"/>
       </p:ext>
     </p:extLst>
   </p:cSld>
@@ -4234,7 +4467,7 @@
           <a:p>
             <a:r>
               <a:rPr lang="en-US" dirty="0" smtClean="0"/>
-              <a:t>Apache Avro</a:t>
+              <a:t>Spark Extras</a:t>
             </a:r>
             <a:endParaRPr lang="en-US" dirty="0"/>
           </a:p>
@@ -4253,61 +4486,70 @@
         <p:spPr/>
         <p:txBody>
           <a:bodyPr>
-            <a:normAutofit fontScale="92500" lnSpcReduction="10000"/>
+            <a:normAutofit/>
           </a:bodyPr>
           <a:lstStyle/>
           <a:p>
             <a:r>
               <a:rPr lang="en-US" dirty="0" smtClean="0"/>
-              <a:t>A compact data storage and transmission system</a:t>
+              <a:t>Spark Streaming	</a:t>
             </a:r>
           </a:p>
           <a:p>
             <a:pPr lvl="1"/>
             <a:r>
-              <a:rPr lang="en-US" dirty="0" smtClean="0"/>
-              <a:t>Uses schemas of data to ensure it can be read by the receiver</a:t>
-            </a:r>
+              <a:rPr lang="en-US" dirty="0" err="1" smtClean="0"/>
+              <a:t>Realtime</a:t>
+            </a:r>
+            <a:r>
+              <a:rPr lang="en-US" dirty="0" smtClean="0"/>
+              <a:t> analysis in Spark</a:t>
+            </a:r>
+          </a:p>
+          <a:p>
+            <a:r>
+              <a:rPr lang="en-US" dirty="0" smtClean="0"/>
+              <a:t>Spark </a:t>
+            </a:r>
+            <a:r>
+              <a:rPr lang="en-US" dirty="0" err="1" smtClean="0"/>
+              <a:t>MLLib</a:t>
+            </a:r>
+            <a:endParaRPr lang="en-US" dirty="0" smtClean="0"/>
           </a:p>
           <a:p>
             <a:pPr lvl="1"/>
             <a:r>
               <a:rPr lang="en-US" dirty="0" smtClean="0"/>
-              <a:t>Supports dynamic typing</a:t>
-            </a:r>
-          </a:p>
-          <a:p>
-            <a:r>
-              <a:rPr lang="en-US" dirty="0" smtClean="0"/>
-              <a:t>Used by RPC or data collection systems </a:t>
-            </a:r>
+              <a:t>Like Mahout – Machine learning in Spark</a:t>
+            </a:r>
+          </a:p>
+          <a:p>
+            <a:r>
+              <a:rPr lang="en-US" dirty="0" err="1" smtClean="0"/>
+              <a:t>GraphX</a:t>
+            </a:r>
+            <a:endParaRPr lang="en-US" dirty="0" smtClean="0"/>
           </a:p>
           <a:p>
             <a:pPr lvl="1"/>
             <a:r>
               <a:rPr lang="en-US" dirty="0" smtClean="0"/>
-              <a:t>Fast binary protocols</a:t>
-            </a:r>
-          </a:p>
-          <a:p>
-            <a:r>
-              <a:rPr lang="en-US" dirty="0" smtClean="0"/>
-              <a:t>Also supports storage</a:t>
-            </a:r>
+              <a:t>Graph processing in Spark</a:t>
+            </a:r>
+          </a:p>
+          <a:p>
+            <a:r>
+              <a:rPr lang="en-US" dirty="0" err="1" smtClean="0"/>
+              <a:t>SparkR</a:t>
+            </a:r>
+            <a:endParaRPr lang="en-US" dirty="0" smtClean="0"/>
           </a:p>
           <a:p>
             <a:pPr lvl="1"/>
             <a:r>
               <a:rPr lang="en-US" dirty="0" smtClean="0"/>
-              <a:t>Hence used by many Big Data apps including </a:t>
-            </a:r>
-            <a:r>
-              <a:rPr lang="en-US" dirty="0" err="1" smtClean="0"/>
-              <a:t>Hadoop</a:t>
-            </a:r>
-            <a:r>
-              <a:rPr lang="en-US" dirty="0" smtClean="0"/>
-              <a:t> and Spark</a:t>
+              <a:t>R statistical analysis on Spark</a:t>
             </a:r>
             <a:endParaRPr lang="en-US" dirty="0"/>
           </a:p>
@@ -4316,13 +4558,20 @@
     </p:spTree>
     <p:extLst>
       <p:ext uri="{BB962C8B-B14F-4D97-AF65-F5344CB8AC3E}">
-        <p14:creationId xmlns:p14="http://schemas.microsoft.com/office/powerpoint/2010/main" val="3216011013"/>
+        <p14:creationId xmlns:p14="http://schemas.microsoft.com/office/powerpoint/2010/main" val="659549932"/>
       </p:ext>
     </p:extLst>
   </p:cSld>
   <p:clrMapOvr>
     <a:masterClrMapping/>
   </p:clrMapOvr>
+  <p:timing>
+    <p:tnLst>
+      <p:par>
+        <p:cTn xmlns:p14="http://schemas.microsoft.com/office/powerpoint/2010/main" id="1" dur="indefinite" restart="never" nodeType="tmRoot"/>
+      </p:par>
+    </p:tnLst>
+  </p:timing>
 </p:sld>
 </file>
 
@@ -4360,7 +4609,7 @@
           <a:p>
             <a:r>
               <a:rPr lang="en-US" dirty="0" smtClean="0"/>
-              <a:t>Apache Parquet</a:t>
+              <a:t>Spark MLlib</a:t>
             </a:r>
             <a:endParaRPr lang="en-US" dirty="0"/>
           </a:p>
@@ -4376,93 +4625,91 @@
             <p:ph idx="1"/>
           </p:nvPr>
         </p:nvSpPr>
-        <p:spPr>
-          <a:xfrm>
-            <a:off x="375635" y="1600200"/>
-            <a:ext cx="3824814" cy="4525963"/>
-          </a:xfrm>
-        </p:spPr>
+        <p:spPr/>
         <p:txBody>
           <a:bodyPr>
-            <a:normAutofit/>
+            <a:normAutofit lnSpcReduction="10000"/>
           </a:bodyPr>
           <a:lstStyle/>
           <a:p>
             <a:r>
-              <a:rPr lang="en-US" sz="2800" dirty="0" smtClean="0"/>
-              <a:t>Apache Parquet is a columnar data storage model </a:t>
+              <a:rPr lang="en-US" dirty="0" smtClean="0"/>
+              <a:t>Simple stats and correlation testing</a:t>
+            </a:r>
+          </a:p>
+          <a:p>
+            <a:r>
+              <a:rPr lang="en-US" dirty="0" smtClean="0"/>
+              <a:t>Classification and regression</a:t>
+            </a:r>
+          </a:p>
+          <a:p>
+            <a:r>
+              <a:rPr lang="en-US" dirty="0" smtClean="0"/>
+              <a:t>Collaborative Filtering</a:t>
             </a:r>
           </a:p>
           <a:p>
             <a:pPr lvl="1"/>
             <a:r>
-              <a:rPr lang="en-US" sz="2400" dirty="0" smtClean="0"/>
-              <a:t>Works with </a:t>
-            </a:r>
-            <a:r>
-              <a:rPr lang="en-US" sz="2400" dirty="0" err="1" smtClean="0"/>
-              <a:t>Hadoop</a:t>
-            </a:r>
-            <a:r>
-              <a:rPr lang="en-US" sz="2400" dirty="0" smtClean="0"/>
-              <a:t>, Spark and many others</a:t>
+              <a:rPr lang="en-US" dirty="0" smtClean="0"/>
+              <a:t>Alternating Least Squares </a:t>
+            </a:r>
+          </a:p>
+          <a:p>
+            <a:r>
+              <a:rPr lang="en-US" dirty="0" smtClean="0"/>
+              <a:t>Clustering</a:t>
             </a:r>
           </a:p>
           <a:p>
             <a:pPr lvl="1"/>
             <a:r>
-              <a:rPr lang="en-US" sz="2400" dirty="0" smtClean="0"/>
-              <a:t>Efficient storage of data</a:t>
-            </a:r>
-          </a:p>
-          <a:p>
-            <a:pPr lvl="1"/>
-            <a:r>
-              <a:rPr lang="en-US" sz="2400" dirty="0" smtClean="0"/>
-              <a:t>Based on another Google system called </a:t>
-            </a:r>
-            <a:r>
-              <a:rPr lang="en-US" sz="2400" dirty="0" err="1" smtClean="0"/>
-              <a:t>Dremel</a:t>
-            </a:r>
-            <a:endParaRPr lang="en-US" sz="2400" dirty="0"/>
-          </a:p>
-        </p:txBody>
-      </p:sp>
-      <p:pic>
-        <p:nvPicPr>
-          <p:cNvPr id="4" name="Picture 3"/>
-          <p:cNvPicPr>
-            <a:picLocks noChangeAspect="1"/>
-          </p:cNvPicPr>
-          <p:nvPr/>
-        </p:nvPicPr>
-        <p:blipFill>
-          <a:blip r:embed="rId2"/>
-          <a:stretch>
-            <a:fillRect/>
-          </a:stretch>
-        </p:blipFill>
-        <p:spPr>
-          <a:xfrm>
-            <a:off x="4200449" y="2009773"/>
-            <a:ext cx="4600532" cy="3658992"/>
-          </a:xfrm>
-          <a:prstGeom prst="rect">
-            <a:avLst/>
-          </a:prstGeom>
-        </p:spPr>
-      </p:pic>
+              <a:rPr lang="en-US" dirty="0"/>
+              <a:t>k</a:t>
+            </a:r>
+            <a:r>
+              <a:rPr lang="en-US" dirty="0" smtClean="0"/>
+              <a:t>-means, </a:t>
+            </a:r>
+            <a:r>
+              <a:rPr lang="en-US" dirty="0" err="1" smtClean="0"/>
+              <a:t>etc</a:t>
+            </a:r>
+            <a:endParaRPr lang="en-US" dirty="0" smtClean="0"/>
+          </a:p>
+          <a:p>
+            <a:r>
+              <a:rPr lang="en-US" dirty="0" smtClean="0"/>
+              <a:t>Frequent Pattern Mining</a:t>
+            </a:r>
+          </a:p>
+          <a:p>
+            <a:r>
+              <a:rPr lang="en-US" dirty="0" smtClean="0"/>
+              <a:t>Plus more</a:t>
+            </a:r>
+            <a:endParaRPr lang="en-US" dirty="0"/>
+          </a:p>
+        </p:txBody>
+      </p:sp>
     </p:spTree>
     <p:extLst>
       <p:ext uri="{BB962C8B-B14F-4D97-AF65-F5344CB8AC3E}">
-        <p14:creationId xmlns:p14="http://schemas.microsoft.com/office/powerpoint/2010/main" val="366265488"/>
+        <p14:creationId xmlns:p14="http://schemas.microsoft.com/office/powerpoint/2010/main" val="2635590007"/>
       </p:ext>
     </p:extLst>
   </p:cSld>
   <p:clrMapOvr>
     <a:masterClrMapping/>
   </p:clrMapOvr>
+  <p:timing>
+    <p:tnLst>
+      <p:par>
+        <p:cTn xmlns:p14="http://schemas.microsoft.com/office/powerpoint/2010/main" id="1" dur="indefinite" restart="never" nodeType="tmRoot"/>
+      </p:par>
+    </p:tnLst>
+  </p:timing>
 </p:sld>
 </file>
 
@@ -4495,93 +4742,335 @@
         </p:nvSpPr>
         <p:spPr/>
         <p:txBody>
+          <a:bodyPr/>
+          <a:lstStyle/>
+          <a:p>
+            <a:r>
+              <a:rPr lang="en-US" dirty="0" smtClean="0"/>
+              <a:t>MLlib example</a:t>
+            </a:r>
+            <a:endParaRPr lang="en-US" dirty="0"/>
+          </a:p>
+        </p:txBody>
+      </p:sp>
+      <p:sp>
+        <p:nvSpPr>
+          <p:cNvPr id="3" name="Content Placeholder 2"/>
+          <p:cNvSpPr>
+            <a:spLocks noGrp="1"/>
+          </p:cNvSpPr>
+          <p:nvPr>
+            <p:ph idx="1"/>
+          </p:nvPr>
+        </p:nvSpPr>
+        <p:spPr>
+          <a:xfrm>
+            <a:off x="375635" y="1613855"/>
+            <a:ext cx="8229600" cy="4525963"/>
+          </a:xfrm>
+        </p:spPr>
+        <p:txBody>
           <a:bodyPr>
-            <a:normAutofit fontScale="90000"/>
+            <a:noAutofit/>
           </a:bodyPr>
           <a:lstStyle/>
           <a:p>
-            <a:r>
-              <a:rPr lang="en-US" dirty="0" smtClean="0"/>
-              <a:t>Apache </a:t>
-            </a:r>
-            <a:r>
-              <a:rPr lang="en-US" dirty="0" err="1" smtClean="0"/>
-              <a:t>Tez</a:t>
-            </a:r>
-            <a:r>
-              <a:rPr lang="en-US" dirty="0" smtClean="0"/>
-              <a:t/>
-            </a:r>
-            <a:br>
-              <a:rPr lang="en-US" dirty="0" smtClean="0"/>
-            </a:br>
-            <a:r>
-              <a:rPr lang="en-US" sz="2700" dirty="0" smtClean="0">
-                <a:hlinkClick r:id="rId2"/>
+            <a:pPr marL="0" indent="0">
+              <a:buNone/>
+            </a:pPr>
+            <a:r>
+              <a:rPr lang="en-US" sz="1600" dirty="0">
+                <a:latin typeface="Lucida Console"/>
+                <a:cs typeface="Lucida Console"/>
               </a:rPr>
-              <a:t>http://tez.apache.org</a:t>
-            </a:r>
-            <a:r>
-              <a:rPr lang="en-US" sz="2700" dirty="0" smtClean="0"/>
-              <a:t> </a:t>
-            </a:r>
-            <a:endParaRPr lang="en-US" dirty="0"/>
-          </a:p>
-        </p:txBody>
-      </p:sp>
-      <p:sp>
-        <p:nvSpPr>
-          <p:cNvPr id="3" name="Content Placeholder 2"/>
-          <p:cNvSpPr>
-            <a:spLocks noGrp="1"/>
-          </p:cNvSpPr>
-          <p:nvPr>
-            <p:ph idx="1"/>
-          </p:nvPr>
-        </p:nvSpPr>
-        <p:spPr/>
-        <p:txBody>
-          <a:bodyPr/>
-          <a:lstStyle/>
-          <a:p>
-            <a:r>
-              <a:rPr lang="en-US" dirty="0" smtClean="0"/>
-              <a:t>Support for complex Directed Acyclic Graphs (DAGs) on top of YARN</a:t>
-            </a:r>
-          </a:p>
-          <a:p>
-            <a:pPr lvl="1"/>
-            <a:r>
-              <a:rPr lang="en-US" dirty="0" smtClean="0"/>
-              <a:t>Supports in memory jobs</a:t>
-            </a:r>
-          </a:p>
-          <a:p>
-            <a:pPr lvl="1"/>
-            <a:r>
-              <a:rPr lang="en-US" dirty="0" smtClean="0"/>
-              <a:t>Simplifies work that would previously be in multiple MR jobs</a:t>
-            </a:r>
-          </a:p>
-          <a:p>
-            <a:r>
-              <a:rPr lang="en-US" dirty="0" smtClean="0"/>
-              <a:t>Designed to support Pig and Hive</a:t>
-            </a:r>
-            <a:endParaRPr lang="en-US" dirty="0"/>
+              <a:t>from </a:t>
+            </a:r>
+            <a:r>
+              <a:rPr lang="en-US" sz="1600" dirty="0" err="1">
+                <a:latin typeface="Lucida Console"/>
+                <a:cs typeface="Lucida Console"/>
+              </a:rPr>
+              <a:t>pyspark.mllib.fpm</a:t>
+            </a:r>
+            <a:r>
+              <a:rPr lang="en-US" sz="1600" dirty="0">
+                <a:latin typeface="Lucida Console"/>
+                <a:cs typeface="Lucida Console"/>
+              </a:rPr>
+              <a:t> import </a:t>
+            </a:r>
+            <a:r>
+              <a:rPr lang="en-US" sz="1600" dirty="0" err="1">
+                <a:latin typeface="Lucida Console"/>
+                <a:cs typeface="Lucida Console"/>
+              </a:rPr>
+              <a:t>FPGrowth</a:t>
+            </a:r>
+            <a:endParaRPr lang="en-US" sz="1600" dirty="0">
+              <a:latin typeface="Lucida Console"/>
+              <a:cs typeface="Lucida Console"/>
+            </a:endParaRPr>
+          </a:p>
+          <a:p>
+            <a:pPr marL="0" indent="0">
+              <a:buNone/>
+            </a:pPr>
+            <a:endParaRPr lang="en-US" sz="1600" dirty="0">
+              <a:latin typeface="Lucida Console"/>
+              <a:cs typeface="Lucida Console"/>
+            </a:endParaRPr>
+          </a:p>
+          <a:p>
+            <a:pPr marL="0" indent="0">
+              <a:buNone/>
+            </a:pPr>
+            <a:r>
+              <a:rPr lang="en-US" sz="1600" dirty="0">
+                <a:latin typeface="Lucida Console"/>
+                <a:cs typeface="Lucida Console"/>
+              </a:rPr>
+              <a:t>data = </a:t>
+            </a:r>
+            <a:r>
+              <a:rPr lang="en-US" sz="1600" dirty="0" err="1">
+                <a:latin typeface="Lucida Console"/>
+                <a:cs typeface="Lucida Console"/>
+              </a:rPr>
+              <a:t>sc.textFile</a:t>
+            </a:r>
+            <a:r>
+              <a:rPr lang="en-US" sz="1600" dirty="0">
+                <a:latin typeface="Lucida Console"/>
+                <a:cs typeface="Lucida Console"/>
+              </a:rPr>
+              <a:t>("data/</a:t>
+            </a:r>
+            <a:r>
+              <a:rPr lang="en-US" sz="1600" dirty="0" err="1">
+                <a:latin typeface="Lucida Console"/>
+                <a:cs typeface="Lucida Console"/>
+              </a:rPr>
+              <a:t>mllib</a:t>
+            </a:r>
+            <a:r>
+              <a:rPr lang="en-US" sz="1600" dirty="0">
+                <a:latin typeface="Lucida Console"/>
+                <a:cs typeface="Lucida Console"/>
+              </a:rPr>
+              <a:t>/</a:t>
+            </a:r>
+            <a:r>
+              <a:rPr lang="en-US" sz="1600" dirty="0" err="1">
+                <a:latin typeface="Lucida Console"/>
+                <a:cs typeface="Lucida Console"/>
+              </a:rPr>
+              <a:t>sample_fpgrowth.txt</a:t>
+            </a:r>
+            <a:r>
+              <a:rPr lang="en-US" sz="1600" dirty="0">
+                <a:latin typeface="Lucida Console"/>
+                <a:cs typeface="Lucida Console"/>
+              </a:rPr>
+              <a:t>")</a:t>
+            </a:r>
+          </a:p>
+          <a:p>
+            <a:pPr marL="0" indent="0">
+              <a:buNone/>
+            </a:pPr>
+            <a:endParaRPr lang="en-US" sz="1600" dirty="0">
+              <a:latin typeface="Lucida Console"/>
+              <a:cs typeface="Lucida Console"/>
+            </a:endParaRPr>
+          </a:p>
+          <a:p>
+            <a:pPr marL="0" indent="0">
+              <a:buNone/>
+            </a:pPr>
+            <a:r>
+              <a:rPr lang="en-US" sz="1600" dirty="0">
+                <a:latin typeface="Lucida Console"/>
+                <a:cs typeface="Lucida Console"/>
+              </a:rPr>
+              <a:t>transactions = </a:t>
+            </a:r>
+            <a:r>
+              <a:rPr lang="en-US" sz="1600" dirty="0" err="1">
+                <a:latin typeface="Lucida Console"/>
+                <a:cs typeface="Lucida Console"/>
+              </a:rPr>
+              <a:t>data.map</a:t>
+            </a:r>
+            <a:r>
+              <a:rPr lang="en-US" sz="1600" dirty="0">
+                <a:latin typeface="Lucida Console"/>
+                <a:cs typeface="Lucida Console"/>
+              </a:rPr>
+              <a:t>(lambda line: </a:t>
+            </a:r>
+            <a:r>
+              <a:rPr lang="en-US" sz="1600" dirty="0" err="1">
+                <a:latin typeface="Lucida Console"/>
+                <a:cs typeface="Lucida Console"/>
+              </a:rPr>
+              <a:t>line.strip</a:t>
+            </a:r>
+            <a:r>
+              <a:rPr lang="en-US" sz="1600" dirty="0">
+                <a:latin typeface="Lucida Console"/>
+                <a:cs typeface="Lucida Console"/>
+              </a:rPr>
+              <a:t>().split(' '))</a:t>
+            </a:r>
+          </a:p>
+          <a:p>
+            <a:pPr marL="0" indent="0">
+              <a:buNone/>
+            </a:pPr>
+            <a:endParaRPr lang="en-US" sz="1600" dirty="0">
+              <a:latin typeface="Lucida Console"/>
+              <a:cs typeface="Lucida Console"/>
+            </a:endParaRPr>
+          </a:p>
+          <a:p>
+            <a:pPr marL="0" indent="0">
+              <a:buNone/>
+            </a:pPr>
+            <a:r>
+              <a:rPr lang="en-US" sz="1600" dirty="0">
+                <a:latin typeface="Lucida Console"/>
+                <a:cs typeface="Lucida Console"/>
+              </a:rPr>
+              <a:t>model = </a:t>
+            </a:r>
+            <a:r>
+              <a:rPr lang="en-US" sz="1600" dirty="0" err="1">
+                <a:latin typeface="Lucida Console"/>
+                <a:cs typeface="Lucida Console"/>
+              </a:rPr>
+              <a:t>FPGrowth.train</a:t>
+            </a:r>
+            <a:r>
+              <a:rPr lang="en-US" sz="1600" dirty="0">
+                <a:latin typeface="Lucida Console"/>
+                <a:cs typeface="Lucida Console"/>
+              </a:rPr>
+              <a:t>(transactions, </a:t>
+            </a:r>
+            <a:r>
+              <a:rPr lang="en-US" sz="1600" dirty="0" err="1">
+                <a:latin typeface="Lucida Console"/>
+                <a:cs typeface="Lucida Console"/>
+              </a:rPr>
+              <a:t>minSupport</a:t>
+            </a:r>
+            <a:r>
+              <a:rPr lang="en-US" sz="1600" dirty="0">
+                <a:latin typeface="Lucida Console"/>
+                <a:cs typeface="Lucida Console"/>
+              </a:rPr>
+              <a:t>=0.2, </a:t>
+            </a:r>
+            <a:r>
+              <a:rPr lang="en-US" sz="1600" dirty="0" smtClean="0">
+                <a:latin typeface="Lucida Console"/>
+                <a:cs typeface="Lucida Console"/>
+              </a:rPr>
+              <a:t>	</a:t>
+            </a:r>
+            <a:r>
+              <a:rPr lang="en-US" sz="1600" dirty="0" err="1" smtClean="0">
+                <a:latin typeface="Lucida Console"/>
+                <a:cs typeface="Lucida Console"/>
+              </a:rPr>
+              <a:t>numPartitions</a:t>
+            </a:r>
+            <a:r>
+              <a:rPr lang="en-US" sz="1600" dirty="0">
+                <a:latin typeface="Lucida Console"/>
+                <a:cs typeface="Lucida Console"/>
+              </a:rPr>
+              <a:t>=10)</a:t>
+            </a:r>
+          </a:p>
+          <a:p>
+            <a:pPr marL="0" indent="0">
+              <a:buNone/>
+            </a:pPr>
+            <a:endParaRPr lang="en-US" sz="1600" dirty="0">
+              <a:latin typeface="Lucida Console"/>
+              <a:cs typeface="Lucida Console"/>
+            </a:endParaRPr>
+          </a:p>
+          <a:p>
+            <a:pPr marL="0" indent="0">
+              <a:buNone/>
+            </a:pPr>
+            <a:r>
+              <a:rPr lang="en-US" sz="1600" dirty="0">
+                <a:latin typeface="Lucida Console"/>
+                <a:cs typeface="Lucida Console"/>
+              </a:rPr>
+              <a:t>result = </a:t>
+            </a:r>
+            <a:r>
+              <a:rPr lang="en-US" sz="1600" dirty="0" err="1">
+                <a:latin typeface="Lucida Console"/>
+                <a:cs typeface="Lucida Console"/>
+              </a:rPr>
+              <a:t>model.freqItemsets</a:t>
+            </a:r>
+            <a:r>
+              <a:rPr lang="en-US" sz="1600" dirty="0">
+                <a:latin typeface="Lucida Console"/>
+                <a:cs typeface="Lucida Console"/>
+              </a:rPr>
+              <a:t>().collect()</a:t>
+            </a:r>
+          </a:p>
+          <a:p>
+            <a:pPr marL="0" indent="0">
+              <a:buNone/>
+            </a:pPr>
+            <a:r>
+              <a:rPr lang="en-US" sz="1600" dirty="0">
+                <a:latin typeface="Lucida Console"/>
+                <a:cs typeface="Lucida Console"/>
+              </a:rPr>
+              <a:t>for fi in result:</a:t>
+            </a:r>
+          </a:p>
+          <a:p>
+            <a:pPr marL="0" indent="0">
+              <a:buNone/>
+            </a:pPr>
+            <a:r>
+              <a:rPr lang="en-US" sz="1600" dirty="0">
+                <a:latin typeface="Lucida Console"/>
+                <a:cs typeface="Lucida Console"/>
+              </a:rPr>
+              <a:t>    print(fi)</a:t>
+            </a:r>
           </a:p>
         </p:txBody>
       </p:sp>
     </p:spTree>
     <p:extLst>
       <p:ext uri="{BB962C8B-B14F-4D97-AF65-F5344CB8AC3E}">
-        <p14:creationId xmlns:p14="http://schemas.microsoft.com/office/powerpoint/2010/main" val="3193107650"/>
+        <p14:creationId xmlns:p14="http://schemas.microsoft.com/office/powerpoint/2010/main" val="4269920811"/>
       </p:ext>
     </p:extLst>
   </p:cSld>
   <p:clrMapOvr>
     <a:masterClrMapping/>
   </p:clrMapOvr>
+  <p:timing>
+    <p:tnLst>
+      <p:par>
+        <p:cTn xmlns:p14="http://schemas.microsoft.com/office/powerpoint/2010/main" id="1" dur="indefinite" restart="never" nodeType="tmRoot"/>
+      </p:par>
+    </p:tnLst>
+  </p:timing>
 </p:sld>
 </file>
 
@@ -4619,12 +5108,33 @@
           <a:p>
             <a:r>
               <a:rPr lang="en-US" dirty="0" err="1" smtClean="0"/>
-              <a:t>Tez</a:t>
-            </a:r>
-            <a:r>
-              <a:rPr lang="en-US" dirty="0" smtClean="0"/>
-              <a:t>	</a:t>
-            </a:r>
+              <a:t>GraphX</a:t>
+            </a:r>
+            <a:endParaRPr lang="en-US" dirty="0"/>
+          </a:p>
+        </p:txBody>
+      </p:sp>
+      <p:sp>
+        <p:nvSpPr>
+          <p:cNvPr id="3" name="Content Placeholder 2"/>
+          <p:cNvSpPr>
+            <a:spLocks noGrp="1"/>
+          </p:cNvSpPr>
+          <p:nvPr>
+            <p:ph idx="1"/>
+          </p:nvPr>
+        </p:nvSpPr>
+        <p:spPr/>
+        <p:txBody>
+          <a:bodyPr/>
+          <a:lstStyle/>
+          <a:p>
+            <a:r>
+              <a:rPr lang="en-US" dirty="0" smtClean="0"/>
+              <a:t>  </a:t>
+            </a:r>
+          </a:p>
+          <a:p>
             <a:endParaRPr lang="en-US" dirty="0"/>
           </a:p>
         </p:txBody>
@@ -4645,8 +5155,8 @@
         </p:blipFill>
         <p:spPr>
           <a:xfrm>
-            <a:off x="285344" y="1966255"/>
-            <a:ext cx="4070655" cy="4136135"/>
+            <a:off x="6313668" y="274638"/>
+            <a:ext cx="2639155" cy="904155"/>
           </a:xfrm>
           <a:prstGeom prst="rect">
             <a:avLst/>
@@ -4669,8 +5179,8 @@
         </p:blipFill>
         <p:spPr>
           <a:xfrm>
-            <a:off x="4499977" y="1870673"/>
-            <a:ext cx="4455501" cy="4066617"/>
+            <a:off x="1160710" y="1295243"/>
+            <a:ext cx="7128120" cy="4630232"/>
           </a:xfrm>
           <a:prstGeom prst="rect">
             <a:avLst/>
@@ -4680,13 +5190,20 @@
     </p:spTree>
     <p:extLst>
       <p:ext uri="{BB962C8B-B14F-4D97-AF65-F5344CB8AC3E}">
-        <p14:creationId xmlns:p14="http://schemas.microsoft.com/office/powerpoint/2010/main" val="811863310"/>
+        <p14:creationId xmlns:p14="http://schemas.microsoft.com/office/powerpoint/2010/main" val="868205749"/>
       </p:ext>
     </p:extLst>
   </p:cSld>
   <p:clrMapOvr>
     <a:masterClrMapping/>
   </p:clrMapOvr>
+  <p:timing>
+    <p:tnLst>
+      <p:par>
+        <p:cTn xmlns:p14="http://schemas.microsoft.com/office/powerpoint/2010/main" id="1" dur="indefinite" restart="never" nodeType="tmRoot"/>
+      </p:par>
+    </p:tnLst>
+  </p:timing>
 </p:sld>
 </file>
 
@@ -4724,16 +5241,459 @@
           <a:p>
             <a:r>
               <a:rPr lang="en-US" dirty="0" smtClean="0"/>
-              <a:t>Questions?</a:t>
+              <a:t>R</a:t>
             </a:r>
             <a:endParaRPr lang="en-US" dirty="0"/>
           </a:p>
         </p:txBody>
       </p:sp>
+      <p:sp>
+        <p:nvSpPr>
+          <p:cNvPr id="3" name="Content Placeholder 2"/>
+          <p:cNvSpPr>
+            <a:spLocks noGrp="1"/>
+          </p:cNvSpPr>
+          <p:nvPr>
+            <p:ph idx="1"/>
+          </p:nvPr>
+        </p:nvSpPr>
+        <p:spPr/>
+        <p:txBody>
+          <a:bodyPr>
+            <a:normAutofit lnSpcReduction="10000"/>
+          </a:bodyPr>
+          <a:lstStyle/>
+          <a:p>
+            <a:r>
+              <a:rPr lang="en-US" dirty="0" smtClean="0"/>
+              <a:t> R is an open source system for statistics and graphics</a:t>
+            </a:r>
+          </a:p>
+          <a:p>
+            <a:pPr lvl="1"/>
+            <a:r>
+              <a:rPr lang="en-US" dirty="0" smtClean="0"/>
+              <a:t>Based on the S language from AT&amp;T Bell Labs</a:t>
+            </a:r>
+          </a:p>
+          <a:p>
+            <a:r>
+              <a:rPr lang="en-US" dirty="0" smtClean="0"/>
+              <a:t>Supports a wide variety of statistical techniques and graphing tools</a:t>
+            </a:r>
+          </a:p>
+          <a:p>
+            <a:r>
+              <a:rPr lang="en-US" dirty="0" smtClean="0"/>
+              <a:t>An extensible set of packages that provide extra functions via CRAN</a:t>
+            </a:r>
+          </a:p>
+          <a:p>
+            <a:pPr lvl="1"/>
+            <a:r>
+              <a:rPr lang="en-US" dirty="0" smtClean="0"/>
+              <a:t>The Comprehensive R Archive Network</a:t>
+            </a:r>
+            <a:endParaRPr lang="en-US" dirty="0"/>
+          </a:p>
+        </p:txBody>
+      </p:sp>
+      <p:pic>
+        <p:nvPicPr>
+          <p:cNvPr id="5" name="Picture 4"/>
+          <p:cNvPicPr>
+            <a:picLocks noChangeAspect="1"/>
+          </p:cNvPicPr>
+          <p:nvPr/>
+        </p:nvPicPr>
+        <p:blipFill>
+          <a:blip r:embed="rId2"/>
+          <a:stretch>
+            <a:fillRect/>
+          </a:stretch>
+        </p:blipFill>
+        <p:spPr>
+          <a:xfrm>
+            <a:off x="7685385" y="117126"/>
+            <a:ext cx="1170279" cy="906966"/>
+          </a:xfrm>
+          <a:prstGeom prst="rect">
+            <a:avLst/>
+          </a:prstGeom>
+        </p:spPr>
+      </p:pic>
     </p:spTree>
     <p:extLst>
       <p:ext uri="{BB962C8B-B14F-4D97-AF65-F5344CB8AC3E}">
-        <p14:creationId xmlns:p14="http://schemas.microsoft.com/office/powerpoint/2010/main" val="973082986"/>
+        <p14:creationId xmlns:p14="http://schemas.microsoft.com/office/powerpoint/2010/main" val="3437246227"/>
+      </p:ext>
+    </p:extLst>
+  </p:cSld>
+  <p:clrMapOvr>
+    <a:masterClrMapping/>
+  </p:clrMapOvr>
+  <p:timing>
+    <p:tnLst>
+      <p:par>
+        <p:cTn xmlns:p14="http://schemas.microsoft.com/office/powerpoint/2010/main" id="1" dur="indefinite" restart="never" nodeType="tmRoot"/>
+      </p:par>
+    </p:tnLst>
+  </p:timing>
+</p:sld>
+</file>
+
+<file path=ppt/slides/slide17.xml><?xml version="1.0" encoding="utf-8"?>
+<p:sld xmlns:a="http://schemas.openxmlformats.org/drawingml/2006/main" xmlns:r="http://schemas.openxmlformats.org/officeDocument/2006/relationships" xmlns:p="http://schemas.openxmlformats.org/presentationml/2006/main">
+  <p:cSld>
+    <p:spTree>
+      <p:nvGrpSpPr>
+        <p:cNvPr id="1" name=""/>
+        <p:cNvGrpSpPr/>
+        <p:nvPr/>
+      </p:nvGrpSpPr>
+      <p:grpSpPr>
+        <a:xfrm>
+          <a:off x="0" y="0"/>
+          <a:ext cx="0" cy="0"/>
+          <a:chOff x="0" y="0"/>
+          <a:chExt cx="0" cy="0"/>
+        </a:xfrm>
+      </p:grpSpPr>
+      <p:sp>
+        <p:nvSpPr>
+          <p:cNvPr id="2" name="Title 1"/>
+          <p:cNvSpPr>
+            <a:spLocks noGrp="1"/>
+          </p:cNvSpPr>
+          <p:nvPr>
+            <p:ph type="title"/>
+          </p:nvPr>
+        </p:nvSpPr>
+        <p:spPr/>
+        <p:txBody>
+          <a:bodyPr/>
+          <a:lstStyle/>
+          <a:p>
+            <a:r>
+              <a:rPr lang="en-US" dirty="0" err="1" smtClean="0"/>
+              <a:t>SparkR</a:t>
+            </a:r>
+            <a:endParaRPr lang="en-US" dirty="0"/>
+          </a:p>
+        </p:txBody>
+      </p:sp>
+      <p:sp>
+        <p:nvSpPr>
+          <p:cNvPr id="3" name="Content Placeholder 2"/>
+          <p:cNvSpPr>
+            <a:spLocks noGrp="1"/>
+          </p:cNvSpPr>
+          <p:nvPr>
+            <p:ph idx="1"/>
+          </p:nvPr>
+        </p:nvSpPr>
+        <p:spPr/>
+        <p:txBody>
+          <a:bodyPr/>
+          <a:lstStyle/>
+          <a:p>
+            <a:r>
+              <a:rPr lang="en-US" dirty="0" smtClean="0"/>
+              <a:t>A lightweight approach to use Spark from within R</a:t>
+            </a:r>
+          </a:p>
+          <a:p>
+            <a:r>
+              <a:rPr lang="en-US" dirty="0" smtClean="0"/>
+              <a:t>Also works with MLlib for machine learning</a:t>
+            </a:r>
+          </a:p>
+          <a:p>
+            <a:r>
+              <a:rPr lang="en-US" dirty="0" smtClean="0"/>
+              <a:t>Allows complex statistical analysis to be done on a Spark cluster </a:t>
+            </a:r>
+            <a:endParaRPr lang="en-US" dirty="0"/>
+          </a:p>
+        </p:txBody>
+      </p:sp>
+    </p:spTree>
+    <p:extLst>
+      <p:ext uri="{BB962C8B-B14F-4D97-AF65-F5344CB8AC3E}">
+        <p14:creationId xmlns:p14="http://schemas.microsoft.com/office/powerpoint/2010/main" val="1296439439"/>
+      </p:ext>
+    </p:extLst>
+  </p:cSld>
+  <p:clrMapOvr>
+    <a:masterClrMapping/>
+  </p:clrMapOvr>
+  <p:timing>
+    <p:tnLst>
+      <p:par>
+        <p:cTn xmlns:p14="http://schemas.microsoft.com/office/powerpoint/2010/main" id="1" dur="indefinite" restart="never" nodeType="tmRoot"/>
+      </p:par>
+    </p:tnLst>
+  </p:timing>
+</p:sld>
+</file>
+
+<file path=ppt/slides/slide18.xml><?xml version="1.0" encoding="utf-8"?>
+<p:sld xmlns:a="http://schemas.openxmlformats.org/drawingml/2006/main" xmlns:r="http://schemas.openxmlformats.org/officeDocument/2006/relationships" xmlns:p="http://schemas.openxmlformats.org/presentationml/2006/main">
+  <p:cSld>
+    <p:spTree>
+      <p:nvGrpSpPr>
+        <p:cNvPr id="1" name=""/>
+        <p:cNvGrpSpPr/>
+        <p:nvPr/>
+      </p:nvGrpSpPr>
+      <p:grpSpPr>
+        <a:xfrm>
+          <a:off x="0" y="0"/>
+          <a:ext cx="0" cy="0"/>
+          <a:chOff x="0" y="0"/>
+          <a:chExt cx="0" cy="0"/>
+        </a:xfrm>
+      </p:grpSpPr>
+      <p:sp>
+        <p:nvSpPr>
+          <p:cNvPr id="2" name="Title 1"/>
+          <p:cNvSpPr>
+            <a:spLocks noGrp="1"/>
+          </p:cNvSpPr>
+          <p:nvPr>
+            <p:ph type="title"/>
+          </p:nvPr>
+        </p:nvSpPr>
+        <p:spPr/>
+        <p:txBody>
+          <a:bodyPr/>
+          <a:lstStyle/>
+          <a:p>
+            <a:r>
+              <a:rPr lang="en-US" dirty="0" smtClean="0"/>
+              <a:t>Apache Avro</a:t>
+            </a:r>
+            <a:endParaRPr lang="en-US" dirty="0"/>
+          </a:p>
+        </p:txBody>
+      </p:sp>
+      <p:sp>
+        <p:nvSpPr>
+          <p:cNvPr id="3" name="Content Placeholder 2"/>
+          <p:cNvSpPr>
+            <a:spLocks noGrp="1"/>
+          </p:cNvSpPr>
+          <p:nvPr>
+            <p:ph idx="1"/>
+          </p:nvPr>
+        </p:nvSpPr>
+        <p:spPr/>
+        <p:txBody>
+          <a:bodyPr>
+            <a:normAutofit fontScale="92500" lnSpcReduction="10000"/>
+          </a:bodyPr>
+          <a:lstStyle/>
+          <a:p>
+            <a:r>
+              <a:rPr lang="en-US" dirty="0" smtClean="0"/>
+              <a:t>A compact data storage and transmission system</a:t>
+            </a:r>
+          </a:p>
+          <a:p>
+            <a:pPr lvl="1"/>
+            <a:r>
+              <a:rPr lang="en-US" dirty="0" smtClean="0"/>
+              <a:t>Uses schemas of data to ensure it can be read by the receiver</a:t>
+            </a:r>
+          </a:p>
+          <a:p>
+            <a:pPr lvl="1"/>
+            <a:r>
+              <a:rPr lang="en-US" dirty="0" smtClean="0"/>
+              <a:t>Supports dynamic typing</a:t>
+            </a:r>
+          </a:p>
+          <a:p>
+            <a:r>
+              <a:rPr lang="en-US" dirty="0" smtClean="0"/>
+              <a:t>Used by RPC or data collection systems </a:t>
+            </a:r>
+          </a:p>
+          <a:p>
+            <a:pPr lvl="1"/>
+            <a:r>
+              <a:rPr lang="en-US" dirty="0" smtClean="0"/>
+              <a:t>Fast binary protocols</a:t>
+            </a:r>
+          </a:p>
+          <a:p>
+            <a:r>
+              <a:rPr lang="en-US" dirty="0" smtClean="0"/>
+              <a:t>Also supports storage</a:t>
+            </a:r>
+          </a:p>
+          <a:p>
+            <a:pPr lvl="1"/>
+            <a:r>
+              <a:rPr lang="en-US" dirty="0" smtClean="0"/>
+              <a:t>Hence used by many Big Data apps including </a:t>
+            </a:r>
+            <a:r>
+              <a:rPr lang="en-US" dirty="0" err="1" smtClean="0"/>
+              <a:t>Hadoop</a:t>
+            </a:r>
+            <a:r>
+              <a:rPr lang="en-US" dirty="0" smtClean="0"/>
+              <a:t> and Spark</a:t>
+            </a:r>
+            <a:endParaRPr lang="en-US" dirty="0"/>
+          </a:p>
+        </p:txBody>
+      </p:sp>
+    </p:spTree>
+    <p:extLst>
+      <p:ext uri="{BB962C8B-B14F-4D97-AF65-F5344CB8AC3E}">
+        <p14:creationId xmlns:p14="http://schemas.microsoft.com/office/powerpoint/2010/main" val="3216011013"/>
+      </p:ext>
+    </p:extLst>
+  </p:cSld>
+  <p:clrMapOvr>
+    <a:masterClrMapping/>
+  </p:clrMapOvr>
+</p:sld>
+</file>
+
+<file path=ppt/slides/slide19.xml><?xml version="1.0" encoding="utf-8"?>
+<p:sld xmlns:a="http://schemas.openxmlformats.org/drawingml/2006/main" xmlns:r="http://schemas.openxmlformats.org/officeDocument/2006/relationships" xmlns:p="http://schemas.openxmlformats.org/presentationml/2006/main">
+  <p:cSld>
+    <p:spTree>
+      <p:nvGrpSpPr>
+        <p:cNvPr id="1" name=""/>
+        <p:cNvGrpSpPr/>
+        <p:nvPr/>
+      </p:nvGrpSpPr>
+      <p:grpSpPr>
+        <a:xfrm>
+          <a:off x="0" y="0"/>
+          <a:ext cx="0" cy="0"/>
+          <a:chOff x="0" y="0"/>
+          <a:chExt cx="0" cy="0"/>
+        </a:xfrm>
+      </p:grpSpPr>
+      <p:sp>
+        <p:nvSpPr>
+          <p:cNvPr id="2" name="Title 1"/>
+          <p:cNvSpPr>
+            <a:spLocks noGrp="1"/>
+          </p:cNvSpPr>
+          <p:nvPr>
+            <p:ph type="title"/>
+          </p:nvPr>
+        </p:nvSpPr>
+        <p:spPr/>
+        <p:txBody>
+          <a:bodyPr/>
+          <a:lstStyle/>
+          <a:p>
+            <a:r>
+              <a:rPr lang="en-US" dirty="0" smtClean="0"/>
+              <a:t>Apache Parquet</a:t>
+            </a:r>
+            <a:endParaRPr lang="en-US" dirty="0"/>
+          </a:p>
+        </p:txBody>
+      </p:sp>
+      <p:sp>
+        <p:nvSpPr>
+          <p:cNvPr id="3" name="Content Placeholder 2"/>
+          <p:cNvSpPr>
+            <a:spLocks noGrp="1"/>
+          </p:cNvSpPr>
+          <p:nvPr>
+            <p:ph idx="1"/>
+          </p:nvPr>
+        </p:nvSpPr>
+        <p:spPr>
+          <a:xfrm>
+            <a:off x="375635" y="1600200"/>
+            <a:ext cx="3824814" cy="4525963"/>
+          </a:xfrm>
+        </p:spPr>
+        <p:txBody>
+          <a:bodyPr>
+            <a:normAutofit/>
+          </a:bodyPr>
+          <a:lstStyle/>
+          <a:p>
+            <a:r>
+              <a:rPr lang="en-US" sz="2800" dirty="0" smtClean="0"/>
+              <a:t>Apache Parquet is a columnar data storage model </a:t>
+            </a:r>
+          </a:p>
+          <a:p>
+            <a:pPr lvl="1"/>
+            <a:r>
+              <a:rPr lang="en-US" sz="2400" dirty="0" smtClean="0"/>
+              <a:t>Works with </a:t>
+            </a:r>
+            <a:r>
+              <a:rPr lang="en-US" sz="2400" dirty="0" err="1" smtClean="0"/>
+              <a:t>Hadoop</a:t>
+            </a:r>
+            <a:r>
+              <a:rPr lang="en-US" sz="2400" dirty="0" smtClean="0"/>
+              <a:t>, Spark and many others</a:t>
+            </a:r>
+          </a:p>
+          <a:p>
+            <a:pPr lvl="1"/>
+            <a:r>
+              <a:rPr lang="en-US" sz="2400" dirty="0" smtClean="0"/>
+              <a:t>Efficient storage of data</a:t>
+            </a:r>
+          </a:p>
+          <a:p>
+            <a:pPr lvl="1"/>
+            <a:r>
+              <a:rPr lang="en-US" sz="2400" dirty="0" smtClean="0"/>
+              <a:t>Based on another Google system called </a:t>
+            </a:r>
+            <a:r>
+              <a:rPr lang="en-US" sz="2400" dirty="0" err="1" smtClean="0"/>
+              <a:t>Dremel</a:t>
+            </a:r>
+            <a:endParaRPr lang="en-US" sz="2400" dirty="0"/>
+          </a:p>
+        </p:txBody>
+      </p:sp>
+      <p:pic>
+        <p:nvPicPr>
+          <p:cNvPr id="4" name="Picture 3"/>
+          <p:cNvPicPr>
+            <a:picLocks noChangeAspect="1"/>
+          </p:cNvPicPr>
+          <p:nvPr/>
+        </p:nvPicPr>
+        <p:blipFill>
+          <a:blip r:embed="rId2"/>
+          <a:stretch>
+            <a:fillRect/>
+          </a:stretch>
+        </p:blipFill>
+        <p:spPr>
+          <a:xfrm>
+            <a:off x="4200449" y="2009773"/>
+            <a:ext cx="4600532" cy="3658992"/>
+          </a:xfrm>
+          <a:prstGeom prst="rect">
+            <a:avLst/>
+          </a:prstGeom>
+        </p:spPr>
+      </p:pic>
+    </p:spTree>
+    <p:extLst>
+      <p:ext uri="{BB962C8B-B14F-4D97-AF65-F5344CB8AC3E}">
+        <p14:creationId xmlns:p14="http://schemas.microsoft.com/office/powerpoint/2010/main" val="366265488"/>
       </p:ext>
     </p:extLst>
   </p:cSld>
@@ -4779,7 +5739,7 @@
           <a:p>
             <a:r>
               <a:rPr lang="en-US" dirty="0" smtClean="0"/>
-              <a:t>Spark packages</a:t>
+              <a:t>HDFS in a nutshell</a:t>
             </a:r>
             <a:endParaRPr lang="en-US" dirty="0"/>
           </a:p>
@@ -4787,82 +5747,841 @@
       </p:sp>
       <p:sp>
         <p:nvSpPr>
-          <p:cNvPr id="3" name="Content Placeholder 2"/>
-          <p:cNvSpPr>
-            <a:spLocks noGrp="1"/>
-          </p:cNvSpPr>
-          <p:nvPr>
-            <p:ph idx="1"/>
-          </p:nvPr>
-        </p:nvSpPr>
-        <p:spPr/>
-        <p:txBody>
-          <a:bodyPr/>
-          <a:lstStyle/>
-          <a:p>
-            <a:r>
-              <a:rPr lang="en-US" dirty="0" smtClean="0"/>
-              <a:t>A wide set of plugins</a:t>
-            </a:r>
-          </a:p>
-          <a:p>
-            <a:pPr lvl="1"/>
-            <a:r>
-              <a:rPr lang="en-US" dirty="0" smtClean="0"/>
-              <a:t>Currently 148 community donated plugins</a:t>
-            </a:r>
-          </a:p>
-          <a:p>
-            <a:r>
-              <a:rPr lang="en-US" dirty="0" smtClean="0"/>
-              <a:t> Data connectors	</a:t>
-            </a:r>
-          </a:p>
-          <a:p>
-            <a:pPr lvl="1"/>
-            <a:r>
-              <a:rPr lang="en-US" dirty="0" smtClean="0"/>
-              <a:t>Cassandra, </a:t>
-            </a:r>
+          <p:cNvPr id="5" name="Rounded Rectangle 4"/>
+          <p:cNvSpPr/>
+          <p:nvPr/>
+        </p:nvSpPr>
+        <p:spPr>
+          <a:xfrm>
+            <a:off x="966341" y="1918997"/>
+            <a:ext cx="1421901" cy="1283934"/>
+          </a:xfrm>
+          <a:prstGeom prst="roundRect">
+            <a:avLst/>
+          </a:prstGeom>
+        </p:spPr>
+        <p:style>
+          <a:lnRef idx="1">
+            <a:schemeClr val="accent1"/>
+          </a:lnRef>
+          <a:fillRef idx="3">
+            <a:schemeClr val="accent1"/>
+          </a:fillRef>
+          <a:effectRef idx="2">
+            <a:schemeClr val="accent1"/>
+          </a:effectRef>
+          <a:fontRef idx="minor">
+            <a:schemeClr val="lt1"/>
+          </a:fontRef>
+        </p:style>
+        <p:txBody>
+          <a:bodyPr rtlCol="0" anchor="ctr"/>
+          <a:lstStyle/>
+          <a:p>
+            <a:pPr algn="ctr"/>
+            <a:r>
+              <a:rPr lang="en-US" dirty="0" smtClean="0"/>
+              <a:t>Client</a:t>
+            </a:r>
+            <a:endParaRPr lang="en-US" dirty="0"/>
+          </a:p>
+        </p:txBody>
+      </p:sp>
+      <p:sp>
+        <p:nvSpPr>
+          <p:cNvPr id="6" name="Rounded Rectangle 5"/>
+          <p:cNvSpPr/>
+          <p:nvPr/>
+        </p:nvSpPr>
+        <p:spPr>
+          <a:xfrm>
+            <a:off x="4349080" y="1918997"/>
+            <a:ext cx="1421901" cy="1283934"/>
+          </a:xfrm>
+          <a:prstGeom prst="roundRect">
+            <a:avLst/>
+          </a:prstGeom>
+        </p:spPr>
+        <p:style>
+          <a:lnRef idx="1">
+            <a:schemeClr val="accent1"/>
+          </a:lnRef>
+          <a:fillRef idx="3">
+            <a:schemeClr val="accent1"/>
+          </a:fillRef>
+          <a:effectRef idx="2">
+            <a:schemeClr val="accent1"/>
+          </a:effectRef>
+          <a:fontRef idx="minor">
+            <a:schemeClr val="lt1"/>
+          </a:fontRef>
+        </p:style>
+        <p:txBody>
+          <a:bodyPr rtlCol="0" anchor="ctr"/>
+          <a:lstStyle/>
+          <a:p>
+            <a:pPr algn="ctr"/>
             <a:r>
               <a:rPr lang="en-US" dirty="0" err="1" smtClean="0"/>
-              <a:t>Couchbase</a:t>
-            </a:r>
-            <a:r>
-              <a:rPr lang="en-US" dirty="0" smtClean="0"/>
-              <a:t>, Mongo, CSV, </a:t>
-            </a:r>
+              <a:t>NameNode</a:t>
+            </a:r>
+            <a:endParaRPr lang="en-US" dirty="0"/>
+          </a:p>
+        </p:txBody>
+      </p:sp>
+      <p:sp>
+        <p:nvSpPr>
+          <p:cNvPr id="7" name="Rounded Rectangle 6"/>
+          <p:cNvSpPr/>
+          <p:nvPr/>
+        </p:nvSpPr>
+        <p:spPr>
+          <a:xfrm>
+            <a:off x="1677291" y="4156064"/>
+            <a:ext cx="1421901" cy="1283934"/>
+          </a:xfrm>
+          <a:prstGeom prst="roundRect">
+            <a:avLst/>
+          </a:prstGeom>
+        </p:spPr>
+        <p:style>
+          <a:lnRef idx="1">
+            <a:schemeClr val="accent1"/>
+          </a:lnRef>
+          <a:fillRef idx="3">
+            <a:schemeClr val="accent1"/>
+          </a:fillRef>
+          <a:effectRef idx="2">
+            <a:schemeClr val="accent1"/>
+          </a:effectRef>
+          <a:fontRef idx="minor">
+            <a:schemeClr val="lt1"/>
+          </a:fontRef>
+        </p:style>
+        <p:txBody>
+          <a:bodyPr rtlCol="0" anchor="ctr"/>
+          <a:lstStyle/>
+          <a:p>
+            <a:pPr algn="ctr"/>
             <a:r>
               <a:rPr lang="en-US" dirty="0" err="1" smtClean="0"/>
-              <a:t>etc</a:t>
-            </a:r>
-            <a:endParaRPr lang="en-US" dirty="0" smtClean="0"/>
-          </a:p>
-          <a:p>
-            <a:r>
-              <a:rPr lang="en-US" dirty="0" smtClean="0"/>
-              <a:t>Machine Learning, Neural networks</a:t>
-            </a:r>
-          </a:p>
-          <a:p>
-            <a:r>
-              <a:rPr lang="en-US" dirty="0" smtClean="0"/>
-              <a:t>Streaming</a:t>
-            </a:r>
-          </a:p>
-          <a:p>
+              <a:t>DataNode</a:t>
+            </a:r>
+            <a:endParaRPr lang="en-US" dirty="0"/>
+          </a:p>
+        </p:txBody>
+      </p:sp>
+      <p:sp>
+        <p:nvSpPr>
+          <p:cNvPr id="8" name="Rounded Rectangle 7"/>
+          <p:cNvSpPr/>
+          <p:nvPr/>
+        </p:nvSpPr>
+        <p:spPr>
+          <a:xfrm>
+            <a:off x="3505889" y="4156064"/>
+            <a:ext cx="1421901" cy="1283934"/>
+          </a:xfrm>
+          <a:prstGeom prst="roundRect">
+            <a:avLst/>
+          </a:prstGeom>
+        </p:spPr>
+        <p:style>
+          <a:lnRef idx="1">
+            <a:schemeClr val="accent1"/>
+          </a:lnRef>
+          <a:fillRef idx="3">
+            <a:schemeClr val="accent1"/>
+          </a:fillRef>
+          <a:effectRef idx="2">
+            <a:schemeClr val="accent1"/>
+          </a:effectRef>
+          <a:fontRef idx="minor">
+            <a:schemeClr val="lt1"/>
+          </a:fontRef>
+        </p:style>
+        <p:txBody>
+          <a:bodyPr rtlCol="0" anchor="ctr"/>
+          <a:lstStyle/>
+          <a:p>
+            <a:pPr algn="ctr"/>
             <a:r>
               <a:rPr lang="en-US" dirty="0" err="1" smtClean="0"/>
-              <a:t>etc</a:t>
+              <a:t>DataNode</a:t>
             </a:r>
             <a:endParaRPr lang="en-US" dirty="0"/>
+          </a:p>
+        </p:txBody>
+      </p:sp>
+      <p:sp>
+        <p:nvSpPr>
+          <p:cNvPr id="9" name="Rounded Rectangle 8"/>
+          <p:cNvSpPr/>
+          <p:nvPr/>
+        </p:nvSpPr>
+        <p:spPr>
+          <a:xfrm>
+            <a:off x="5334487" y="4156064"/>
+            <a:ext cx="1421901" cy="1283934"/>
+          </a:xfrm>
+          <a:prstGeom prst="roundRect">
+            <a:avLst/>
+          </a:prstGeom>
+        </p:spPr>
+        <p:style>
+          <a:lnRef idx="1">
+            <a:schemeClr val="accent1"/>
+          </a:lnRef>
+          <a:fillRef idx="3">
+            <a:schemeClr val="accent1"/>
+          </a:fillRef>
+          <a:effectRef idx="2">
+            <a:schemeClr val="accent1"/>
+          </a:effectRef>
+          <a:fontRef idx="minor">
+            <a:schemeClr val="lt1"/>
+          </a:fontRef>
+        </p:style>
+        <p:txBody>
+          <a:bodyPr rtlCol="0" anchor="ctr"/>
+          <a:lstStyle/>
+          <a:p>
+            <a:pPr algn="ctr"/>
+            <a:r>
+              <a:rPr lang="en-US" dirty="0" err="1" smtClean="0"/>
+              <a:t>DataNode</a:t>
+            </a:r>
+            <a:endParaRPr lang="en-US" dirty="0"/>
+          </a:p>
+        </p:txBody>
+      </p:sp>
+      <p:sp>
+        <p:nvSpPr>
+          <p:cNvPr id="10" name="Rounded Rectangle 9"/>
+          <p:cNvSpPr/>
+          <p:nvPr/>
+        </p:nvSpPr>
+        <p:spPr>
+          <a:xfrm>
+            <a:off x="7163085" y="4156064"/>
+            <a:ext cx="1421901" cy="1283934"/>
+          </a:xfrm>
+          <a:prstGeom prst="roundRect">
+            <a:avLst/>
+          </a:prstGeom>
+        </p:spPr>
+        <p:style>
+          <a:lnRef idx="1">
+            <a:schemeClr val="accent1"/>
+          </a:lnRef>
+          <a:fillRef idx="3">
+            <a:schemeClr val="accent1"/>
+          </a:fillRef>
+          <a:effectRef idx="2">
+            <a:schemeClr val="accent1"/>
+          </a:effectRef>
+          <a:fontRef idx="minor">
+            <a:schemeClr val="lt1"/>
+          </a:fontRef>
+        </p:style>
+        <p:txBody>
+          <a:bodyPr rtlCol="0" anchor="ctr"/>
+          <a:lstStyle/>
+          <a:p>
+            <a:pPr algn="ctr"/>
+            <a:r>
+              <a:rPr lang="en-US" dirty="0" err="1" smtClean="0"/>
+              <a:t>DataNode</a:t>
+            </a:r>
+            <a:endParaRPr lang="en-US" dirty="0"/>
+          </a:p>
+        </p:txBody>
+      </p:sp>
+      <p:sp>
+        <p:nvSpPr>
+          <p:cNvPr id="11" name="Rounded Rectangle 10"/>
+          <p:cNvSpPr/>
+          <p:nvPr/>
+        </p:nvSpPr>
+        <p:spPr>
+          <a:xfrm>
+            <a:off x="7163084" y="1918997"/>
+            <a:ext cx="1421901" cy="1283934"/>
+          </a:xfrm>
+          <a:prstGeom prst="roundRect">
+            <a:avLst/>
+          </a:prstGeom>
+        </p:spPr>
+        <p:style>
+          <a:lnRef idx="1">
+            <a:schemeClr val="accent1"/>
+          </a:lnRef>
+          <a:fillRef idx="3">
+            <a:schemeClr val="accent1"/>
+          </a:fillRef>
+          <a:effectRef idx="2">
+            <a:schemeClr val="accent1"/>
+          </a:effectRef>
+          <a:fontRef idx="minor">
+            <a:schemeClr val="lt1"/>
+          </a:fontRef>
+        </p:style>
+        <p:txBody>
+          <a:bodyPr rtlCol="0" anchor="ctr"/>
+          <a:lstStyle/>
+          <a:p>
+            <a:pPr algn="ctr"/>
+            <a:r>
+              <a:rPr lang="en-US" dirty="0" smtClean="0"/>
+              <a:t>Secondary</a:t>
+            </a:r>
+          </a:p>
+          <a:p>
+            <a:pPr algn="ctr"/>
+            <a:r>
+              <a:rPr lang="en-US" dirty="0" err="1" smtClean="0"/>
+              <a:t>NameNode</a:t>
+            </a:r>
+            <a:endParaRPr lang="en-US" dirty="0"/>
+          </a:p>
+        </p:txBody>
+      </p:sp>
+      <p:cxnSp>
+        <p:nvCxnSpPr>
+          <p:cNvPr id="13" name="Straight Arrow Connector 12"/>
+          <p:cNvCxnSpPr>
+            <a:stCxn id="6" idx="3"/>
+            <a:endCxn id="11" idx="1"/>
+          </p:cNvCxnSpPr>
+          <p:nvPr/>
+        </p:nvCxnSpPr>
+        <p:spPr>
+          <a:xfrm>
+            <a:off x="5770981" y="2560964"/>
+            <a:ext cx="1392103" cy="0"/>
+          </a:xfrm>
+          <a:prstGeom prst="straightConnector1">
+            <a:avLst/>
+          </a:prstGeom>
+          <a:ln>
+            <a:headEnd type="arrow"/>
+            <a:tailEnd type="arrow"/>
+          </a:ln>
+        </p:spPr>
+        <p:style>
+          <a:lnRef idx="2">
+            <a:schemeClr val="accent1"/>
+          </a:lnRef>
+          <a:fillRef idx="0">
+            <a:schemeClr val="accent1"/>
+          </a:fillRef>
+          <a:effectRef idx="1">
+            <a:schemeClr val="accent1"/>
+          </a:effectRef>
+          <a:fontRef idx="minor">
+            <a:schemeClr val="tx1"/>
+          </a:fontRef>
+        </p:style>
+      </p:cxnSp>
+      <p:cxnSp>
+        <p:nvCxnSpPr>
+          <p:cNvPr id="14" name="Straight Arrow Connector 13"/>
+          <p:cNvCxnSpPr>
+            <a:stCxn id="6" idx="2"/>
+            <a:endCxn id="7" idx="0"/>
+          </p:cNvCxnSpPr>
+          <p:nvPr/>
+        </p:nvCxnSpPr>
+        <p:spPr>
+          <a:xfrm flipH="1">
+            <a:off x="2388242" y="3202931"/>
+            <a:ext cx="2671789" cy="953133"/>
+          </a:xfrm>
+          <a:prstGeom prst="straightConnector1">
+            <a:avLst/>
+          </a:prstGeom>
+          <a:ln>
+            <a:headEnd type="arrow"/>
+            <a:tailEnd type="arrow"/>
+          </a:ln>
+        </p:spPr>
+        <p:style>
+          <a:lnRef idx="2">
+            <a:schemeClr val="accent1"/>
+          </a:lnRef>
+          <a:fillRef idx="0">
+            <a:schemeClr val="accent1"/>
+          </a:fillRef>
+          <a:effectRef idx="1">
+            <a:schemeClr val="accent1"/>
+          </a:effectRef>
+          <a:fontRef idx="minor">
+            <a:schemeClr val="tx1"/>
+          </a:fontRef>
+        </p:style>
+      </p:cxnSp>
+      <p:cxnSp>
+        <p:nvCxnSpPr>
+          <p:cNvPr id="17" name="Straight Arrow Connector 16"/>
+          <p:cNvCxnSpPr>
+            <a:stCxn id="6" idx="2"/>
+            <a:endCxn id="8" idx="0"/>
+          </p:cNvCxnSpPr>
+          <p:nvPr/>
+        </p:nvCxnSpPr>
+        <p:spPr>
+          <a:xfrm flipH="1">
+            <a:off x="4216840" y="3202931"/>
+            <a:ext cx="843191" cy="953133"/>
+          </a:xfrm>
+          <a:prstGeom prst="straightConnector1">
+            <a:avLst/>
+          </a:prstGeom>
+          <a:ln>
+            <a:headEnd type="arrow"/>
+            <a:tailEnd type="arrow"/>
+          </a:ln>
+        </p:spPr>
+        <p:style>
+          <a:lnRef idx="2">
+            <a:schemeClr val="accent1"/>
+          </a:lnRef>
+          <a:fillRef idx="0">
+            <a:schemeClr val="accent1"/>
+          </a:fillRef>
+          <a:effectRef idx="1">
+            <a:schemeClr val="accent1"/>
+          </a:effectRef>
+          <a:fontRef idx="minor">
+            <a:schemeClr val="tx1"/>
+          </a:fontRef>
+        </p:style>
+      </p:cxnSp>
+      <p:cxnSp>
+        <p:nvCxnSpPr>
+          <p:cNvPr id="20" name="Straight Arrow Connector 19"/>
+          <p:cNvCxnSpPr>
+            <a:stCxn id="6" idx="2"/>
+            <a:endCxn id="9" idx="0"/>
+          </p:cNvCxnSpPr>
+          <p:nvPr/>
+        </p:nvCxnSpPr>
+        <p:spPr>
+          <a:xfrm>
+            <a:off x="5060031" y="3202931"/>
+            <a:ext cx="985407" cy="953133"/>
+          </a:xfrm>
+          <a:prstGeom prst="straightConnector1">
+            <a:avLst/>
+          </a:prstGeom>
+          <a:ln>
+            <a:headEnd type="arrow"/>
+            <a:tailEnd type="arrow"/>
+          </a:ln>
+        </p:spPr>
+        <p:style>
+          <a:lnRef idx="2">
+            <a:schemeClr val="accent1"/>
+          </a:lnRef>
+          <a:fillRef idx="0">
+            <a:schemeClr val="accent1"/>
+          </a:fillRef>
+          <a:effectRef idx="1">
+            <a:schemeClr val="accent1"/>
+          </a:effectRef>
+          <a:fontRef idx="minor">
+            <a:schemeClr val="tx1"/>
+          </a:fontRef>
+        </p:style>
+      </p:cxnSp>
+      <p:cxnSp>
+        <p:nvCxnSpPr>
+          <p:cNvPr id="24" name="Straight Arrow Connector 23"/>
+          <p:cNvCxnSpPr>
+            <a:stCxn id="6" idx="2"/>
+            <a:endCxn id="10" idx="0"/>
+          </p:cNvCxnSpPr>
+          <p:nvPr/>
+        </p:nvCxnSpPr>
+        <p:spPr>
+          <a:xfrm>
+            <a:off x="5060031" y="3202931"/>
+            <a:ext cx="2814005" cy="953133"/>
+          </a:xfrm>
+          <a:prstGeom prst="straightConnector1">
+            <a:avLst/>
+          </a:prstGeom>
+          <a:ln>
+            <a:headEnd type="arrow"/>
+            <a:tailEnd type="arrow"/>
+          </a:ln>
+        </p:spPr>
+        <p:style>
+          <a:lnRef idx="2">
+            <a:schemeClr val="accent1"/>
+          </a:lnRef>
+          <a:fillRef idx="0">
+            <a:schemeClr val="accent1"/>
+          </a:fillRef>
+          <a:effectRef idx="1">
+            <a:schemeClr val="accent1"/>
+          </a:effectRef>
+          <a:fontRef idx="minor">
+            <a:schemeClr val="tx1"/>
+          </a:fontRef>
+        </p:style>
+      </p:cxnSp>
+      <p:cxnSp>
+        <p:nvCxnSpPr>
+          <p:cNvPr id="27" name="Straight Arrow Connector 26"/>
+          <p:cNvCxnSpPr>
+            <a:stCxn id="5" idx="3"/>
+            <a:endCxn id="6" idx="1"/>
+          </p:cNvCxnSpPr>
+          <p:nvPr/>
+        </p:nvCxnSpPr>
+        <p:spPr>
+          <a:xfrm>
+            <a:off x="2388242" y="2560964"/>
+            <a:ext cx="1960838" cy="0"/>
+          </a:xfrm>
+          <a:prstGeom prst="straightConnector1">
+            <a:avLst/>
+          </a:prstGeom>
+          <a:ln>
+            <a:headEnd type="arrow"/>
+            <a:tailEnd type="arrow"/>
+          </a:ln>
+        </p:spPr>
+        <p:style>
+          <a:lnRef idx="2">
+            <a:schemeClr val="accent1"/>
+          </a:lnRef>
+          <a:fillRef idx="0">
+            <a:schemeClr val="accent1"/>
+          </a:fillRef>
+          <a:effectRef idx="1">
+            <a:schemeClr val="accent1"/>
+          </a:effectRef>
+          <a:fontRef idx="minor">
+            <a:schemeClr val="tx1"/>
+          </a:fontRef>
+        </p:style>
+      </p:cxnSp>
+      <p:cxnSp>
+        <p:nvCxnSpPr>
+          <p:cNvPr id="30" name="Straight Arrow Connector 29"/>
+          <p:cNvCxnSpPr>
+            <a:endCxn id="7" idx="0"/>
+          </p:cNvCxnSpPr>
+          <p:nvPr/>
+        </p:nvCxnSpPr>
+        <p:spPr>
+          <a:xfrm>
+            <a:off x="1808438" y="3202932"/>
+            <a:ext cx="579804" cy="953132"/>
+          </a:xfrm>
+          <a:prstGeom prst="straightConnector1">
+            <a:avLst/>
+          </a:prstGeom>
+          <a:ln>
+            <a:headEnd type="arrow"/>
+            <a:tailEnd type="arrow"/>
+          </a:ln>
+        </p:spPr>
+        <p:style>
+          <a:lnRef idx="2">
+            <a:schemeClr val="accent1"/>
+          </a:lnRef>
+          <a:fillRef idx="0">
+            <a:schemeClr val="accent1"/>
+          </a:fillRef>
+          <a:effectRef idx="1">
+            <a:schemeClr val="accent1"/>
+          </a:effectRef>
+          <a:fontRef idx="minor">
+            <a:schemeClr val="tx1"/>
+          </a:fontRef>
+        </p:style>
+      </p:cxnSp>
+      <p:cxnSp>
+        <p:nvCxnSpPr>
+          <p:cNvPr id="33" name="Straight Arrow Connector 32"/>
+          <p:cNvCxnSpPr>
+            <a:stCxn id="5" idx="2"/>
+            <a:endCxn id="9" idx="0"/>
+          </p:cNvCxnSpPr>
+          <p:nvPr/>
+        </p:nvCxnSpPr>
+        <p:spPr>
+          <a:xfrm>
+            <a:off x="1677292" y="3202931"/>
+            <a:ext cx="4368146" cy="953133"/>
+          </a:xfrm>
+          <a:prstGeom prst="straightConnector1">
+            <a:avLst/>
+          </a:prstGeom>
+          <a:ln>
+            <a:headEnd type="arrow"/>
+            <a:tailEnd type="arrow"/>
+          </a:ln>
+        </p:spPr>
+        <p:style>
+          <a:lnRef idx="2">
+            <a:schemeClr val="accent1"/>
+          </a:lnRef>
+          <a:fillRef idx="0">
+            <a:schemeClr val="accent1"/>
+          </a:fillRef>
+          <a:effectRef idx="1">
+            <a:schemeClr val="accent1"/>
+          </a:effectRef>
+          <a:fontRef idx="minor">
+            <a:schemeClr val="tx1"/>
+          </a:fontRef>
+        </p:style>
+      </p:cxnSp>
+      <p:sp>
+        <p:nvSpPr>
+          <p:cNvPr id="37" name="TextBox 36"/>
+          <p:cNvSpPr txBox="1"/>
+          <p:nvPr/>
+        </p:nvSpPr>
+        <p:spPr>
+          <a:xfrm>
+            <a:off x="2843803" y="2277944"/>
+            <a:ext cx="890012" cy="307777"/>
+          </a:xfrm>
+          <a:prstGeom prst="rect">
+            <a:avLst/>
+          </a:prstGeom>
+          <a:noFill/>
+        </p:spPr>
+        <p:txBody>
+          <a:bodyPr wrap="none" rtlCol="0">
+            <a:spAutoFit/>
+          </a:bodyPr>
+          <a:lstStyle/>
+          <a:p>
+            <a:r>
+              <a:rPr lang="en-US" sz="1400" dirty="0" smtClean="0"/>
+              <a:t>metadata</a:t>
+            </a:r>
+            <a:endParaRPr lang="en-US" sz="1400" dirty="0"/>
+          </a:p>
+        </p:txBody>
+      </p:sp>
+      <p:sp>
+        <p:nvSpPr>
+          <p:cNvPr id="38" name="TextBox 37"/>
+          <p:cNvSpPr txBox="1"/>
+          <p:nvPr/>
+        </p:nvSpPr>
+        <p:spPr>
+          <a:xfrm>
+            <a:off x="5937596" y="2277944"/>
+            <a:ext cx="986443" cy="307777"/>
+          </a:xfrm>
+          <a:prstGeom prst="rect">
+            <a:avLst/>
+          </a:prstGeom>
+          <a:noFill/>
+        </p:spPr>
+        <p:txBody>
+          <a:bodyPr wrap="none" rtlCol="0">
+            <a:spAutoFit/>
+          </a:bodyPr>
+          <a:lstStyle/>
+          <a:p>
+            <a:r>
+              <a:rPr lang="en-US" sz="1400" dirty="0" smtClean="0"/>
+              <a:t>checkpoint</a:t>
+            </a:r>
+            <a:endParaRPr lang="en-US" sz="1400" dirty="0"/>
+          </a:p>
+        </p:txBody>
+      </p:sp>
+      <p:sp>
+        <p:nvSpPr>
+          <p:cNvPr id="39" name="TextBox 38"/>
+          <p:cNvSpPr txBox="1"/>
+          <p:nvPr/>
+        </p:nvSpPr>
+        <p:spPr>
+          <a:xfrm>
+            <a:off x="1677291" y="3389016"/>
+            <a:ext cx="1035447" cy="307777"/>
+          </a:xfrm>
+          <a:prstGeom prst="rect">
+            <a:avLst/>
+          </a:prstGeom>
+          <a:noFill/>
+        </p:spPr>
+        <p:txBody>
+          <a:bodyPr wrap="none" rtlCol="0">
+            <a:spAutoFit/>
+          </a:bodyPr>
+          <a:lstStyle/>
+          <a:p>
+            <a:r>
+              <a:rPr lang="en-US" sz="1400" dirty="0" smtClean="0"/>
+              <a:t>Data access</a:t>
+            </a:r>
+            <a:endParaRPr lang="en-US" sz="1400" dirty="0"/>
           </a:p>
         </p:txBody>
       </p:sp>
     </p:spTree>
     <p:extLst>
       <p:ext uri="{BB962C8B-B14F-4D97-AF65-F5344CB8AC3E}">
-        <p14:creationId xmlns:p14="http://schemas.microsoft.com/office/powerpoint/2010/main" val="1004807774"/>
+        <p14:creationId xmlns:p14="http://schemas.microsoft.com/office/powerpoint/2010/main" val="325281236"/>
+      </p:ext>
+    </p:extLst>
+  </p:cSld>
+  <p:clrMapOvr>
+    <a:masterClrMapping/>
+  </p:clrMapOvr>
+</p:sld>
+</file>
+
+<file path=ppt/slides/slide20.xml><?xml version="1.0" encoding="utf-8"?>
+<p:sld xmlns:a="http://schemas.openxmlformats.org/drawingml/2006/main" xmlns:r="http://schemas.openxmlformats.org/officeDocument/2006/relationships" xmlns:p="http://schemas.openxmlformats.org/presentationml/2006/main">
+  <p:cSld>
+    <p:spTree>
+      <p:nvGrpSpPr>
+        <p:cNvPr id="1" name=""/>
+        <p:cNvGrpSpPr/>
+        <p:nvPr/>
+      </p:nvGrpSpPr>
+      <p:grpSpPr>
+        <a:xfrm>
+          <a:off x="0" y="0"/>
+          <a:ext cx="0" cy="0"/>
+          <a:chOff x="0" y="0"/>
+          <a:chExt cx="0" cy="0"/>
+        </a:xfrm>
+      </p:grpSpPr>
+      <p:sp>
+        <p:nvSpPr>
+          <p:cNvPr id="2" name="Title 1"/>
+          <p:cNvSpPr>
+            <a:spLocks noGrp="1"/>
+          </p:cNvSpPr>
+          <p:nvPr>
+            <p:ph type="title"/>
+          </p:nvPr>
+        </p:nvSpPr>
+        <p:spPr/>
+        <p:txBody>
+          <a:bodyPr>
+            <a:normAutofit fontScale="90000"/>
+          </a:bodyPr>
+          <a:lstStyle/>
+          <a:p>
+            <a:r>
+              <a:rPr lang="en-US" dirty="0" smtClean="0"/>
+              <a:t>Cluster management systems for Big Data</a:t>
+            </a:r>
+            <a:endParaRPr lang="en-US" dirty="0"/>
+          </a:p>
+        </p:txBody>
+      </p:sp>
+      <p:sp>
+        <p:nvSpPr>
+          <p:cNvPr id="3" name="Content Placeholder 2"/>
+          <p:cNvSpPr>
+            <a:spLocks noGrp="1"/>
+          </p:cNvSpPr>
+          <p:nvPr>
+            <p:ph idx="1"/>
+          </p:nvPr>
+        </p:nvSpPr>
+        <p:spPr/>
+        <p:txBody>
+          <a:bodyPr/>
+          <a:lstStyle/>
+          <a:p>
+            <a:r>
+              <a:rPr lang="en-US" dirty="0" smtClean="0"/>
+              <a:t>YARN</a:t>
+            </a:r>
+          </a:p>
+          <a:p>
+            <a:pPr lvl="1"/>
+            <a:r>
+              <a:rPr lang="en-US" dirty="0" smtClean="0"/>
+              <a:t>Part of </a:t>
+            </a:r>
+            <a:r>
+              <a:rPr lang="en-US" dirty="0" err="1" smtClean="0"/>
+              <a:t>Hadoop</a:t>
+            </a:r>
+            <a:r>
+              <a:rPr lang="en-US" dirty="0" smtClean="0"/>
+              <a:t> but significantly rebuilt since </a:t>
+            </a:r>
+            <a:r>
+              <a:rPr lang="en-US" dirty="0" err="1" smtClean="0"/>
+              <a:t>Hadoop</a:t>
+            </a:r>
+            <a:r>
+              <a:rPr lang="en-US" dirty="0" smtClean="0"/>
+              <a:t> 1</a:t>
+            </a:r>
+          </a:p>
+          <a:p>
+            <a:r>
+              <a:rPr lang="en-US" dirty="0" err="1" smtClean="0"/>
+              <a:t>Mesos</a:t>
+            </a:r>
+            <a:r>
+              <a:rPr lang="en-US" dirty="0" smtClean="0"/>
+              <a:t>	</a:t>
+            </a:r>
+          </a:p>
+          <a:p>
+            <a:pPr lvl="1"/>
+            <a:r>
+              <a:rPr lang="en-US" dirty="0" smtClean="0"/>
+              <a:t>Popular Apache project</a:t>
+            </a:r>
+          </a:p>
+          <a:p>
+            <a:pPr lvl="1"/>
+            <a:r>
+              <a:rPr lang="en-US" dirty="0" smtClean="0"/>
+              <a:t>Built to be a resource manager for a complete datacenter</a:t>
+            </a:r>
+          </a:p>
+          <a:p>
+            <a:pPr lvl="2"/>
+            <a:r>
+              <a:rPr lang="en-US" dirty="0" smtClean="0"/>
+              <a:t>Supports </a:t>
+            </a:r>
+            <a:r>
+              <a:rPr lang="en-US" dirty="0"/>
+              <a:t>many workloads (e.g. </a:t>
+            </a:r>
+            <a:r>
+              <a:rPr lang="en-US" dirty="0" err="1"/>
+              <a:t>Docker</a:t>
+            </a:r>
+            <a:r>
+              <a:rPr lang="en-US" dirty="0"/>
+              <a:t> as well as Spark)</a:t>
+            </a:r>
+          </a:p>
+          <a:p>
+            <a:pPr lvl="1"/>
+            <a:endParaRPr lang="en-US" dirty="0" smtClean="0"/>
+          </a:p>
+        </p:txBody>
+      </p:sp>
+    </p:spTree>
+    <p:extLst>
+      <p:ext uri="{BB962C8B-B14F-4D97-AF65-F5344CB8AC3E}">
+        <p14:creationId xmlns:p14="http://schemas.microsoft.com/office/powerpoint/2010/main" val="864204515"/>
       </p:ext>
     </p:extLst>
   </p:cSld>
@@ -4876,6 +6595,346 @@
       </p:par>
     </p:tnLst>
   </p:timing>
+</p:sld>
+</file>
+
+<file path=ppt/slides/slide21.xml><?xml version="1.0" encoding="utf-8"?>
+<p:sld xmlns:a="http://schemas.openxmlformats.org/drawingml/2006/main" xmlns:r="http://schemas.openxmlformats.org/officeDocument/2006/relationships" xmlns:p="http://schemas.openxmlformats.org/presentationml/2006/main">
+  <p:cSld>
+    <p:spTree>
+      <p:nvGrpSpPr>
+        <p:cNvPr id="1" name=""/>
+        <p:cNvGrpSpPr/>
+        <p:nvPr/>
+      </p:nvGrpSpPr>
+      <p:grpSpPr>
+        <a:xfrm>
+          <a:off x="0" y="0"/>
+          <a:ext cx="0" cy="0"/>
+          <a:chOff x="0" y="0"/>
+          <a:chExt cx="0" cy="0"/>
+        </a:xfrm>
+      </p:grpSpPr>
+      <p:sp>
+        <p:nvSpPr>
+          <p:cNvPr id="2" name="Title 1"/>
+          <p:cNvSpPr>
+            <a:spLocks noGrp="1"/>
+          </p:cNvSpPr>
+          <p:nvPr>
+            <p:ph type="title"/>
+          </p:nvPr>
+        </p:nvSpPr>
+        <p:spPr/>
+        <p:txBody>
+          <a:bodyPr/>
+          <a:lstStyle/>
+          <a:p>
+            <a:r>
+              <a:rPr lang="en-US" dirty="0" smtClean="0"/>
+              <a:t>What is YARN?</a:t>
+            </a:r>
+            <a:endParaRPr lang="en-US" dirty="0"/>
+          </a:p>
+        </p:txBody>
+      </p:sp>
+      <p:sp>
+        <p:nvSpPr>
+          <p:cNvPr id="3" name="Content Placeholder 2"/>
+          <p:cNvSpPr>
+            <a:spLocks noGrp="1"/>
+          </p:cNvSpPr>
+          <p:nvPr>
+            <p:ph idx="1"/>
+          </p:nvPr>
+        </p:nvSpPr>
+        <p:spPr/>
+        <p:txBody>
+          <a:bodyPr/>
+          <a:lstStyle/>
+          <a:p>
+            <a:r>
+              <a:rPr lang="en-US" b="1" dirty="0" smtClean="0"/>
+              <a:t>YARN is the system that runs your code on multiple nodes</a:t>
+            </a:r>
+          </a:p>
+          <a:p>
+            <a:r>
+              <a:rPr lang="en-US" dirty="0" err="1" smtClean="0"/>
+              <a:t>Hadoop</a:t>
+            </a:r>
+            <a:r>
+              <a:rPr lang="en-US" dirty="0" smtClean="0"/>
+              <a:t> 2.0 replacement for the cluster manager</a:t>
+            </a:r>
+          </a:p>
+          <a:p>
+            <a:pPr lvl="1"/>
+            <a:r>
+              <a:rPr lang="en-US" dirty="0" smtClean="0"/>
+              <a:t>Basically a model to distribute and manage workloads</a:t>
+            </a:r>
+          </a:p>
+          <a:p>
+            <a:pPr lvl="1"/>
+            <a:r>
+              <a:rPr lang="en-US" dirty="0" smtClean="0"/>
+              <a:t>Not just </a:t>
+            </a:r>
+            <a:r>
+              <a:rPr lang="en-US" dirty="0" err="1" smtClean="0"/>
+              <a:t>MapReduce</a:t>
+            </a:r>
+            <a:r>
+              <a:rPr lang="en-US" dirty="0" smtClean="0"/>
+              <a:t> but supports other workloads</a:t>
+            </a:r>
+          </a:p>
+          <a:p>
+            <a:pPr marL="457200" lvl="1" indent="0">
+              <a:buNone/>
+            </a:pPr>
+            <a:endParaRPr lang="en-US" dirty="0"/>
+          </a:p>
+        </p:txBody>
+      </p:sp>
+    </p:spTree>
+    <p:extLst>
+      <p:ext uri="{BB962C8B-B14F-4D97-AF65-F5344CB8AC3E}">
+        <p14:creationId xmlns:p14="http://schemas.microsoft.com/office/powerpoint/2010/main" val="2145847800"/>
+      </p:ext>
+    </p:extLst>
+  </p:cSld>
+  <p:clrMapOvr>
+    <a:masterClrMapping/>
+  </p:clrMapOvr>
+</p:sld>
+</file>
+
+<file path=ppt/slides/slide22.xml><?xml version="1.0" encoding="utf-8"?>
+<p:sld xmlns:a="http://schemas.openxmlformats.org/drawingml/2006/main" xmlns:r="http://schemas.openxmlformats.org/officeDocument/2006/relationships" xmlns:p="http://schemas.openxmlformats.org/presentationml/2006/main">
+  <p:cSld>
+    <p:spTree>
+      <p:nvGrpSpPr>
+        <p:cNvPr id="1" name=""/>
+        <p:cNvGrpSpPr/>
+        <p:nvPr/>
+      </p:nvGrpSpPr>
+      <p:grpSpPr>
+        <a:xfrm>
+          <a:off x="0" y="0"/>
+          <a:ext cx="0" cy="0"/>
+          <a:chOff x="0" y="0"/>
+          <a:chExt cx="0" cy="0"/>
+        </a:xfrm>
+      </p:grpSpPr>
+      <p:sp>
+        <p:nvSpPr>
+          <p:cNvPr id="2" name="Title 1"/>
+          <p:cNvSpPr>
+            <a:spLocks noGrp="1"/>
+          </p:cNvSpPr>
+          <p:nvPr>
+            <p:ph type="title"/>
+          </p:nvPr>
+        </p:nvSpPr>
+        <p:spPr/>
+        <p:txBody>
+          <a:bodyPr/>
+          <a:lstStyle/>
+          <a:p>
+            <a:r>
+              <a:rPr lang="en-US" dirty="0" smtClean="0"/>
+              <a:t>YARN architecture</a:t>
+            </a:r>
+            <a:endParaRPr lang="en-US" dirty="0"/>
+          </a:p>
+        </p:txBody>
+      </p:sp>
+      <p:pic>
+        <p:nvPicPr>
+          <p:cNvPr id="4" name="Picture 3"/>
+          <p:cNvPicPr>
+            <a:picLocks noChangeAspect="1"/>
+          </p:cNvPicPr>
+          <p:nvPr/>
+        </p:nvPicPr>
+        <p:blipFill>
+          <a:blip r:embed="rId2"/>
+          <a:stretch>
+            <a:fillRect/>
+          </a:stretch>
+        </p:blipFill>
+        <p:spPr>
+          <a:xfrm>
+            <a:off x="457200" y="1122492"/>
+            <a:ext cx="7665798" cy="4744907"/>
+          </a:xfrm>
+          <a:prstGeom prst="rect">
+            <a:avLst/>
+          </a:prstGeom>
+        </p:spPr>
+      </p:pic>
+    </p:spTree>
+    <p:extLst>
+      <p:ext uri="{BB962C8B-B14F-4D97-AF65-F5344CB8AC3E}">
+        <p14:creationId xmlns:p14="http://schemas.microsoft.com/office/powerpoint/2010/main" val="3002769397"/>
+      </p:ext>
+    </p:extLst>
+  </p:cSld>
+  <p:clrMapOvr>
+    <a:masterClrMapping/>
+  </p:clrMapOvr>
+</p:sld>
+</file>
+
+<file path=ppt/slides/slide23.xml><?xml version="1.0" encoding="utf-8"?>
+<p:sld xmlns:a="http://schemas.openxmlformats.org/drawingml/2006/main" xmlns:r="http://schemas.openxmlformats.org/officeDocument/2006/relationships" xmlns:p="http://schemas.openxmlformats.org/presentationml/2006/main">
+  <p:cSld>
+    <p:spTree>
+      <p:nvGrpSpPr>
+        <p:cNvPr id="1" name=""/>
+        <p:cNvGrpSpPr/>
+        <p:nvPr/>
+      </p:nvGrpSpPr>
+      <p:grpSpPr>
+        <a:xfrm>
+          <a:off x="0" y="0"/>
+          <a:ext cx="0" cy="0"/>
+          <a:chOff x="0" y="0"/>
+          <a:chExt cx="0" cy="0"/>
+        </a:xfrm>
+      </p:grpSpPr>
+      <p:sp>
+        <p:nvSpPr>
+          <p:cNvPr id="2" name="Title 1"/>
+          <p:cNvSpPr>
+            <a:spLocks noGrp="1"/>
+          </p:cNvSpPr>
+          <p:nvPr>
+            <p:ph type="title"/>
+          </p:nvPr>
+        </p:nvSpPr>
+        <p:spPr/>
+        <p:txBody>
+          <a:bodyPr>
+            <a:normAutofit fontScale="90000"/>
+          </a:bodyPr>
+          <a:lstStyle/>
+          <a:p>
+            <a:r>
+              <a:rPr lang="en-US" dirty="0" smtClean="0"/>
+              <a:t>Apache </a:t>
+            </a:r>
+            <a:r>
+              <a:rPr lang="en-US" dirty="0" err="1" smtClean="0"/>
+              <a:t>Mesos</a:t>
+            </a:r>
+            <a:r>
+              <a:rPr lang="en-US" dirty="0" smtClean="0"/>
+              <a:t/>
+            </a:r>
+            <a:br>
+              <a:rPr lang="en-US" dirty="0" smtClean="0"/>
+            </a:br>
+            <a:endParaRPr lang="en-US" dirty="0"/>
+          </a:p>
+        </p:txBody>
+      </p:sp>
+      <p:pic>
+        <p:nvPicPr>
+          <p:cNvPr id="4" name="Picture 3"/>
+          <p:cNvPicPr>
+            <a:picLocks noChangeAspect="1"/>
+          </p:cNvPicPr>
+          <p:nvPr/>
+        </p:nvPicPr>
+        <p:blipFill>
+          <a:blip r:embed="rId2"/>
+          <a:stretch>
+            <a:fillRect/>
+          </a:stretch>
+        </p:blipFill>
+        <p:spPr>
+          <a:xfrm>
+            <a:off x="0" y="916912"/>
+            <a:ext cx="9144000" cy="5941088"/>
+          </a:xfrm>
+          <a:prstGeom prst="rect">
+            <a:avLst/>
+          </a:prstGeom>
+        </p:spPr>
+      </p:pic>
+    </p:spTree>
+    <p:extLst>
+      <p:ext uri="{BB962C8B-B14F-4D97-AF65-F5344CB8AC3E}">
+        <p14:creationId xmlns:p14="http://schemas.microsoft.com/office/powerpoint/2010/main" val="3781034366"/>
+      </p:ext>
+    </p:extLst>
+  </p:cSld>
+  <p:clrMapOvr>
+    <a:masterClrMapping/>
+  </p:clrMapOvr>
+  <p:timing>
+    <p:tnLst>
+      <p:par>
+        <p:cTn xmlns:p14="http://schemas.microsoft.com/office/powerpoint/2010/main" id="1" dur="indefinite" restart="never" nodeType="tmRoot"/>
+      </p:par>
+    </p:tnLst>
+  </p:timing>
+</p:sld>
+</file>
+
+<file path=ppt/slides/slide24.xml><?xml version="1.0" encoding="utf-8"?>
+<p:sld xmlns:a="http://schemas.openxmlformats.org/drawingml/2006/main" xmlns:r="http://schemas.openxmlformats.org/officeDocument/2006/relationships" xmlns:p="http://schemas.openxmlformats.org/presentationml/2006/main">
+  <p:cSld>
+    <p:spTree>
+      <p:nvGrpSpPr>
+        <p:cNvPr id="1" name=""/>
+        <p:cNvGrpSpPr/>
+        <p:nvPr/>
+      </p:nvGrpSpPr>
+      <p:grpSpPr>
+        <a:xfrm>
+          <a:off x="0" y="0"/>
+          <a:ext cx="0" cy="0"/>
+          <a:chOff x="0" y="0"/>
+          <a:chExt cx="0" cy="0"/>
+        </a:xfrm>
+      </p:grpSpPr>
+      <p:sp>
+        <p:nvSpPr>
+          <p:cNvPr id="2" name="Title 1"/>
+          <p:cNvSpPr>
+            <a:spLocks noGrp="1"/>
+          </p:cNvSpPr>
+          <p:nvPr>
+            <p:ph type="title"/>
+          </p:nvPr>
+        </p:nvSpPr>
+        <p:spPr/>
+        <p:txBody>
+          <a:bodyPr/>
+          <a:lstStyle/>
+          <a:p>
+            <a:r>
+              <a:rPr lang="en-US" dirty="0" smtClean="0"/>
+              <a:t>Questions?</a:t>
+            </a:r>
+            <a:endParaRPr lang="en-US" dirty="0"/>
+          </a:p>
+        </p:txBody>
+      </p:sp>
+    </p:spTree>
+    <p:extLst>
+      <p:ext uri="{BB962C8B-B14F-4D97-AF65-F5344CB8AC3E}">
+        <p14:creationId xmlns:p14="http://schemas.microsoft.com/office/powerpoint/2010/main" val="973082986"/>
+      </p:ext>
+    </p:extLst>
+  </p:cSld>
+  <p:clrMapOvr>
+    <a:masterClrMapping/>
+  </p:clrMapOvr>
 </p:sld>
 </file>
 
@@ -4913,7 +6972,7 @@
           <a:p>
             <a:r>
               <a:rPr lang="en-US" dirty="0" smtClean="0"/>
-              <a:t>Using Spark Packages</a:t>
+              <a:t>HDFS inspiration	</a:t>
             </a:r>
             <a:endParaRPr lang="en-US" dirty="0"/>
           </a:p>
@@ -4934,72 +6993,78 @@
           <a:bodyPr/>
           <a:lstStyle/>
           <a:p>
-            <a:pPr marL="0" indent="0">
-              <a:buNone/>
-            </a:pPr>
-            <a:r>
-              <a:rPr lang="en-US" dirty="0" smtClean="0"/>
-              <a:t>Automatic download from the web:</a:t>
-            </a:r>
-          </a:p>
-          <a:p>
-            <a:pPr marL="0" indent="0">
-              <a:buNone/>
-            </a:pPr>
-            <a:endParaRPr lang="en-US" dirty="0"/>
-          </a:p>
-          <a:p>
-            <a:pPr marL="0" indent="0">
-              <a:buNone/>
-            </a:pPr>
-            <a:endParaRPr lang="en-US" dirty="0" smtClean="0"/>
-          </a:p>
-          <a:p>
-            <a:pPr marL="0" indent="0">
-              <a:buNone/>
-            </a:pPr>
-            <a:r>
-              <a:rPr lang="en-US" sz="2400" dirty="0" smtClean="0"/>
-              <a:t>bin</a:t>
-            </a:r>
-            <a:r>
-              <a:rPr lang="en-US" sz="2400" dirty="0"/>
-              <a:t>/spark-shell </a:t>
-            </a:r>
-            <a:endParaRPr lang="en-US" sz="2400" dirty="0" smtClean="0"/>
-          </a:p>
-          <a:p>
-            <a:pPr marL="457200" lvl="1" indent="0">
-              <a:buNone/>
-            </a:pPr>
-            <a:r>
-              <a:rPr lang="en-US" sz="2400" dirty="0" smtClean="0"/>
-              <a:t>-</a:t>
-            </a:r>
-            <a:r>
-              <a:rPr lang="en-US" sz="2400" dirty="0"/>
-              <a:t>-packages com.databricks:spark-csv_2.11:1.2.0</a:t>
-            </a:r>
-          </a:p>
-        </p:txBody>
-      </p:sp>
+            <a:r>
+              <a:rPr lang="en-US" dirty="0" smtClean="0"/>
+              <a:t>Google File System</a:t>
+            </a:r>
+          </a:p>
+          <a:p>
+            <a:pPr lvl="1"/>
+            <a:r>
+              <a:rPr lang="en-US" sz="1600" dirty="0"/>
+              <a:t>Sanjay </a:t>
+            </a:r>
+            <a:r>
+              <a:rPr lang="en-US" sz="1600" dirty="0" err="1"/>
+              <a:t>Ghemawat</a:t>
+            </a:r>
+            <a:r>
+              <a:rPr lang="en-US" sz="1600" dirty="0"/>
+              <a:t>, Howard </a:t>
+            </a:r>
+            <a:r>
+              <a:rPr lang="en-US" sz="1600" dirty="0" err="1"/>
+              <a:t>Gobioff</a:t>
+            </a:r>
+            <a:r>
+              <a:rPr lang="en-US" sz="1600" dirty="0"/>
+              <a:t>, and Shun-</a:t>
+            </a:r>
+            <a:r>
+              <a:rPr lang="en-US" sz="1600" dirty="0" err="1"/>
+              <a:t>Tak</a:t>
+            </a:r>
+            <a:r>
+              <a:rPr lang="en-US" sz="1600" dirty="0"/>
+              <a:t> Leung. 2003. The Google file system. In Proceedings of the nineteenth ACM symposium on Operating systems principles (SOSP '03). ACM, New York, NY, USA, 29-43. </a:t>
+            </a:r>
+          </a:p>
+        </p:txBody>
+      </p:sp>
+      <p:pic>
+        <p:nvPicPr>
+          <p:cNvPr id="4" name="Picture 3"/>
+          <p:cNvPicPr>
+            <a:picLocks noChangeAspect="1"/>
+          </p:cNvPicPr>
+          <p:nvPr/>
+        </p:nvPicPr>
+        <p:blipFill>
+          <a:blip r:embed="rId2"/>
+          <a:stretch>
+            <a:fillRect/>
+          </a:stretch>
+        </p:blipFill>
+        <p:spPr>
+          <a:xfrm>
+            <a:off x="2056926" y="2936099"/>
+            <a:ext cx="4878295" cy="2964376"/>
+          </a:xfrm>
+          <a:prstGeom prst="rect">
+            <a:avLst/>
+          </a:prstGeom>
+        </p:spPr>
+      </p:pic>
     </p:spTree>
     <p:extLst>
       <p:ext uri="{BB962C8B-B14F-4D97-AF65-F5344CB8AC3E}">
-        <p14:creationId xmlns:p14="http://schemas.microsoft.com/office/powerpoint/2010/main" val="3950180315"/>
+        <p14:creationId xmlns:p14="http://schemas.microsoft.com/office/powerpoint/2010/main" val="3448563101"/>
       </p:ext>
     </p:extLst>
   </p:cSld>
   <p:clrMapOvr>
     <a:masterClrMapping/>
   </p:clrMapOvr>
-  <p:timing>
-    <p:tnLst>
-      <p:par>
-        <p:cTn xmlns:p14="http://schemas.microsoft.com/office/powerpoint/2010/main" id="1" dur="indefinite" restart="never" nodeType="tmRoot"/>
-      </p:par>
-    </p:tnLst>
-  </p:timing>
 </p:sld>
 </file>
 
@@ -5037,7 +7102,7 @@
           <a:p>
             <a:r>
               <a:rPr lang="en-US" dirty="0" smtClean="0"/>
-              <a:t>Locality</a:t>
+              <a:t>HDFS overview</a:t>
             </a:r>
             <a:endParaRPr lang="en-US" dirty="0"/>
           </a:p>
@@ -5055,33 +7120,32 @@
         </p:nvSpPr>
         <p:spPr/>
         <p:txBody>
-          <a:bodyPr/>
-          <a:lstStyle/>
-          <a:p>
-            <a:r>
-              <a:rPr lang="en-US" dirty="0" smtClean="0"/>
-              <a:t>Spark understands the locality of data:</a:t>
-            </a:r>
-          </a:p>
-          <a:p>
-            <a:pPr lvl="1"/>
-            <a:r>
-              <a:rPr lang="en-US" dirty="0" smtClean="0"/>
-              <a:t>Already in memory</a:t>
-            </a:r>
-          </a:p>
-          <a:p>
-            <a:pPr lvl="1"/>
-            <a:r>
-              <a:rPr lang="en-US" dirty="0" smtClean="0"/>
-              <a:t>HDFS location</a:t>
-            </a:r>
-          </a:p>
-          <a:p>
-            <a:pPr lvl="1"/>
-            <a:r>
-              <a:rPr lang="en-US" dirty="0" smtClean="0"/>
-              <a:t>Cassandra location</a:t>
+          <a:bodyPr>
+            <a:normAutofit lnSpcReduction="10000"/>
+          </a:bodyPr>
+          <a:lstStyle/>
+          <a:p>
+            <a:r>
+              <a:rPr lang="en-US" dirty="0" smtClean="0"/>
+              <a:t>Good for streaming access to large files, reliability, scale</a:t>
+            </a:r>
+          </a:p>
+          <a:p>
+            <a:r>
+              <a:rPr lang="en-US" dirty="0" smtClean="0"/>
+              <a:t>Not good for random access, small files</a:t>
+            </a:r>
+          </a:p>
+          <a:p>
+            <a:r>
+              <a:rPr lang="en-US" dirty="0" smtClean="0"/>
+              <a:t>Blocks of data 64Mb in size (configurable)</a:t>
+            </a:r>
+          </a:p>
+          <a:p>
+            <a:r>
+              <a:rPr lang="en-US" dirty="0" smtClean="0"/>
+              <a:t>Each block can be replicated across multiple data nodes for High Availability (HA)</a:t>
             </a:r>
             <a:endParaRPr lang="en-US" dirty="0"/>
           </a:p>
@@ -5090,20 +7154,13 @@
     </p:spTree>
     <p:extLst>
       <p:ext uri="{BB962C8B-B14F-4D97-AF65-F5344CB8AC3E}">
-        <p14:creationId xmlns:p14="http://schemas.microsoft.com/office/powerpoint/2010/main" val="3402949326"/>
+        <p14:creationId xmlns:p14="http://schemas.microsoft.com/office/powerpoint/2010/main" val="3019884064"/>
       </p:ext>
     </p:extLst>
   </p:cSld>
   <p:clrMapOvr>
     <a:masterClrMapping/>
   </p:clrMapOvr>
-  <p:timing>
-    <p:tnLst>
-      <p:par>
-        <p:cTn xmlns:p14="http://schemas.microsoft.com/office/powerpoint/2010/main" id="1" dur="indefinite" restart="never" nodeType="tmRoot"/>
-      </p:par>
-    </p:tnLst>
-  </p:timing>
 </p:sld>
 </file>
 
@@ -5141,7 +7198,7 @@
           <a:p>
             <a:r>
               <a:rPr lang="en-US" dirty="0" smtClean="0"/>
-              <a:t>Spark Extras</a:t>
+              <a:t>HDFS Usage</a:t>
             </a:r>
             <a:endParaRPr lang="en-US" dirty="0"/>
           </a:p>
@@ -5149,312 +7206,137 @@
       </p:sp>
       <p:sp>
         <p:nvSpPr>
-          <p:cNvPr id="4" name="Rounded Rectangle 3"/>
-          <p:cNvSpPr/>
-          <p:nvPr/>
-        </p:nvSpPr>
-        <p:spPr>
-          <a:xfrm>
-            <a:off x="812800" y="4510708"/>
-            <a:ext cx="7467600" cy="1117600"/>
-          </a:xfrm>
-          <a:prstGeom prst="roundRect">
-            <a:avLst/>
-          </a:prstGeom>
-        </p:spPr>
-        <p:style>
-          <a:lnRef idx="1">
-            <a:schemeClr val="accent1"/>
-          </a:lnRef>
-          <a:fillRef idx="2">
-            <a:schemeClr val="accent1"/>
-          </a:fillRef>
-          <a:effectRef idx="1">
-            <a:schemeClr val="accent1"/>
-          </a:effectRef>
-          <a:fontRef idx="minor">
-            <a:schemeClr val="dk1"/>
-          </a:fontRef>
-        </p:style>
-        <p:txBody>
-          <a:bodyPr rtlCol="0" anchor="ctr"/>
-          <a:lstStyle/>
-          <a:p>
-            <a:pPr algn="ctr"/>
-            <a:r>
-              <a:rPr lang="en-US" sz="2800" dirty="0" smtClean="0">
-                <a:latin typeface="Montserrat"/>
-              </a:rPr>
-              <a:t>Spark Core</a:t>
-            </a:r>
-            <a:endParaRPr lang="en-US" sz="2800" dirty="0">
-              <a:latin typeface="Montserrat"/>
-            </a:endParaRPr>
-          </a:p>
-        </p:txBody>
-      </p:sp>
-      <p:sp>
-        <p:nvSpPr>
-          <p:cNvPr id="5" name="Rounded Rectangle 4"/>
-          <p:cNvSpPr/>
-          <p:nvPr/>
-        </p:nvSpPr>
-        <p:spPr>
-          <a:xfrm>
-            <a:off x="812800" y="1902148"/>
-            <a:ext cx="1371600" cy="2463800"/>
-          </a:xfrm>
-          <a:prstGeom prst="roundRect">
-            <a:avLst/>
-          </a:prstGeom>
-        </p:spPr>
-        <p:style>
-          <a:lnRef idx="1">
-            <a:schemeClr val="accent4"/>
-          </a:lnRef>
-          <a:fillRef idx="2">
-            <a:schemeClr val="accent4"/>
-          </a:fillRef>
-          <a:effectRef idx="1">
-            <a:schemeClr val="accent4"/>
-          </a:effectRef>
-          <a:fontRef idx="minor">
-            <a:schemeClr val="dk1"/>
-          </a:fontRef>
-        </p:style>
-        <p:txBody>
-          <a:bodyPr rtlCol="0" anchor="ctr"/>
-          <a:lstStyle/>
-          <a:p>
-            <a:pPr algn="ctr"/>
-            <a:r>
-              <a:rPr lang="en-US" sz="1400" dirty="0" smtClean="0">
-                <a:latin typeface="Montserrat"/>
-              </a:rPr>
-              <a:t>Spark </a:t>
-            </a:r>
-          </a:p>
-          <a:p>
-            <a:pPr algn="ctr"/>
-            <a:r>
-              <a:rPr lang="en-US" sz="1400" dirty="0" smtClean="0">
-                <a:latin typeface="Montserrat"/>
-              </a:rPr>
-              <a:t>SQL</a:t>
-            </a:r>
-            <a:endParaRPr lang="en-US" sz="1400" dirty="0">
-              <a:latin typeface="Montserrat"/>
-            </a:endParaRPr>
-          </a:p>
-        </p:txBody>
-      </p:sp>
-      <p:sp>
-        <p:nvSpPr>
-          <p:cNvPr id="6" name="Rounded Rectangle 5"/>
-          <p:cNvSpPr/>
-          <p:nvPr/>
-        </p:nvSpPr>
-        <p:spPr>
-          <a:xfrm>
-            <a:off x="2336800" y="1902148"/>
-            <a:ext cx="1371600" cy="2463800"/>
-          </a:xfrm>
-          <a:prstGeom prst="roundRect">
-            <a:avLst/>
-          </a:prstGeom>
-        </p:spPr>
-        <p:style>
-          <a:lnRef idx="1">
-            <a:schemeClr val="accent4"/>
-          </a:lnRef>
-          <a:fillRef idx="2">
-            <a:schemeClr val="accent4"/>
-          </a:fillRef>
-          <a:effectRef idx="1">
-            <a:schemeClr val="accent4"/>
-          </a:effectRef>
-          <a:fontRef idx="minor">
-            <a:schemeClr val="dk1"/>
-          </a:fontRef>
-        </p:style>
-        <p:txBody>
-          <a:bodyPr rtlCol="0" anchor="ctr"/>
-          <a:lstStyle/>
-          <a:p>
-            <a:pPr algn="ctr"/>
-            <a:r>
-              <a:rPr lang="en-US" sz="1400" dirty="0" smtClean="0">
-                <a:latin typeface="Montserrat"/>
-              </a:rPr>
-              <a:t>Spark Streaming</a:t>
-            </a:r>
-            <a:endParaRPr lang="en-US" sz="1400" dirty="0">
-              <a:latin typeface="Montserrat"/>
-            </a:endParaRPr>
-          </a:p>
-        </p:txBody>
-      </p:sp>
-      <p:sp>
-        <p:nvSpPr>
-          <p:cNvPr id="7" name="Rounded Rectangle 6"/>
-          <p:cNvSpPr/>
-          <p:nvPr/>
-        </p:nvSpPr>
-        <p:spPr>
-          <a:xfrm>
-            <a:off x="3860800" y="1902148"/>
-            <a:ext cx="1371600" cy="2463800"/>
-          </a:xfrm>
-          <a:prstGeom prst="roundRect">
-            <a:avLst/>
-          </a:prstGeom>
-        </p:spPr>
-        <p:style>
-          <a:lnRef idx="1">
-            <a:schemeClr val="accent4"/>
-          </a:lnRef>
-          <a:fillRef idx="2">
-            <a:schemeClr val="accent4"/>
-          </a:fillRef>
-          <a:effectRef idx="1">
-            <a:schemeClr val="accent4"/>
-          </a:effectRef>
-          <a:fontRef idx="minor">
-            <a:schemeClr val="dk1"/>
-          </a:fontRef>
-        </p:style>
-        <p:txBody>
-          <a:bodyPr rtlCol="0" anchor="ctr"/>
-          <a:lstStyle/>
-          <a:p>
-            <a:pPr algn="ctr"/>
-            <a:r>
-              <a:rPr lang="en-US" sz="1400" dirty="0" smtClean="0">
-                <a:latin typeface="Montserrat"/>
-              </a:rPr>
-              <a:t>Spark</a:t>
-            </a:r>
-          </a:p>
-          <a:p>
-            <a:pPr algn="ctr"/>
-            <a:r>
-              <a:rPr lang="en-US" sz="1400" dirty="0" smtClean="0">
-                <a:latin typeface="Montserrat"/>
-              </a:rPr>
-              <a:t>MLlib	</a:t>
-            </a:r>
-          </a:p>
-        </p:txBody>
-      </p:sp>
-      <p:sp>
-        <p:nvSpPr>
-          <p:cNvPr id="8" name="Rounded Rectangle 7"/>
-          <p:cNvSpPr/>
-          <p:nvPr/>
-        </p:nvSpPr>
-        <p:spPr>
-          <a:xfrm>
-            <a:off x="5384800" y="1902148"/>
-            <a:ext cx="1371600" cy="2463800"/>
-          </a:xfrm>
-          <a:prstGeom prst="roundRect">
-            <a:avLst/>
-          </a:prstGeom>
-        </p:spPr>
-        <p:style>
-          <a:lnRef idx="1">
-            <a:schemeClr val="accent4"/>
-          </a:lnRef>
-          <a:fillRef idx="2">
-            <a:schemeClr val="accent4"/>
-          </a:fillRef>
-          <a:effectRef idx="1">
-            <a:schemeClr val="accent4"/>
-          </a:effectRef>
-          <a:fontRef idx="minor">
-            <a:schemeClr val="dk1"/>
-          </a:fontRef>
-        </p:style>
-        <p:txBody>
-          <a:bodyPr rtlCol="0" anchor="ctr"/>
-          <a:lstStyle/>
-          <a:p>
-            <a:pPr algn="ctr"/>
-            <a:r>
-              <a:rPr lang="en-US" sz="1400" dirty="0" err="1" smtClean="0">
-                <a:latin typeface="Montserrat"/>
-              </a:rPr>
-              <a:t>SparkR</a:t>
-            </a:r>
-            <a:endParaRPr lang="en-US" sz="1400" dirty="0">
-              <a:latin typeface="Montserrat"/>
-            </a:endParaRPr>
-          </a:p>
-        </p:txBody>
-      </p:sp>
-      <p:sp>
-        <p:nvSpPr>
-          <p:cNvPr id="9" name="Rounded Rectangle 8"/>
-          <p:cNvSpPr/>
-          <p:nvPr/>
-        </p:nvSpPr>
-        <p:spPr>
-          <a:xfrm>
-            <a:off x="6908800" y="1902148"/>
-            <a:ext cx="1371600" cy="2463800"/>
-          </a:xfrm>
-          <a:prstGeom prst="roundRect">
-            <a:avLst/>
-          </a:prstGeom>
-        </p:spPr>
-        <p:style>
-          <a:lnRef idx="1">
-            <a:schemeClr val="accent4"/>
-          </a:lnRef>
-          <a:fillRef idx="2">
-            <a:schemeClr val="accent4"/>
-          </a:fillRef>
-          <a:effectRef idx="1">
-            <a:schemeClr val="accent4"/>
-          </a:effectRef>
-          <a:fontRef idx="minor">
-            <a:schemeClr val="dk1"/>
-          </a:fontRef>
-        </p:style>
-        <p:txBody>
-          <a:bodyPr rtlCol="0" anchor="ctr"/>
-          <a:lstStyle/>
-          <a:p>
-            <a:pPr algn="ctr"/>
-            <a:r>
-              <a:rPr lang="en-US" sz="1400" dirty="0" err="1" smtClean="0">
-                <a:latin typeface="Montserrat"/>
-              </a:rPr>
-              <a:t>GraphX</a:t>
-            </a:r>
-            <a:endParaRPr lang="en-US" sz="1400" dirty="0">
-              <a:latin typeface="Montserrat"/>
-            </a:endParaRPr>
+          <p:cNvPr id="3" name="Content Placeholder 2"/>
+          <p:cNvSpPr>
+            <a:spLocks noGrp="1"/>
+          </p:cNvSpPr>
+          <p:nvPr>
+            <p:ph idx="1"/>
+          </p:nvPr>
+        </p:nvSpPr>
+        <p:spPr/>
+        <p:txBody>
+          <a:bodyPr>
+            <a:normAutofit/>
+          </a:bodyPr>
+          <a:lstStyle/>
+          <a:p>
+            <a:r>
+              <a:rPr lang="en-US" dirty="0" err="1" smtClean="0"/>
+              <a:t>Spotify</a:t>
+            </a:r>
+            <a:r>
+              <a:rPr lang="en-US" dirty="0" smtClean="0"/>
+              <a:t> has 1600+ nodes, storing 60+ petabytes of data</a:t>
+            </a:r>
+          </a:p>
+          <a:p>
+            <a:pPr lvl="1"/>
+            <a:r>
+              <a:rPr lang="en-US" sz="1700" dirty="0"/>
+              <a:t>https://</a:t>
+            </a:r>
+            <a:r>
+              <a:rPr lang="en-US" sz="1700" dirty="0" err="1"/>
+              <a:t>www.usenix.org</a:t>
+            </a:r>
+            <a:r>
+              <a:rPr lang="en-US" sz="1700" dirty="0"/>
+              <a:t>/system/files/conference/fast17/fast17-</a:t>
+            </a:r>
+            <a:r>
+              <a:rPr lang="en-US" sz="1700" dirty="0" smtClean="0"/>
+              <a:t>niazi.pdf</a:t>
+            </a:r>
+            <a:endParaRPr lang="en-US" dirty="0" smtClean="0"/>
+          </a:p>
+          <a:p>
+            <a:r>
+              <a:rPr lang="en-US" dirty="0" smtClean="0"/>
+              <a:t>One </a:t>
+            </a:r>
+            <a:r>
+              <a:rPr lang="en-US" dirty="0"/>
+              <a:t>of the Facebook's largest clusters </a:t>
+            </a:r>
+            <a:r>
+              <a:rPr lang="en-US" dirty="0" smtClean="0"/>
+              <a:t>(based on HDFS) holds more </a:t>
+            </a:r>
+            <a:r>
+              <a:rPr lang="en-US" dirty="0"/>
+              <a:t>than </a:t>
+            </a:r>
+            <a:br>
+              <a:rPr lang="en-US" dirty="0"/>
+            </a:br>
+            <a:r>
+              <a:rPr lang="en-US" dirty="0" smtClean="0"/>
+              <a:t>100 </a:t>
+            </a:r>
+            <a:r>
+              <a:rPr lang="en-US" dirty="0"/>
+              <a:t>PB of data, processing more than 60,000 </a:t>
+            </a:r>
+            <a:r>
+              <a:rPr lang="en-US" dirty="0" smtClean="0"/>
+              <a:t>Hive queries </a:t>
+            </a:r>
+            <a:r>
+              <a:rPr lang="en-US" dirty="0"/>
+              <a:t>a </a:t>
+            </a:r>
+            <a:r>
+              <a:rPr lang="en-US" dirty="0" smtClean="0"/>
+              <a:t>day</a:t>
+            </a:r>
+          </a:p>
+          <a:p>
+            <a:pPr lvl="1"/>
+            <a:r>
+              <a:rPr lang="en-US" sz="1700" dirty="0"/>
+              <a:t>https://</a:t>
+            </a:r>
+            <a:r>
+              <a:rPr lang="en-US" sz="1700" dirty="0" err="1"/>
+              <a:t>www.facebook.com</a:t>
+            </a:r>
+            <a:r>
+              <a:rPr lang="en-US" sz="1700" dirty="0"/>
+              <a:t>/notes/</a:t>
+            </a:r>
+            <a:r>
+              <a:rPr lang="en-US" sz="1700" dirty="0" err="1"/>
+              <a:t>facebook</a:t>
+            </a:r>
+            <a:r>
+              <a:rPr lang="en-US" sz="1700" dirty="0"/>
+              <a:t>-engineering/under-the-hood-scheduling-mapreduce-jobs-more-efficiently-with-corona</a:t>
+            </a:r>
+            <a:r>
+              <a:rPr lang="en-US" sz="1700" dirty="0" smtClean="0"/>
+              <a:t>/</a:t>
+            </a:r>
+            <a:endParaRPr lang="en-US" sz="1900" dirty="0"/>
+          </a:p>
+          <a:p>
+            <a:endParaRPr lang="en-US" dirty="0" smtClean="0"/>
+          </a:p>
+          <a:p>
+            <a:endParaRPr lang="en-US" dirty="0"/>
           </a:p>
         </p:txBody>
       </p:sp>
     </p:spTree>
     <p:extLst>
       <p:ext uri="{BB962C8B-B14F-4D97-AF65-F5344CB8AC3E}">
-        <p14:creationId xmlns:p14="http://schemas.microsoft.com/office/powerpoint/2010/main" val="4097766008"/>
+        <p14:creationId xmlns:p14="http://schemas.microsoft.com/office/powerpoint/2010/main" val="800808022"/>
       </p:ext>
     </p:extLst>
   </p:cSld>
   <p:clrMapOvr>
     <a:masterClrMapping/>
   </p:clrMapOvr>
-  <p:timing>
-    <p:tnLst>
-      <p:par>
-        <p:cTn xmlns:p14="http://schemas.microsoft.com/office/powerpoint/2010/main" id="1" dur="indefinite" restart="never" nodeType="tmRoot"/>
-      </p:par>
-    </p:tnLst>
-  </p:timing>
 </p:sld>
 </file>
 
@@ -5491,8 +7373,8 @@
           <a:lstStyle/>
           <a:p>
             <a:r>
-              <a:rPr lang="en-US" dirty="0" smtClean="0"/>
-              <a:t>Spark Extras</a:t>
+              <a:rPr lang="en-US" dirty="0" err="1" smtClean="0"/>
+              <a:t>HopFS</a:t>
             </a:r>
             <a:endParaRPr lang="en-US" dirty="0"/>
           </a:p>
@@ -5508,95 +7390,85 @@
             <p:ph idx="1"/>
           </p:nvPr>
         </p:nvSpPr>
-        <p:spPr/>
-        <p:txBody>
-          <a:bodyPr>
-            <a:normAutofit/>
-          </a:bodyPr>
-          <a:lstStyle/>
-          <a:p>
-            <a:r>
-              <a:rPr lang="en-US" dirty="0" smtClean="0"/>
-              <a:t>Spark Streaming	</a:t>
-            </a:r>
-          </a:p>
-          <a:p>
-            <a:pPr lvl="1"/>
-            <a:r>
-              <a:rPr lang="en-US" dirty="0" err="1" smtClean="0"/>
-              <a:t>Realtime</a:t>
-            </a:r>
-            <a:r>
-              <a:rPr lang="en-US" dirty="0" smtClean="0"/>
-              <a:t> analysis in Spark</a:t>
-            </a:r>
-          </a:p>
-          <a:p>
-            <a:r>
-              <a:rPr lang="en-US" dirty="0" smtClean="0"/>
-              <a:t>Spark </a:t>
-            </a:r>
-            <a:r>
-              <a:rPr lang="en-US" dirty="0" err="1" smtClean="0"/>
-              <a:t>MLLib</a:t>
-            </a:r>
-            <a:endParaRPr lang="en-US" dirty="0" smtClean="0"/>
-          </a:p>
-          <a:p>
-            <a:pPr lvl="1"/>
-            <a:r>
-              <a:rPr lang="en-US" dirty="0" smtClean="0"/>
-              <a:t>Like Mahout – Machine learning in Spark</a:t>
-            </a:r>
-          </a:p>
-          <a:p>
-            <a:r>
-              <a:rPr lang="en-US" dirty="0" err="1" smtClean="0"/>
-              <a:t>GraphX</a:t>
-            </a:r>
-            <a:endParaRPr lang="en-US" dirty="0" smtClean="0"/>
-          </a:p>
-          <a:p>
-            <a:pPr lvl="1"/>
-            <a:r>
-              <a:rPr lang="en-US" dirty="0" smtClean="0"/>
-              <a:t>Graph processing in Spark</a:t>
-            </a:r>
-          </a:p>
-          <a:p>
-            <a:r>
-              <a:rPr lang="en-US" dirty="0" err="1" smtClean="0"/>
-              <a:t>SparkR</a:t>
-            </a:r>
-            <a:endParaRPr lang="en-US" dirty="0" smtClean="0"/>
-          </a:p>
-          <a:p>
-            <a:pPr lvl="1"/>
-            <a:r>
-              <a:rPr lang="en-US" dirty="0" smtClean="0"/>
-              <a:t>R statistical analysis on Spark</a:t>
-            </a:r>
-            <a:endParaRPr lang="en-US" dirty="0"/>
-          </a:p>
-        </p:txBody>
-      </p:sp>
+        <p:spPr>
+          <a:xfrm>
+            <a:off x="375635" y="1600201"/>
+            <a:ext cx="8229600" cy="1205108"/>
+          </a:xfrm>
+        </p:spPr>
+        <p:txBody>
+          <a:bodyPr/>
+          <a:lstStyle/>
+          <a:p>
+            <a:r>
+              <a:rPr lang="en-US" dirty="0" err="1"/>
+              <a:t>HopFS</a:t>
+            </a:r>
+            <a:r>
+              <a:rPr lang="en-US" dirty="0"/>
+              <a:t> is a drop-in replacement for HDFS, based on HDFS v2.0.4. </a:t>
+            </a:r>
+          </a:p>
+        </p:txBody>
+      </p:sp>
+      <p:pic>
+        <p:nvPicPr>
+          <p:cNvPr id="4" name="Picture 3"/>
+          <p:cNvPicPr>
+            <a:picLocks noChangeAspect="1"/>
+          </p:cNvPicPr>
+          <p:nvPr/>
+        </p:nvPicPr>
+        <p:blipFill>
+          <a:blip r:embed="rId2"/>
+          <a:stretch>
+            <a:fillRect/>
+          </a:stretch>
+        </p:blipFill>
+        <p:spPr>
+          <a:xfrm>
+            <a:off x="265512" y="3000702"/>
+            <a:ext cx="5152508" cy="3791554"/>
+          </a:xfrm>
+          <a:prstGeom prst="rect">
+            <a:avLst/>
+          </a:prstGeom>
+        </p:spPr>
+      </p:pic>
+      <p:pic>
+        <p:nvPicPr>
+          <p:cNvPr id="5" name="Picture 4"/>
+          <p:cNvPicPr>
+            <a:picLocks noChangeAspect="1"/>
+          </p:cNvPicPr>
+          <p:nvPr/>
+        </p:nvPicPr>
+        <p:blipFill>
+          <a:blip r:embed="rId3"/>
+          <a:stretch>
+            <a:fillRect/>
+          </a:stretch>
+        </p:blipFill>
+        <p:spPr>
+          <a:xfrm>
+            <a:off x="5418020" y="3000702"/>
+            <a:ext cx="3739569" cy="2824498"/>
+          </a:xfrm>
+          <a:prstGeom prst="rect">
+            <a:avLst/>
+          </a:prstGeom>
+        </p:spPr>
+      </p:pic>
     </p:spTree>
     <p:extLst>
       <p:ext uri="{BB962C8B-B14F-4D97-AF65-F5344CB8AC3E}">
-        <p14:creationId xmlns:p14="http://schemas.microsoft.com/office/powerpoint/2010/main" val="659549932"/>
+        <p14:creationId xmlns:p14="http://schemas.microsoft.com/office/powerpoint/2010/main" val="2700856170"/>
       </p:ext>
     </p:extLst>
   </p:cSld>
   <p:clrMapOvr>
     <a:masterClrMapping/>
   </p:clrMapOvr>
-  <p:timing>
-    <p:tnLst>
-      <p:par>
-        <p:cTn xmlns:p14="http://schemas.microsoft.com/office/powerpoint/2010/main" id="1" dur="indefinite" restart="never" nodeType="tmRoot"/>
-      </p:par>
-    </p:tnLst>
-  </p:timing>
 </p:sld>
 </file>
 
@@ -5629,99 +7501,60 @@
         </p:nvSpPr>
         <p:spPr/>
         <p:txBody>
-          <a:bodyPr/>
-          <a:lstStyle/>
-          <a:p>
-            <a:r>
-              <a:rPr lang="en-US" dirty="0" smtClean="0"/>
-              <a:t>Spark MLlib</a:t>
+          <a:bodyPr>
+            <a:normAutofit fontScale="90000"/>
+          </a:bodyPr>
+          <a:lstStyle/>
+          <a:p>
+            <a:r>
+              <a:rPr lang="en-US" dirty="0" err="1" smtClean="0"/>
+              <a:t>CassandraFS</a:t>
+            </a:r>
+            <a:r>
+              <a:rPr lang="en-US" dirty="0" smtClean="0"/>
+              <a:t/>
+            </a:r>
+            <a:br>
+              <a:rPr lang="en-US" dirty="0" smtClean="0"/>
+            </a:br>
+            <a:r>
+              <a:rPr lang="en-US" dirty="0" smtClean="0"/>
+              <a:t>(not open source)</a:t>
             </a:r>
             <a:endParaRPr lang="en-US" dirty="0"/>
           </a:p>
         </p:txBody>
       </p:sp>
-      <p:sp>
-        <p:nvSpPr>
-          <p:cNvPr id="3" name="Content Placeholder 2"/>
-          <p:cNvSpPr>
-            <a:spLocks noGrp="1"/>
-          </p:cNvSpPr>
-          <p:nvPr>
-            <p:ph idx="1"/>
-          </p:nvPr>
-        </p:nvSpPr>
-        <p:spPr/>
-        <p:txBody>
-          <a:bodyPr>
-            <a:normAutofit lnSpcReduction="10000"/>
-          </a:bodyPr>
-          <a:lstStyle/>
-          <a:p>
-            <a:r>
-              <a:rPr lang="en-US" dirty="0" smtClean="0"/>
-              <a:t>Simple stats and correlation testing</a:t>
-            </a:r>
-          </a:p>
-          <a:p>
-            <a:r>
-              <a:rPr lang="en-US" dirty="0" smtClean="0"/>
-              <a:t>Classification and regression</a:t>
-            </a:r>
-          </a:p>
-          <a:p>
-            <a:r>
-              <a:rPr lang="en-US" dirty="0" smtClean="0"/>
-              <a:t>Collaborative Filtering</a:t>
-            </a:r>
-          </a:p>
-          <a:p>
-            <a:pPr lvl="1"/>
-            <a:r>
-              <a:rPr lang="en-US" dirty="0" smtClean="0"/>
-              <a:t>Alternating Least Squares </a:t>
-            </a:r>
-          </a:p>
-          <a:p>
-            <a:r>
-              <a:rPr lang="en-US" dirty="0" smtClean="0"/>
-              <a:t>Clustering</a:t>
-            </a:r>
-          </a:p>
-          <a:p>
-            <a:pPr lvl="1"/>
-            <a:r>
-              <a:rPr lang="en-US" dirty="0"/>
-              <a:t>k</a:t>
-            </a:r>
-            <a:r>
-              <a:rPr lang="en-US" dirty="0" smtClean="0"/>
-              <a:t>-means, </a:t>
-            </a:r>
-            <a:r>
-              <a:rPr lang="en-US" dirty="0" err="1" smtClean="0"/>
-              <a:t>etc</a:t>
-            </a:r>
-            <a:endParaRPr lang="en-US" dirty="0" smtClean="0"/>
-          </a:p>
-          <a:p>
-            <a:r>
-              <a:rPr lang="en-US" dirty="0" smtClean="0"/>
-              <a:t>Frequent Pattern Mining</a:t>
-            </a:r>
-          </a:p>
-          <a:p>
-            <a:r>
-              <a:rPr lang="en-US" dirty="0" smtClean="0"/>
-              <a:t>Plus more</a:t>
-            </a:r>
-            <a:endParaRPr lang="en-US" dirty="0"/>
-          </a:p>
-        </p:txBody>
-      </p:sp>
+      <p:pic>
+        <p:nvPicPr>
+          <p:cNvPr id="4" name="Picture 3"/>
+          <p:cNvPicPr>
+            <a:picLocks noChangeAspect="1"/>
+          </p:cNvPicPr>
+          <p:nvPr/>
+        </p:nvPicPr>
+        <p:blipFill>
+          <a:blip r:embed="rId2">
+            <a:alphaModFix/>
+          </a:blip>
+          <a:stretch>
+            <a:fillRect/>
+          </a:stretch>
+        </p:blipFill>
+        <p:spPr>
+          <a:xfrm>
+            <a:off x="1040124" y="1417638"/>
+            <a:ext cx="7443476" cy="5204618"/>
+          </a:xfrm>
+          <a:prstGeom prst="rect">
+            <a:avLst/>
+          </a:prstGeom>
+        </p:spPr>
+      </p:pic>
     </p:spTree>
     <p:extLst>
       <p:ext uri="{BB962C8B-B14F-4D97-AF65-F5344CB8AC3E}">
-        <p14:creationId xmlns:p14="http://schemas.microsoft.com/office/powerpoint/2010/main" val="2635590007"/>
+        <p14:creationId xmlns:p14="http://schemas.microsoft.com/office/powerpoint/2010/main" val="1380267393"/>
       </p:ext>
     </p:extLst>
   </p:cSld>
@@ -5767,322 +7600,97 @@
         </p:nvSpPr>
         <p:spPr/>
         <p:txBody>
+          <a:bodyPr>
+            <a:normAutofit/>
+          </a:bodyPr>
+          <a:lstStyle/>
+          <a:p>
+            <a:r>
+              <a:rPr lang="en-US" dirty="0" smtClean="0"/>
+              <a:t>Spark packages</a:t>
+            </a:r>
+            <a:endParaRPr lang="en-US" dirty="0"/>
+          </a:p>
+        </p:txBody>
+      </p:sp>
+      <p:sp>
+        <p:nvSpPr>
+          <p:cNvPr id="3" name="Content Placeholder 2"/>
+          <p:cNvSpPr>
+            <a:spLocks noGrp="1"/>
+          </p:cNvSpPr>
+          <p:nvPr>
+            <p:ph idx="1"/>
+          </p:nvPr>
+        </p:nvSpPr>
+        <p:spPr/>
+        <p:txBody>
           <a:bodyPr/>
           <a:lstStyle/>
           <a:p>
             <a:r>
               <a:rPr lang="en-US" dirty="0" smtClean="0"/>
-              <a:t>MLlib example</a:t>
+              <a:t>A wide set of plugins</a:t>
+            </a:r>
+          </a:p>
+          <a:p>
+            <a:pPr lvl="1"/>
+            <a:r>
+              <a:rPr lang="en-US" dirty="0" smtClean="0"/>
+              <a:t>Currently 148 community donated plugins</a:t>
+            </a:r>
+          </a:p>
+          <a:p>
+            <a:r>
+              <a:rPr lang="en-US" dirty="0" smtClean="0"/>
+              <a:t> Data connectors	</a:t>
+            </a:r>
+          </a:p>
+          <a:p>
+            <a:pPr lvl="1"/>
+            <a:r>
+              <a:rPr lang="en-US" dirty="0" smtClean="0"/>
+              <a:t>Cassandra, </a:t>
+            </a:r>
+            <a:r>
+              <a:rPr lang="en-US" dirty="0" err="1" smtClean="0"/>
+              <a:t>Couchbase</a:t>
+            </a:r>
+            <a:r>
+              <a:rPr lang="en-US" dirty="0" smtClean="0"/>
+              <a:t>, Mongo, CSV, </a:t>
+            </a:r>
+            <a:r>
+              <a:rPr lang="en-US" dirty="0" err="1" smtClean="0"/>
+              <a:t>etc</a:t>
+            </a:r>
+            <a:endParaRPr lang="en-US" dirty="0" smtClean="0"/>
+          </a:p>
+          <a:p>
+            <a:r>
+              <a:rPr lang="en-US" dirty="0" smtClean="0"/>
+              <a:t>Machine Learning, Neural networks</a:t>
+            </a:r>
+          </a:p>
+          <a:p>
+            <a:r>
+              <a:rPr lang="en-US" dirty="0" smtClean="0"/>
+              <a:t>Streaming</a:t>
+            </a:r>
+          </a:p>
+          <a:p>
+            <a:r>
+              <a:rPr lang="en-US" dirty="0" err="1" smtClean="0"/>
+              <a:t>etc</a:t>
             </a:r>
             <a:endParaRPr lang="en-US" dirty="0"/>
-          </a:p>
-        </p:txBody>
-      </p:sp>
-      <p:sp>
-        <p:nvSpPr>
-          <p:cNvPr id="3" name="Content Placeholder 2"/>
-          <p:cNvSpPr>
-            <a:spLocks noGrp="1"/>
-          </p:cNvSpPr>
-          <p:nvPr>
-            <p:ph idx="1"/>
-          </p:nvPr>
-        </p:nvSpPr>
-        <p:spPr>
-          <a:xfrm>
-            <a:off x="375635" y="1613855"/>
-            <a:ext cx="8229600" cy="4525963"/>
-          </a:xfrm>
-        </p:spPr>
-        <p:txBody>
-          <a:bodyPr>
-            <a:noAutofit/>
-          </a:bodyPr>
-          <a:lstStyle/>
-          <a:p>
-            <a:pPr marL="0" indent="0">
-              <a:buNone/>
-            </a:pPr>
-            <a:r>
-              <a:rPr lang="en-US" sz="1600" dirty="0">
-                <a:latin typeface="Lucida Console"/>
-                <a:cs typeface="Lucida Console"/>
-              </a:rPr>
-              <a:t>from </a:t>
-            </a:r>
-            <a:r>
-              <a:rPr lang="en-US" sz="1600" dirty="0" err="1">
-                <a:latin typeface="Lucida Console"/>
-                <a:cs typeface="Lucida Console"/>
-              </a:rPr>
-              <a:t>pyspark.mllib.fpm</a:t>
-            </a:r>
-            <a:r>
-              <a:rPr lang="en-US" sz="1600" dirty="0">
-                <a:latin typeface="Lucida Console"/>
-                <a:cs typeface="Lucida Console"/>
-              </a:rPr>
-              <a:t> import </a:t>
-            </a:r>
-            <a:r>
-              <a:rPr lang="en-US" sz="1600" dirty="0" err="1">
-                <a:latin typeface="Lucida Console"/>
-                <a:cs typeface="Lucida Console"/>
-              </a:rPr>
-              <a:t>FPGrowth</a:t>
-            </a:r>
-            <a:endParaRPr lang="en-US" sz="1600" dirty="0">
-              <a:latin typeface="Lucida Console"/>
-              <a:cs typeface="Lucida Console"/>
-            </a:endParaRPr>
-          </a:p>
-          <a:p>
-            <a:pPr marL="0" indent="0">
-              <a:buNone/>
-            </a:pPr>
-            <a:endParaRPr lang="en-US" sz="1600" dirty="0">
-              <a:latin typeface="Lucida Console"/>
-              <a:cs typeface="Lucida Console"/>
-            </a:endParaRPr>
-          </a:p>
-          <a:p>
-            <a:pPr marL="0" indent="0">
-              <a:buNone/>
-            </a:pPr>
-            <a:r>
-              <a:rPr lang="en-US" sz="1600" dirty="0">
-                <a:latin typeface="Lucida Console"/>
-                <a:cs typeface="Lucida Console"/>
-              </a:rPr>
-              <a:t>data = </a:t>
-            </a:r>
-            <a:r>
-              <a:rPr lang="en-US" sz="1600" dirty="0" err="1">
-                <a:latin typeface="Lucida Console"/>
-                <a:cs typeface="Lucida Console"/>
-              </a:rPr>
-              <a:t>sc.textFile</a:t>
-            </a:r>
-            <a:r>
-              <a:rPr lang="en-US" sz="1600" dirty="0">
-                <a:latin typeface="Lucida Console"/>
-                <a:cs typeface="Lucida Console"/>
-              </a:rPr>
-              <a:t>("data/</a:t>
-            </a:r>
-            <a:r>
-              <a:rPr lang="en-US" sz="1600" dirty="0" err="1">
-                <a:latin typeface="Lucida Console"/>
-                <a:cs typeface="Lucida Console"/>
-              </a:rPr>
-              <a:t>mllib</a:t>
-            </a:r>
-            <a:r>
-              <a:rPr lang="en-US" sz="1600" dirty="0">
-                <a:latin typeface="Lucida Console"/>
-                <a:cs typeface="Lucida Console"/>
-              </a:rPr>
-              <a:t>/</a:t>
-            </a:r>
-            <a:r>
-              <a:rPr lang="en-US" sz="1600" dirty="0" err="1">
-                <a:latin typeface="Lucida Console"/>
-                <a:cs typeface="Lucida Console"/>
-              </a:rPr>
-              <a:t>sample_fpgrowth.txt</a:t>
-            </a:r>
-            <a:r>
-              <a:rPr lang="en-US" sz="1600" dirty="0">
-                <a:latin typeface="Lucida Console"/>
-                <a:cs typeface="Lucida Console"/>
-              </a:rPr>
-              <a:t>")</a:t>
-            </a:r>
-          </a:p>
-          <a:p>
-            <a:pPr marL="0" indent="0">
-              <a:buNone/>
-            </a:pPr>
-            <a:endParaRPr lang="en-US" sz="1600" dirty="0">
-              <a:latin typeface="Lucida Console"/>
-              <a:cs typeface="Lucida Console"/>
-            </a:endParaRPr>
-          </a:p>
-          <a:p>
-            <a:pPr marL="0" indent="0">
-              <a:buNone/>
-            </a:pPr>
-            <a:r>
-              <a:rPr lang="en-US" sz="1600" dirty="0">
-                <a:latin typeface="Lucida Console"/>
-                <a:cs typeface="Lucida Console"/>
-              </a:rPr>
-              <a:t>transactions = </a:t>
-            </a:r>
-            <a:r>
-              <a:rPr lang="en-US" sz="1600" dirty="0" err="1">
-                <a:latin typeface="Lucida Console"/>
-                <a:cs typeface="Lucida Console"/>
-              </a:rPr>
-              <a:t>data.map</a:t>
-            </a:r>
-            <a:r>
-              <a:rPr lang="en-US" sz="1600" dirty="0">
-                <a:latin typeface="Lucida Console"/>
-                <a:cs typeface="Lucida Console"/>
-              </a:rPr>
-              <a:t>(lambda line: </a:t>
-            </a:r>
-            <a:r>
-              <a:rPr lang="en-US" sz="1600" dirty="0" err="1">
-                <a:latin typeface="Lucida Console"/>
-                <a:cs typeface="Lucida Console"/>
-              </a:rPr>
-              <a:t>line.strip</a:t>
-            </a:r>
-            <a:r>
-              <a:rPr lang="en-US" sz="1600" dirty="0">
-                <a:latin typeface="Lucida Console"/>
-                <a:cs typeface="Lucida Console"/>
-              </a:rPr>
-              <a:t>().split(' '))</a:t>
-            </a:r>
-          </a:p>
-          <a:p>
-            <a:pPr marL="0" indent="0">
-              <a:buNone/>
-            </a:pPr>
-            <a:endParaRPr lang="en-US" sz="1600" dirty="0">
-              <a:latin typeface="Lucida Console"/>
-              <a:cs typeface="Lucida Console"/>
-            </a:endParaRPr>
-          </a:p>
-          <a:p>
-            <a:pPr marL="0" indent="0">
-              <a:buNone/>
-            </a:pPr>
-            <a:r>
-              <a:rPr lang="en-US" sz="1600" dirty="0">
-                <a:latin typeface="Lucida Console"/>
-                <a:cs typeface="Lucida Console"/>
-              </a:rPr>
-              <a:t>model = </a:t>
-            </a:r>
-            <a:r>
-              <a:rPr lang="en-US" sz="1600" dirty="0" err="1">
-                <a:latin typeface="Lucida Console"/>
-                <a:cs typeface="Lucida Console"/>
-              </a:rPr>
-              <a:t>FPGrowth.train</a:t>
-            </a:r>
-            <a:r>
-              <a:rPr lang="en-US" sz="1600" dirty="0">
-                <a:latin typeface="Lucida Console"/>
-                <a:cs typeface="Lucida Console"/>
-              </a:rPr>
-              <a:t>(transactions, </a:t>
-            </a:r>
-            <a:r>
-              <a:rPr lang="en-US" sz="1600" dirty="0" err="1">
-                <a:latin typeface="Lucida Console"/>
-                <a:cs typeface="Lucida Console"/>
-              </a:rPr>
-              <a:t>minSupport</a:t>
-            </a:r>
-            <a:r>
-              <a:rPr lang="en-US" sz="1600" dirty="0">
-                <a:latin typeface="Lucida Console"/>
-                <a:cs typeface="Lucida Console"/>
-              </a:rPr>
-              <a:t>=0.2, </a:t>
-            </a:r>
-            <a:r>
-              <a:rPr lang="en-US" sz="1600" dirty="0" smtClean="0">
-                <a:latin typeface="Lucida Console"/>
-                <a:cs typeface="Lucida Console"/>
-              </a:rPr>
-              <a:t>	</a:t>
-            </a:r>
-            <a:r>
-              <a:rPr lang="en-US" sz="1600" dirty="0" err="1" smtClean="0">
-                <a:latin typeface="Lucida Console"/>
-                <a:cs typeface="Lucida Console"/>
-              </a:rPr>
-              <a:t>numPartitions</a:t>
-            </a:r>
-            <a:r>
-              <a:rPr lang="en-US" sz="1600" dirty="0">
-                <a:latin typeface="Lucida Console"/>
-                <a:cs typeface="Lucida Console"/>
-              </a:rPr>
-              <a:t>=10)</a:t>
-            </a:r>
-          </a:p>
-          <a:p>
-            <a:pPr marL="0" indent="0">
-              <a:buNone/>
-            </a:pPr>
-            <a:endParaRPr lang="en-US" sz="1600" dirty="0">
-              <a:latin typeface="Lucida Console"/>
-              <a:cs typeface="Lucida Console"/>
-            </a:endParaRPr>
-          </a:p>
-          <a:p>
-            <a:pPr marL="0" indent="0">
-              <a:buNone/>
-            </a:pPr>
-            <a:r>
-              <a:rPr lang="en-US" sz="1600" dirty="0">
-                <a:latin typeface="Lucida Console"/>
-                <a:cs typeface="Lucida Console"/>
-              </a:rPr>
-              <a:t>result = </a:t>
-            </a:r>
-            <a:r>
-              <a:rPr lang="en-US" sz="1600" dirty="0" err="1">
-                <a:latin typeface="Lucida Console"/>
-                <a:cs typeface="Lucida Console"/>
-              </a:rPr>
-              <a:t>model.freqItemsets</a:t>
-            </a:r>
-            <a:r>
-              <a:rPr lang="en-US" sz="1600" dirty="0">
-                <a:latin typeface="Lucida Console"/>
-                <a:cs typeface="Lucida Console"/>
-              </a:rPr>
-              <a:t>().collect()</a:t>
-            </a:r>
-          </a:p>
-          <a:p>
-            <a:pPr marL="0" indent="0">
-              <a:buNone/>
-            </a:pPr>
-            <a:r>
-              <a:rPr lang="en-US" sz="1600" dirty="0">
-                <a:latin typeface="Lucida Console"/>
-                <a:cs typeface="Lucida Console"/>
-              </a:rPr>
-              <a:t>for fi in result:</a:t>
-            </a:r>
-          </a:p>
-          <a:p>
-            <a:pPr marL="0" indent="0">
-              <a:buNone/>
-            </a:pPr>
-            <a:r>
-              <a:rPr lang="en-US" sz="1600" dirty="0">
-                <a:latin typeface="Lucida Console"/>
-                <a:cs typeface="Lucida Console"/>
-              </a:rPr>
-              <a:t>    print(fi)</a:t>
-            </a:r>
           </a:p>
         </p:txBody>
       </p:sp>
     </p:spTree>
     <p:extLst>
       <p:ext uri="{BB962C8B-B14F-4D97-AF65-F5344CB8AC3E}">
-        <p14:creationId xmlns:p14="http://schemas.microsoft.com/office/powerpoint/2010/main" val="4269920811"/>
+        <p14:creationId xmlns:p14="http://schemas.microsoft.com/office/powerpoint/2010/main" val="1004807774"/>
       </p:ext>
     </p:extLst>
   </p:cSld>
@@ -6132,8 +7740,8 @@
           <a:lstStyle/>
           <a:p>
             <a:r>
-              <a:rPr lang="en-US" dirty="0" err="1" smtClean="0"/>
-              <a:t>GraphX</a:t>
+              <a:rPr lang="en-US" dirty="0" smtClean="0"/>
+              <a:t>Using Spark Packages</a:t>
             </a:r>
             <a:endParaRPr lang="en-US" dirty="0"/>
           </a:p>
@@ -6154,68 +7762,59 @@
           <a:bodyPr/>
           <a:lstStyle/>
           <a:p>
-            <a:r>
-              <a:rPr lang="en-US" dirty="0" smtClean="0"/>
-              <a:t>  </a:t>
-            </a:r>
-          </a:p>
-          <a:p>
+            <a:pPr marL="0" indent="0">
+              <a:buNone/>
+            </a:pPr>
+            <a:r>
+              <a:rPr lang="en-US" dirty="0" smtClean="0"/>
+              <a:t>Automatic download from the web:</a:t>
+            </a:r>
+          </a:p>
+          <a:p>
+            <a:pPr marL="0" indent="0">
+              <a:buNone/>
+            </a:pPr>
             <a:endParaRPr lang="en-US" dirty="0"/>
           </a:p>
-        </p:txBody>
-      </p:sp>
-      <p:pic>
-        <p:nvPicPr>
-          <p:cNvPr id="4" name="Picture 3"/>
-          <p:cNvPicPr>
-            <a:picLocks noChangeAspect="1"/>
-          </p:cNvPicPr>
-          <p:nvPr/>
-        </p:nvPicPr>
-        <p:blipFill>
-          <a:blip r:embed="rId2"/>
-          <a:stretch>
-            <a:fillRect/>
-          </a:stretch>
-        </p:blipFill>
-        <p:spPr>
-          <a:xfrm>
-            <a:off x="6313668" y="274638"/>
-            <a:ext cx="2639155" cy="904155"/>
-          </a:xfrm>
-          <a:prstGeom prst="rect">
-            <a:avLst/>
-          </a:prstGeom>
-        </p:spPr>
-      </p:pic>
-      <p:pic>
-        <p:nvPicPr>
-          <p:cNvPr id="5" name="Picture 4"/>
-          <p:cNvPicPr>
-            <a:picLocks noChangeAspect="1"/>
-          </p:cNvPicPr>
-          <p:nvPr/>
-        </p:nvPicPr>
-        <p:blipFill>
-          <a:blip r:embed="rId3"/>
-          <a:stretch>
-            <a:fillRect/>
-          </a:stretch>
-        </p:blipFill>
-        <p:spPr>
-          <a:xfrm>
-            <a:off x="1160710" y="1295243"/>
-            <a:ext cx="7128120" cy="4630232"/>
-          </a:xfrm>
-          <a:prstGeom prst="rect">
-            <a:avLst/>
-          </a:prstGeom>
-        </p:spPr>
-      </p:pic>
+          <a:p>
+            <a:pPr marL="0" indent="0">
+              <a:buNone/>
+            </a:pPr>
+            <a:endParaRPr lang="en-US" dirty="0" smtClean="0"/>
+          </a:p>
+          <a:p>
+            <a:pPr marL="0" indent="0">
+              <a:buNone/>
+            </a:pPr>
+            <a:r>
+              <a:rPr lang="en-US" sz="2400" dirty="0" smtClean="0"/>
+              <a:t>bin</a:t>
+            </a:r>
+            <a:r>
+              <a:rPr lang="en-US" sz="2400" dirty="0"/>
+              <a:t>/spark-shell </a:t>
+            </a:r>
+            <a:endParaRPr lang="en-US" sz="2400" dirty="0" smtClean="0"/>
+          </a:p>
+          <a:p>
+            <a:pPr marL="457200" lvl="1" indent="0">
+              <a:buNone/>
+            </a:pPr>
+            <a:r>
+              <a:rPr lang="en-US" sz="2400" dirty="0" smtClean="0"/>
+              <a:t>-</a:t>
+            </a:r>
+            <a:r>
+              <a:rPr lang="en-US" sz="2400" dirty="0"/>
+              <a:t>-packages com.databricks:spark-csv_2.11:1.2.0</a:t>
+            </a:r>
+          </a:p>
+        </p:txBody>
+      </p:sp>
     </p:spTree>
     <p:extLst>
       <p:ext uri="{BB962C8B-B14F-4D97-AF65-F5344CB8AC3E}">
-        <p14:creationId xmlns:p14="http://schemas.microsoft.com/office/powerpoint/2010/main" val="868205749"/>
+        <p14:creationId xmlns:p14="http://schemas.microsoft.com/office/powerpoint/2010/main" val="3950180315"/>
       </p:ext>
     </p:extLst>
   </p:cSld>

--- a/pres-source/06-additional-tools.pptx
+++ b/pres-source/06-additional-tools.pptx
@@ -5,7 +5,7 @@
     <p:sldMasterId id="2147483648" r:id="rId1"/>
   </p:sldMasterIdLst>
   <p:notesMasterIdLst>
-    <p:notesMasterId r:id="rId26"/>
+    <p:notesMasterId r:id="rId32"/>
   </p:notesMasterIdLst>
   <p:sldIdLst>
     <p:sldId id="256" r:id="rId2"/>
@@ -15,23 +15,29 @@
     <p:sldId id="311" r:id="rId6"/>
     <p:sldId id="312" r:id="rId7"/>
     <p:sldId id="317" r:id="rId8"/>
-    <p:sldId id="296" r:id="rId9"/>
-    <p:sldId id="297" r:id="rId10"/>
-    <p:sldId id="298" r:id="rId11"/>
-    <p:sldId id="299" r:id="rId12"/>
-    <p:sldId id="300" r:id="rId13"/>
-    <p:sldId id="301" r:id="rId14"/>
-    <p:sldId id="302" r:id="rId15"/>
-    <p:sldId id="303" r:id="rId16"/>
-    <p:sldId id="304" r:id="rId17"/>
-    <p:sldId id="305" r:id="rId18"/>
-    <p:sldId id="306" r:id="rId19"/>
-    <p:sldId id="307" r:id="rId20"/>
-    <p:sldId id="315" r:id="rId21"/>
-    <p:sldId id="313" r:id="rId22"/>
-    <p:sldId id="314" r:id="rId23"/>
-    <p:sldId id="316" r:id="rId24"/>
-    <p:sldId id="278" r:id="rId25"/>
+    <p:sldId id="318" r:id="rId9"/>
+    <p:sldId id="296" r:id="rId10"/>
+    <p:sldId id="297" r:id="rId11"/>
+    <p:sldId id="298" r:id="rId12"/>
+    <p:sldId id="299" r:id="rId13"/>
+    <p:sldId id="300" r:id="rId14"/>
+    <p:sldId id="301" r:id="rId15"/>
+    <p:sldId id="302" r:id="rId16"/>
+    <p:sldId id="303" r:id="rId17"/>
+    <p:sldId id="304" r:id="rId18"/>
+    <p:sldId id="305" r:id="rId19"/>
+    <p:sldId id="306" r:id="rId20"/>
+    <p:sldId id="307" r:id="rId21"/>
+    <p:sldId id="315" r:id="rId22"/>
+    <p:sldId id="313" r:id="rId23"/>
+    <p:sldId id="314" r:id="rId24"/>
+    <p:sldId id="316" r:id="rId25"/>
+    <p:sldId id="322" r:id="rId26"/>
+    <p:sldId id="323" r:id="rId27"/>
+    <p:sldId id="319" r:id="rId28"/>
+    <p:sldId id="320" r:id="rId29"/>
+    <p:sldId id="321" r:id="rId30"/>
+    <p:sldId id="278" r:id="rId31"/>
   </p:sldIdLst>
   <p:sldSz cx="9144000" cy="6858000" type="screen4x3"/>
   <p:notesSz cx="6858000" cy="9144000"/>
@@ -220,7 +226,7 @@
             <a:fld id="{7307762F-A706-E543-A832-3C298AA3103F}" type="datetimeFigureOut">
               <a:rPr lang="en-US" smtClean="0"/>
               <a:pPr/>
-              <a:t>05/12/17</a:t>
+              <a:t>06/12/17</a:t>
             </a:fld>
             <a:endParaRPr lang="en-US" dirty="0"/>
           </a:p>
@@ -787,7 +793,7 @@
           <a:p>
             <a:fld id="{875CF0EB-321F-0749-B37A-89BBA859503C}" type="datetimeFigureOut">
               <a:rPr lang="en-US" smtClean="0"/>
-              <a:t>05/12/17</a:t>
+              <a:t>06/12/17</a:t>
             </a:fld>
             <a:endParaRPr lang="en-US"/>
           </a:p>
@@ -991,7 +997,7 @@
           <a:p>
             <a:fld id="{875CF0EB-321F-0749-B37A-89BBA859503C}" type="datetimeFigureOut">
               <a:rPr lang="en-US" smtClean="0"/>
-              <a:t>05/12/17</a:t>
+              <a:t>06/12/17</a:t>
             </a:fld>
             <a:endParaRPr lang="en-US"/>
           </a:p>
@@ -1185,7 +1191,7 @@
           <a:p>
             <a:fld id="{875CF0EB-321F-0749-B37A-89BBA859503C}" type="datetimeFigureOut">
               <a:rPr lang="en-US" smtClean="0"/>
-              <a:t>05/12/17</a:t>
+              <a:t>06/12/17</a:t>
             </a:fld>
             <a:endParaRPr lang="en-US"/>
           </a:p>
@@ -1455,7 +1461,7 @@
           <a:p>
             <a:fld id="{875CF0EB-321F-0749-B37A-89BBA859503C}" type="datetimeFigureOut">
               <a:rPr lang="en-US" smtClean="0"/>
-              <a:t>05/12/17</a:t>
+              <a:t>06/12/17</a:t>
             </a:fld>
             <a:endParaRPr lang="en-US"/>
           </a:p>
@@ -1767,7 +1773,7 @@
           <a:p>
             <a:fld id="{875CF0EB-321F-0749-B37A-89BBA859503C}" type="datetimeFigureOut">
               <a:rPr lang="en-US" smtClean="0"/>
-              <a:t>05/12/17</a:t>
+              <a:t>06/12/17</a:t>
             </a:fld>
             <a:endParaRPr lang="en-US"/>
           </a:p>
@@ -2213,7 +2219,7 @@
           <a:p>
             <a:fld id="{875CF0EB-321F-0749-B37A-89BBA859503C}" type="datetimeFigureOut">
               <a:rPr lang="en-US" smtClean="0"/>
-              <a:t>05/12/17</a:t>
+              <a:t>06/12/17</a:t>
             </a:fld>
             <a:endParaRPr lang="en-US"/>
           </a:p>
@@ -2355,7 +2361,7 @@
           <a:p>
             <a:fld id="{875CF0EB-321F-0749-B37A-89BBA859503C}" type="datetimeFigureOut">
               <a:rPr lang="en-US" smtClean="0"/>
-              <a:t>05/12/17</a:t>
+              <a:t>06/12/17</a:t>
             </a:fld>
             <a:endParaRPr lang="en-US"/>
           </a:p>
@@ -2474,7 +2480,7 @@
           <a:p>
             <a:fld id="{875CF0EB-321F-0749-B37A-89BBA859503C}" type="datetimeFigureOut">
               <a:rPr lang="en-US" smtClean="0"/>
-              <a:t>05/12/17</a:t>
+              <a:t>06/12/17</a:t>
             </a:fld>
             <a:endParaRPr lang="en-US"/>
           </a:p>
@@ -2775,7 +2781,7 @@
           <a:p>
             <a:fld id="{875CF0EB-321F-0749-B37A-89BBA859503C}" type="datetimeFigureOut">
               <a:rPr lang="en-US" smtClean="0"/>
-              <a:t>05/12/17</a:t>
+              <a:t>06/12/17</a:t>
             </a:fld>
             <a:endParaRPr lang="en-US"/>
           </a:p>
@@ -3052,7 +3058,7 @@
           <a:p>
             <a:fld id="{875CF0EB-321F-0749-B37A-89BBA859503C}" type="datetimeFigureOut">
               <a:rPr lang="en-US" smtClean="0"/>
-              <a:t>05/12/17</a:t>
+              <a:t>06/12/17</a:t>
             </a:fld>
             <a:endParaRPr lang="en-US"/>
           </a:p>
@@ -3897,59 +3903,6 @@
           </a:p>
         </p:txBody>
       </p:sp>
-      <p:sp>
-        <p:nvSpPr>
-          <p:cNvPr id="3074" name="Subtitle 4"/>
-          <p:cNvSpPr>
-            <a:spLocks noGrp="1"/>
-          </p:cNvSpPr>
-          <p:nvPr>
-            <p:ph type="subTitle" idx="1"/>
-          </p:nvPr>
-        </p:nvSpPr>
-        <p:spPr bwMode="auto">
-          <a:xfrm>
-            <a:off x="1371824" y="4162310"/>
-            <a:ext cx="6400354" cy="1752451"/>
-          </a:xfrm>
-          <a:noFill/>
-          <a:extLst>
-            <a:ext uri="{909E8E84-426E-40dd-AFC4-6F175D3DCCD1}">
-              <a14:hiddenFill xmlns:a14="http://schemas.microsoft.com/office/drawing/2010/main">
-                <a:solidFill>
-                  <a:srgbClr val="FFFFFF"/>
-                </a:solidFill>
-              </a14:hiddenFill>
-            </a:ext>
-            <a:ext uri="{91240B29-F687-4f45-9708-019B960494DF}">
-              <a14:hiddenLine xmlns:a14="http://schemas.microsoft.com/office/drawing/2010/main" w="9525">
-                <a:solidFill>
-                  <a:srgbClr val="000000"/>
-                </a:solidFill>
-                <a:miter lim="800000"/>
-                <a:headEnd/>
-                <a:tailEnd/>
-              </a14:hiddenLine>
-            </a:ext>
-          </a:extLst>
-        </p:spPr>
-        <p:txBody>
-          <a:bodyPr wrap="square" lIns="64291" tIns="32146" rIns="64291" bIns="32146" numCol="1" anchor="t" anchorCtr="0" compatLnSpc="1">
-            <a:prstTxWarp prst="textNoShape">
-              <a:avLst/>
-            </a:prstTxWarp>
-            <a:normAutofit/>
-          </a:bodyPr>
-          <a:lstStyle/>
-          <a:p>
-            <a:pPr eaLnBrk="1" hangingPunct="1"/>
-            <a:endParaRPr lang="en-US" dirty="0">
-              <a:ea typeface="ヒラギノ角ゴ ProN W3" charset="0"/>
-              <a:cs typeface="ヒラギノ角ゴ ProN W3" charset="0"/>
-            </a:endParaRPr>
-          </a:p>
-        </p:txBody>
-      </p:sp>
     </p:spTree>
     <p:extLst>
       <p:ext uri="{BB962C8B-B14F-4D97-AF65-F5344CB8AC3E}">
@@ -4012,7 +3965,7 @@
           <a:p>
             <a:r>
               <a:rPr lang="en-US" dirty="0" smtClean="0"/>
-              <a:t>Locality</a:t>
+              <a:t>Using Spark Packages</a:t>
             </a:r>
             <a:endParaRPr lang="en-US" dirty="0"/>
           </a:p>
@@ -4033,39 +3986,59 @@
           <a:bodyPr/>
           <a:lstStyle/>
           <a:p>
-            <a:r>
-              <a:rPr lang="en-US" dirty="0" smtClean="0"/>
-              <a:t>Spark understands the locality of data:</a:t>
-            </a:r>
-          </a:p>
-          <a:p>
-            <a:pPr lvl="1"/>
-            <a:r>
-              <a:rPr lang="en-US" dirty="0" smtClean="0"/>
-              <a:t>Already in memory</a:t>
-            </a:r>
-          </a:p>
-          <a:p>
-            <a:pPr lvl="1"/>
-            <a:r>
-              <a:rPr lang="en-US" dirty="0" smtClean="0"/>
-              <a:t>HDFS location</a:t>
-            </a:r>
-          </a:p>
-          <a:p>
-            <a:pPr lvl="1"/>
-            <a:r>
-              <a:rPr lang="en-US" dirty="0" smtClean="0"/>
-              <a:t>Cassandra location</a:t>
-            </a:r>
+            <a:pPr marL="0" indent="0">
+              <a:buNone/>
+            </a:pPr>
+            <a:r>
+              <a:rPr lang="en-US" dirty="0" smtClean="0"/>
+              <a:t>Automatic download from the web:</a:t>
+            </a:r>
+          </a:p>
+          <a:p>
+            <a:pPr marL="0" indent="0">
+              <a:buNone/>
+            </a:pPr>
             <a:endParaRPr lang="en-US" dirty="0"/>
+          </a:p>
+          <a:p>
+            <a:pPr marL="0" indent="0">
+              <a:buNone/>
+            </a:pPr>
+            <a:endParaRPr lang="en-US" dirty="0" smtClean="0"/>
+          </a:p>
+          <a:p>
+            <a:pPr marL="0" indent="0">
+              <a:buNone/>
+            </a:pPr>
+            <a:r>
+              <a:rPr lang="en-US" sz="2400" dirty="0" smtClean="0"/>
+              <a:t>bin</a:t>
+            </a:r>
+            <a:r>
+              <a:rPr lang="en-US" sz="2400" dirty="0"/>
+              <a:t>/spark-shell </a:t>
+            </a:r>
+            <a:endParaRPr lang="en-US" sz="2400" dirty="0" smtClean="0"/>
+          </a:p>
+          <a:p>
+            <a:pPr marL="457200" lvl="1" indent="0">
+              <a:buNone/>
+            </a:pPr>
+            <a:r>
+              <a:rPr lang="en-US" sz="2400" dirty="0" smtClean="0"/>
+              <a:t>-</a:t>
+            </a:r>
+            <a:r>
+              <a:rPr lang="en-US" sz="2400" dirty="0"/>
+              <a:t>-packages com.databricks:spark-csv_2.11:1.2.0</a:t>
+            </a:r>
           </a:p>
         </p:txBody>
       </p:sp>
     </p:spTree>
     <p:extLst>
       <p:ext uri="{BB962C8B-B14F-4D97-AF65-F5344CB8AC3E}">
-        <p14:creationId xmlns:p14="http://schemas.microsoft.com/office/powerpoint/2010/main" val="3402949326"/>
+        <p14:creationId xmlns:p14="http://schemas.microsoft.com/office/powerpoint/2010/main" val="3950180315"/>
       </p:ext>
     </p:extLst>
   </p:cSld>
@@ -4116,7 +4089,7 @@
           <a:p>
             <a:r>
               <a:rPr lang="en-US" dirty="0" smtClean="0"/>
-              <a:t>Spark Extras</a:t>
+              <a:t>Locality</a:t>
             </a:r>
             <a:endParaRPr lang="en-US" dirty="0"/>
           </a:p>
@@ -4124,299 +4097,52 @@
       </p:sp>
       <p:sp>
         <p:nvSpPr>
-          <p:cNvPr id="4" name="Rounded Rectangle 3"/>
-          <p:cNvSpPr/>
-          <p:nvPr/>
-        </p:nvSpPr>
-        <p:spPr>
-          <a:xfrm>
-            <a:off x="812800" y="4510708"/>
-            <a:ext cx="7467600" cy="1117600"/>
-          </a:xfrm>
-          <a:prstGeom prst="roundRect">
-            <a:avLst/>
-          </a:prstGeom>
-        </p:spPr>
-        <p:style>
-          <a:lnRef idx="1">
-            <a:schemeClr val="accent1"/>
-          </a:lnRef>
-          <a:fillRef idx="2">
-            <a:schemeClr val="accent1"/>
-          </a:fillRef>
-          <a:effectRef idx="1">
-            <a:schemeClr val="accent1"/>
-          </a:effectRef>
-          <a:fontRef idx="minor">
-            <a:schemeClr val="dk1"/>
-          </a:fontRef>
-        </p:style>
-        <p:txBody>
-          <a:bodyPr rtlCol="0" anchor="ctr"/>
-          <a:lstStyle/>
-          <a:p>
-            <a:pPr algn="ctr"/>
-            <a:r>
-              <a:rPr lang="en-US" sz="2800" dirty="0" smtClean="0">
-                <a:latin typeface="Montserrat"/>
-              </a:rPr>
-              <a:t>Spark Core</a:t>
-            </a:r>
-            <a:endParaRPr lang="en-US" sz="2800" dirty="0">
-              <a:latin typeface="Montserrat"/>
-            </a:endParaRPr>
-          </a:p>
-        </p:txBody>
-      </p:sp>
-      <p:sp>
-        <p:nvSpPr>
-          <p:cNvPr id="5" name="Rounded Rectangle 4"/>
-          <p:cNvSpPr/>
-          <p:nvPr/>
-        </p:nvSpPr>
-        <p:spPr>
-          <a:xfrm>
-            <a:off x="812800" y="1902148"/>
-            <a:ext cx="1371600" cy="2463800"/>
-          </a:xfrm>
-          <a:prstGeom prst="roundRect">
-            <a:avLst/>
-          </a:prstGeom>
-        </p:spPr>
-        <p:style>
-          <a:lnRef idx="1">
-            <a:schemeClr val="accent4"/>
-          </a:lnRef>
-          <a:fillRef idx="2">
-            <a:schemeClr val="accent4"/>
-          </a:fillRef>
-          <a:effectRef idx="1">
-            <a:schemeClr val="accent4"/>
-          </a:effectRef>
-          <a:fontRef idx="minor">
-            <a:schemeClr val="dk1"/>
-          </a:fontRef>
-        </p:style>
-        <p:txBody>
-          <a:bodyPr rtlCol="0" anchor="ctr"/>
-          <a:lstStyle/>
-          <a:p>
-            <a:pPr algn="ctr"/>
-            <a:r>
-              <a:rPr lang="en-US" sz="1400" dirty="0" smtClean="0">
-                <a:latin typeface="Montserrat"/>
-              </a:rPr>
-              <a:t>Spark </a:t>
-            </a:r>
-          </a:p>
-          <a:p>
-            <a:pPr algn="ctr"/>
-            <a:r>
-              <a:rPr lang="en-US" sz="1400" dirty="0" smtClean="0">
-                <a:latin typeface="Montserrat"/>
-              </a:rPr>
-              <a:t>SQL</a:t>
-            </a:r>
-            <a:endParaRPr lang="en-US" sz="1400" dirty="0">
-              <a:latin typeface="Montserrat"/>
-            </a:endParaRPr>
-          </a:p>
-        </p:txBody>
-      </p:sp>
-      <p:sp>
-        <p:nvSpPr>
-          <p:cNvPr id="6" name="Rounded Rectangle 5"/>
-          <p:cNvSpPr/>
-          <p:nvPr/>
-        </p:nvSpPr>
-        <p:spPr>
-          <a:xfrm>
-            <a:off x="2336800" y="1902148"/>
-            <a:ext cx="1371600" cy="2463800"/>
-          </a:xfrm>
-          <a:prstGeom prst="roundRect">
-            <a:avLst/>
-          </a:prstGeom>
-        </p:spPr>
-        <p:style>
-          <a:lnRef idx="1">
-            <a:schemeClr val="accent4"/>
-          </a:lnRef>
-          <a:fillRef idx="2">
-            <a:schemeClr val="accent4"/>
-          </a:fillRef>
-          <a:effectRef idx="1">
-            <a:schemeClr val="accent4"/>
-          </a:effectRef>
-          <a:fontRef idx="minor">
-            <a:schemeClr val="dk1"/>
-          </a:fontRef>
-        </p:style>
-        <p:txBody>
-          <a:bodyPr rtlCol="0" anchor="ctr"/>
-          <a:lstStyle/>
-          <a:p>
-            <a:pPr algn="ctr"/>
-            <a:r>
-              <a:rPr lang="en-US" sz="1400" dirty="0" smtClean="0">
-                <a:latin typeface="Montserrat"/>
-              </a:rPr>
-              <a:t>Spark Streaming</a:t>
-            </a:r>
-            <a:endParaRPr lang="en-US" sz="1400" dirty="0">
-              <a:latin typeface="Montserrat"/>
-            </a:endParaRPr>
-          </a:p>
-        </p:txBody>
-      </p:sp>
-      <p:sp>
-        <p:nvSpPr>
-          <p:cNvPr id="7" name="Rounded Rectangle 6"/>
-          <p:cNvSpPr/>
-          <p:nvPr/>
-        </p:nvSpPr>
-        <p:spPr>
-          <a:xfrm>
-            <a:off x="3860800" y="1902148"/>
-            <a:ext cx="1371600" cy="2463800"/>
-          </a:xfrm>
-          <a:prstGeom prst="roundRect">
-            <a:avLst/>
-          </a:prstGeom>
-        </p:spPr>
-        <p:style>
-          <a:lnRef idx="1">
-            <a:schemeClr val="accent4"/>
-          </a:lnRef>
-          <a:fillRef idx="2">
-            <a:schemeClr val="accent4"/>
-          </a:fillRef>
-          <a:effectRef idx="1">
-            <a:schemeClr val="accent4"/>
-          </a:effectRef>
-          <a:fontRef idx="minor">
-            <a:schemeClr val="dk1"/>
-          </a:fontRef>
-        </p:style>
-        <p:txBody>
-          <a:bodyPr rtlCol="0" anchor="ctr"/>
-          <a:lstStyle/>
-          <a:p>
-            <a:pPr algn="ctr"/>
-            <a:r>
-              <a:rPr lang="en-US" sz="1400" dirty="0" smtClean="0">
-                <a:latin typeface="Montserrat"/>
-              </a:rPr>
-              <a:t>Spark</a:t>
-            </a:r>
-          </a:p>
-          <a:p>
-            <a:pPr algn="ctr"/>
-            <a:r>
-              <a:rPr lang="en-US" sz="1400" dirty="0" smtClean="0">
-                <a:latin typeface="Montserrat"/>
-              </a:rPr>
-              <a:t>MLlib	</a:t>
-            </a:r>
-          </a:p>
-        </p:txBody>
-      </p:sp>
-      <p:sp>
-        <p:nvSpPr>
-          <p:cNvPr id="8" name="Rounded Rectangle 7"/>
-          <p:cNvSpPr/>
-          <p:nvPr/>
-        </p:nvSpPr>
-        <p:spPr>
-          <a:xfrm>
-            <a:off x="5384800" y="1902148"/>
-            <a:ext cx="1371600" cy="2463800"/>
-          </a:xfrm>
-          <a:prstGeom prst="roundRect">
-            <a:avLst/>
-          </a:prstGeom>
-        </p:spPr>
-        <p:style>
-          <a:lnRef idx="1">
-            <a:schemeClr val="accent4"/>
-          </a:lnRef>
-          <a:fillRef idx="2">
-            <a:schemeClr val="accent4"/>
-          </a:fillRef>
-          <a:effectRef idx="1">
-            <a:schemeClr val="accent4"/>
-          </a:effectRef>
-          <a:fontRef idx="minor">
-            <a:schemeClr val="dk1"/>
-          </a:fontRef>
-        </p:style>
-        <p:txBody>
-          <a:bodyPr rtlCol="0" anchor="ctr"/>
-          <a:lstStyle/>
-          <a:p>
-            <a:pPr algn="ctr"/>
-            <a:r>
-              <a:rPr lang="en-US" sz="1400" dirty="0" err="1" smtClean="0">
-                <a:latin typeface="Montserrat"/>
-              </a:rPr>
-              <a:t>SparkR</a:t>
-            </a:r>
-            <a:endParaRPr lang="en-US" sz="1400" dirty="0">
-              <a:latin typeface="Montserrat"/>
-            </a:endParaRPr>
-          </a:p>
-        </p:txBody>
-      </p:sp>
-      <p:sp>
-        <p:nvSpPr>
-          <p:cNvPr id="9" name="Rounded Rectangle 8"/>
-          <p:cNvSpPr/>
-          <p:nvPr/>
-        </p:nvSpPr>
-        <p:spPr>
-          <a:xfrm>
-            <a:off x="6908800" y="1902148"/>
-            <a:ext cx="1371600" cy="2463800"/>
-          </a:xfrm>
-          <a:prstGeom prst="roundRect">
-            <a:avLst/>
-          </a:prstGeom>
-        </p:spPr>
-        <p:style>
-          <a:lnRef idx="1">
-            <a:schemeClr val="accent4"/>
-          </a:lnRef>
-          <a:fillRef idx="2">
-            <a:schemeClr val="accent4"/>
-          </a:fillRef>
-          <a:effectRef idx="1">
-            <a:schemeClr val="accent4"/>
-          </a:effectRef>
-          <a:fontRef idx="minor">
-            <a:schemeClr val="dk1"/>
-          </a:fontRef>
-        </p:style>
-        <p:txBody>
-          <a:bodyPr rtlCol="0" anchor="ctr"/>
-          <a:lstStyle/>
-          <a:p>
-            <a:pPr algn="ctr"/>
-            <a:r>
-              <a:rPr lang="en-US" sz="1400" dirty="0" err="1" smtClean="0">
-                <a:latin typeface="Montserrat"/>
-              </a:rPr>
-              <a:t>GraphX</a:t>
-            </a:r>
-            <a:endParaRPr lang="en-US" sz="1400" dirty="0">
-              <a:latin typeface="Montserrat"/>
-            </a:endParaRPr>
+          <p:cNvPr id="3" name="Content Placeholder 2"/>
+          <p:cNvSpPr>
+            <a:spLocks noGrp="1"/>
+          </p:cNvSpPr>
+          <p:nvPr>
+            <p:ph idx="1"/>
+          </p:nvPr>
+        </p:nvSpPr>
+        <p:spPr/>
+        <p:txBody>
+          <a:bodyPr/>
+          <a:lstStyle/>
+          <a:p>
+            <a:r>
+              <a:rPr lang="en-US" dirty="0" smtClean="0"/>
+              <a:t>Spark understands the locality of data:</a:t>
+            </a:r>
+          </a:p>
+          <a:p>
+            <a:pPr lvl="1"/>
+            <a:r>
+              <a:rPr lang="en-US" dirty="0" smtClean="0"/>
+              <a:t>Already in memory</a:t>
+            </a:r>
+          </a:p>
+          <a:p>
+            <a:pPr lvl="1"/>
+            <a:r>
+              <a:rPr lang="en-US" dirty="0" smtClean="0"/>
+              <a:t>HDFS location</a:t>
+            </a:r>
+          </a:p>
+          <a:p>
+            <a:pPr lvl="1"/>
+            <a:r>
+              <a:rPr lang="en-US" dirty="0" smtClean="0"/>
+              <a:t>Cassandra location</a:t>
+            </a:r>
+            <a:endParaRPr lang="en-US" dirty="0"/>
           </a:p>
         </p:txBody>
       </p:sp>
     </p:spTree>
     <p:extLst>
       <p:ext uri="{BB962C8B-B14F-4D97-AF65-F5344CB8AC3E}">
-        <p14:creationId xmlns:p14="http://schemas.microsoft.com/office/powerpoint/2010/main" val="4097766008"/>
+        <p14:creationId xmlns:p14="http://schemas.microsoft.com/office/powerpoint/2010/main" val="3402949326"/>
       </p:ext>
     </p:extLst>
   </p:cSld>
@@ -4475,90 +4201,299 @@
       </p:sp>
       <p:sp>
         <p:nvSpPr>
-          <p:cNvPr id="3" name="Content Placeholder 2"/>
-          <p:cNvSpPr>
-            <a:spLocks noGrp="1"/>
-          </p:cNvSpPr>
-          <p:nvPr>
-            <p:ph idx="1"/>
-          </p:nvPr>
-        </p:nvSpPr>
-        <p:spPr/>
-        <p:txBody>
-          <a:bodyPr>
-            <a:normAutofit/>
-          </a:bodyPr>
-          <a:lstStyle/>
-          <a:p>
-            <a:r>
-              <a:rPr lang="en-US" dirty="0" smtClean="0"/>
-              <a:t>Spark Streaming	</a:t>
-            </a:r>
-          </a:p>
-          <a:p>
-            <a:pPr lvl="1"/>
-            <a:r>
-              <a:rPr lang="en-US" dirty="0" err="1" smtClean="0"/>
-              <a:t>Realtime</a:t>
-            </a:r>
-            <a:r>
-              <a:rPr lang="en-US" dirty="0" smtClean="0"/>
-              <a:t> analysis in Spark</a:t>
-            </a:r>
-          </a:p>
-          <a:p>
-            <a:r>
-              <a:rPr lang="en-US" dirty="0" smtClean="0"/>
+          <p:cNvPr id="4" name="Rounded Rectangle 3"/>
+          <p:cNvSpPr/>
+          <p:nvPr/>
+        </p:nvSpPr>
+        <p:spPr>
+          <a:xfrm>
+            <a:off x="812800" y="4510708"/>
+            <a:ext cx="7467600" cy="1117600"/>
+          </a:xfrm>
+          <a:prstGeom prst="roundRect">
+            <a:avLst/>
+          </a:prstGeom>
+        </p:spPr>
+        <p:style>
+          <a:lnRef idx="1">
+            <a:schemeClr val="accent1"/>
+          </a:lnRef>
+          <a:fillRef idx="2">
+            <a:schemeClr val="accent1"/>
+          </a:fillRef>
+          <a:effectRef idx="1">
+            <a:schemeClr val="accent1"/>
+          </a:effectRef>
+          <a:fontRef idx="minor">
+            <a:schemeClr val="dk1"/>
+          </a:fontRef>
+        </p:style>
+        <p:txBody>
+          <a:bodyPr rtlCol="0" anchor="ctr"/>
+          <a:lstStyle/>
+          <a:p>
+            <a:pPr algn="ctr"/>
+            <a:r>
+              <a:rPr lang="en-US" sz="2800" dirty="0" smtClean="0">
+                <a:latin typeface="Montserrat"/>
+              </a:rPr>
+              <a:t>Spark Core</a:t>
+            </a:r>
+            <a:endParaRPr lang="en-US" sz="2800" dirty="0">
+              <a:latin typeface="Montserrat"/>
+            </a:endParaRPr>
+          </a:p>
+        </p:txBody>
+      </p:sp>
+      <p:sp>
+        <p:nvSpPr>
+          <p:cNvPr id="5" name="Rounded Rectangle 4"/>
+          <p:cNvSpPr/>
+          <p:nvPr/>
+        </p:nvSpPr>
+        <p:spPr>
+          <a:xfrm>
+            <a:off x="812800" y="1902148"/>
+            <a:ext cx="1371600" cy="2463800"/>
+          </a:xfrm>
+          <a:prstGeom prst="roundRect">
+            <a:avLst/>
+          </a:prstGeom>
+        </p:spPr>
+        <p:style>
+          <a:lnRef idx="1">
+            <a:schemeClr val="accent4"/>
+          </a:lnRef>
+          <a:fillRef idx="2">
+            <a:schemeClr val="accent4"/>
+          </a:fillRef>
+          <a:effectRef idx="1">
+            <a:schemeClr val="accent4"/>
+          </a:effectRef>
+          <a:fontRef idx="minor">
+            <a:schemeClr val="dk1"/>
+          </a:fontRef>
+        </p:style>
+        <p:txBody>
+          <a:bodyPr rtlCol="0" anchor="ctr"/>
+          <a:lstStyle/>
+          <a:p>
+            <a:pPr algn="ctr"/>
+            <a:r>
+              <a:rPr lang="en-US" sz="1400" dirty="0" smtClean="0">
+                <a:latin typeface="Montserrat"/>
+              </a:rPr>
               <a:t>Spark </a:t>
             </a:r>
-            <a:r>
-              <a:rPr lang="en-US" dirty="0" err="1" smtClean="0"/>
-              <a:t>MLLib</a:t>
-            </a:r>
-            <a:endParaRPr lang="en-US" dirty="0" smtClean="0"/>
-          </a:p>
-          <a:p>
-            <a:pPr lvl="1"/>
-            <a:r>
-              <a:rPr lang="en-US" dirty="0" smtClean="0"/>
-              <a:t>Like Mahout – Machine learning in Spark</a:t>
-            </a:r>
-          </a:p>
-          <a:p>
-            <a:r>
-              <a:rPr lang="en-US" dirty="0" err="1" smtClean="0"/>
+          </a:p>
+          <a:p>
+            <a:pPr algn="ctr"/>
+            <a:r>
+              <a:rPr lang="en-US" sz="1400" dirty="0" smtClean="0">
+                <a:latin typeface="Montserrat"/>
+              </a:rPr>
+              <a:t>SQL</a:t>
+            </a:r>
+            <a:endParaRPr lang="en-US" sz="1400" dirty="0">
+              <a:latin typeface="Montserrat"/>
+            </a:endParaRPr>
+          </a:p>
+        </p:txBody>
+      </p:sp>
+      <p:sp>
+        <p:nvSpPr>
+          <p:cNvPr id="6" name="Rounded Rectangle 5"/>
+          <p:cNvSpPr/>
+          <p:nvPr/>
+        </p:nvSpPr>
+        <p:spPr>
+          <a:xfrm>
+            <a:off x="2336800" y="1902148"/>
+            <a:ext cx="1371600" cy="2463800"/>
+          </a:xfrm>
+          <a:prstGeom prst="roundRect">
+            <a:avLst/>
+          </a:prstGeom>
+        </p:spPr>
+        <p:style>
+          <a:lnRef idx="1">
+            <a:schemeClr val="accent4"/>
+          </a:lnRef>
+          <a:fillRef idx="2">
+            <a:schemeClr val="accent4"/>
+          </a:fillRef>
+          <a:effectRef idx="1">
+            <a:schemeClr val="accent4"/>
+          </a:effectRef>
+          <a:fontRef idx="minor">
+            <a:schemeClr val="dk1"/>
+          </a:fontRef>
+        </p:style>
+        <p:txBody>
+          <a:bodyPr rtlCol="0" anchor="ctr"/>
+          <a:lstStyle/>
+          <a:p>
+            <a:pPr algn="ctr"/>
+            <a:r>
+              <a:rPr lang="en-US" sz="1400" dirty="0" smtClean="0">
+                <a:latin typeface="Montserrat"/>
+              </a:rPr>
+              <a:t>Spark Streaming</a:t>
+            </a:r>
+            <a:endParaRPr lang="en-US" sz="1400" dirty="0">
+              <a:latin typeface="Montserrat"/>
+            </a:endParaRPr>
+          </a:p>
+        </p:txBody>
+      </p:sp>
+      <p:sp>
+        <p:nvSpPr>
+          <p:cNvPr id="7" name="Rounded Rectangle 6"/>
+          <p:cNvSpPr/>
+          <p:nvPr/>
+        </p:nvSpPr>
+        <p:spPr>
+          <a:xfrm>
+            <a:off x="3860800" y="1902148"/>
+            <a:ext cx="1371600" cy="2463800"/>
+          </a:xfrm>
+          <a:prstGeom prst="roundRect">
+            <a:avLst/>
+          </a:prstGeom>
+        </p:spPr>
+        <p:style>
+          <a:lnRef idx="1">
+            <a:schemeClr val="accent4"/>
+          </a:lnRef>
+          <a:fillRef idx="2">
+            <a:schemeClr val="accent4"/>
+          </a:fillRef>
+          <a:effectRef idx="1">
+            <a:schemeClr val="accent4"/>
+          </a:effectRef>
+          <a:fontRef idx="minor">
+            <a:schemeClr val="dk1"/>
+          </a:fontRef>
+        </p:style>
+        <p:txBody>
+          <a:bodyPr rtlCol="0" anchor="ctr"/>
+          <a:lstStyle/>
+          <a:p>
+            <a:pPr algn="ctr"/>
+            <a:r>
+              <a:rPr lang="en-US" sz="1400" dirty="0" smtClean="0">
+                <a:latin typeface="Montserrat"/>
+              </a:rPr>
+              <a:t>Spark</a:t>
+            </a:r>
+          </a:p>
+          <a:p>
+            <a:pPr algn="ctr"/>
+            <a:r>
+              <a:rPr lang="en-US" sz="1400" dirty="0" smtClean="0">
+                <a:latin typeface="Montserrat"/>
+              </a:rPr>
+              <a:t>MLlib	</a:t>
+            </a:r>
+          </a:p>
+        </p:txBody>
+      </p:sp>
+      <p:sp>
+        <p:nvSpPr>
+          <p:cNvPr id="8" name="Rounded Rectangle 7"/>
+          <p:cNvSpPr/>
+          <p:nvPr/>
+        </p:nvSpPr>
+        <p:spPr>
+          <a:xfrm>
+            <a:off x="5384800" y="1902148"/>
+            <a:ext cx="1371600" cy="2463800"/>
+          </a:xfrm>
+          <a:prstGeom prst="roundRect">
+            <a:avLst/>
+          </a:prstGeom>
+        </p:spPr>
+        <p:style>
+          <a:lnRef idx="1">
+            <a:schemeClr val="accent4"/>
+          </a:lnRef>
+          <a:fillRef idx="2">
+            <a:schemeClr val="accent4"/>
+          </a:fillRef>
+          <a:effectRef idx="1">
+            <a:schemeClr val="accent4"/>
+          </a:effectRef>
+          <a:fontRef idx="minor">
+            <a:schemeClr val="dk1"/>
+          </a:fontRef>
+        </p:style>
+        <p:txBody>
+          <a:bodyPr rtlCol="0" anchor="ctr"/>
+          <a:lstStyle/>
+          <a:p>
+            <a:pPr algn="ctr"/>
+            <a:r>
+              <a:rPr lang="en-US" sz="1400" dirty="0" err="1" smtClean="0">
+                <a:latin typeface="Montserrat"/>
+              </a:rPr>
+              <a:t>SparkR</a:t>
+            </a:r>
+            <a:endParaRPr lang="en-US" sz="1400" dirty="0">
+              <a:latin typeface="Montserrat"/>
+            </a:endParaRPr>
+          </a:p>
+        </p:txBody>
+      </p:sp>
+      <p:sp>
+        <p:nvSpPr>
+          <p:cNvPr id="9" name="Rounded Rectangle 8"/>
+          <p:cNvSpPr/>
+          <p:nvPr/>
+        </p:nvSpPr>
+        <p:spPr>
+          <a:xfrm>
+            <a:off x="6908800" y="1902148"/>
+            <a:ext cx="1371600" cy="2463800"/>
+          </a:xfrm>
+          <a:prstGeom prst="roundRect">
+            <a:avLst/>
+          </a:prstGeom>
+        </p:spPr>
+        <p:style>
+          <a:lnRef idx="1">
+            <a:schemeClr val="accent4"/>
+          </a:lnRef>
+          <a:fillRef idx="2">
+            <a:schemeClr val="accent4"/>
+          </a:fillRef>
+          <a:effectRef idx="1">
+            <a:schemeClr val="accent4"/>
+          </a:effectRef>
+          <a:fontRef idx="minor">
+            <a:schemeClr val="dk1"/>
+          </a:fontRef>
+        </p:style>
+        <p:txBody>
+          <a:bodyPr rtlCol="0" anchor="ctr"/>
+          <a:lstStyle/>
+          <a:p>
+            <a:pPr algn="ctr"/>
+            <a:r>
+              <a:rPr lang="en-US" sz="1400" dirty="0" err="1" smtClean="0">
+                <a:latin typeface="Montserrat"/>
+              </a:rPr>
               <a:t>GraphX</a:t>
             </a:r>
-            <a:endParaRPr lang="en-US" dirty="0" smtClean="0"/>
-          </a:p>
-          <a:p>
-            <a:pPr lvl="1"/>
-            <a:r>
-              <a:rPr lang="en-US" dirty="0" smtClean="0"/>
-              <a:t>Graph processing in Spark</a:t>
-            </a:r>
-          </a:p>
-          <a:p>
-            <a:r>
-              <a:rPr lang="en-US" dirty="0" err="1" smtClean="0"/>
-              <a:t>SparkR</a:t>
-            </a:r>
-            <a:endParaRPr lang="en-US" dirty="0" smtClean="0"/>
-          </a:p>
-          <a:p>
-            <a:pPr lvl="1"/>
-            <a:r>
-              <a:rPr lang="en-US" dirty="0" smtClean="0"/>
-              <a:t>R statistical analysis on Spark</a:t>
-            </a:r>
-            <a:endParaRPr lang="en-US" dirty="0"/>
+            <a:endParaRPr lang="en-US" sz="1400" dirty="0">
+              <a:latin typeface="Montserrat"/>
+            </a:endParaRPr>
           </a:p>
         </p:txBody>
       </p:sp>
     </p:spTree>
     <p:extLst>
       <p:ext uri="{BB962C8B-B14F-4D97-AF65-F5344CB8AC3E}">
-        <p14:creationId xmlns:p14="http://schemas.microsoft.com/office/powerpoint/2010/main" val="659549932"/>
+        <p14:creationId xmlns:p14="http://schemas.microsoft.com/office/powerpoint/2010/main" val="4097766008"/>
       </p:ext>
     </p:extLst>
   </p:cSld>
@@ -4609,7 +4544,7 @@
           <a:p>
             <a:r>
               <a:rPr lang="en-US" dirty="0" smtClean="0"/>
-              <a:t>Spark MLlib</a:t>
+              <a:t>Spark Extras</a:t>
             </a:r>
             <a:endParaRPr lang="en-US" dirty="0"/>
           </a:p>
@@ -4628,66 +4563,70 @@
         <p:spPr/>
         <p:txBody>
           <a:bodyPr>
-            <a:normAutofit lnSpcReduction="10000"/>
+            <a:normAutofit/>
           </a:bodyPr>
           <a:lstStyle/>
           <a:p>
             <a:r>
               <a:rPr lang="en-US" dirty="0" smtClean="0"/>
-              <a:t>Simple stats and correlation testing</a:t>
-            </a:r>
-          </a:p>
-          <a:p>
-            <a:r>
-              <a:rPr lang="en-US" dirty="0" smtClean="0"/>
-              <a:t>Classification and regression</a:t>
-            </a:r>
-          </a:p>
-          <a:p>
-            <a:r>
-              <a:rPr lang="en-US" dirty="0" smtClean="0"/>
-              <a:t>Collaborative Filtering</a:t>
+              <a:t>Spark Streaming	</a:t>
             </a:r>
           </a:p>
           <a:p>
             <a:pPr lvl="1"/>
             <a:r>
-              <a:rPr lang="en-US" dirty="0" smtClean="0"/>
-              <a:t>Alternating Least Squares </a:t>
-            </a:r>
-          </a:p>
-          <a:p>
-            <a:r>
-              <a:rPr lang="en-US" dirty="0" smtClean="0"/>
-              <a:t>Clustering</a:t>
-            </a:r>
+              <a:rPr lang="en-US" dirty="0" err="1" smtClean="0"/>
+              <a:t>Realtime</a:t>
+            </a:r>
+            <a:r>
+              <a:rPr lang="en-US" dirty="0" smtClean="0"/>
+              <a:t> analysis in Spark</a:t>
+            </a:r>
+          </a:p>
+          <a:p>
+            <a:r>
+              <a:rPr lang="en-US" dirty="0" smtClean="0"/>
+              <a:t>Spark </a:t>
+            </a:r>
+            <a:r>
+              <a:rPr lang="en-US" dirty="0" err="1" smtClean="0"/>
+              <a:t>MLLib</a:t>
+            </a:r>
+            <a:endParaRPr lang="en-US" dirty="0" smtClean="0"/>
           </a:p>
           <a:p>
             <a:pPr lvl="1"/>
             <a:r>
-              <a:rPr lang="en-US" dirty="0"/>
-              <a:t>k</a:t>
-            </a:r>
-            <a:r>
-              <a:rPr lang="en-US" dirty="0" smtClean="0"/>
-              <a:t>-means, </a:t>
-            </a:r>
+              <a:rPr lang="en-US" dirty="0" smtClean="0"/>
+              <a:t>Like Mahout – Machine learning in Spark</a:t>
+            </a:r>
+          </a:p>
+          <a:p>
             <a:r>
               <a:rPr lang="en-US" dirty="0" err="1" smtClean="0"/>
-              <a:t>etc</a:t>
+              <a:t>GraphX</a:t>
             </a:r>
             <a:endParaRPr lang="en-US" dirty="0" smtClean="0"/>
           </a:p>
           <a:p>
-            <a:r>
-              <a:rPr lang="en-US" dirty="0" smtClean="0"/>
-              <a:t>Frequent Pattern Mining</a:t>
-            </a:r>
-          </a:p>
-          <a:p>
-            <a:r>
-              <a:rPr lang="en-US" dirty="0" smtClean="0"/>
-              <a:t>Plus more</a:t>
+            <a:pPr lvl="1"/>
+            <a:r>
+              <a:rPr lang="en-US" dirty="0" smtClean="0"/>
+              <a:t>Graph processing in Spark</a:t>
+            </a:r>
+          </a:p>
+          <a:p>
+            <a:r>
+              <a:rPr lang="en-US" dirty="0" err="1" smtClean="0"/>
+              <a:t>SparkR</a:t>
+            </a:r>
+            <a:endParaRPr lang="en-US" dirty="0" smtClean="0"/>
+          </a:p>
+          <a:p>
+            <a:pPr lvl="1"/>
+            <a:r>
+              <a:rPr lang="en-US" dirty="0" smtClean="0"/>
+              <a:t>R statistical analysis on Spark</a:t>
             </a:r>
             <a:endParaRPr lang="en-US" dirty="0"/>
           </a:p>
@@ -4696,7 +4635,7 @@
     </p:spTree>
     <p:extLst>
       <p:ext uri="{BB962C8B-B14F-4D97-AF65-F5344CB8AC3E}">
-        <p14:creationId xmlns:p14="http://schemas.microsoft.com/office/powerpoint/2010/main" val="2635590007"/>
+        <p14:creationId xmlns:p14="http://schemas.microsoft.com/office/powerpoint/2010/main" val="659549932"/>
       </p:ext>
     </p:extLst>
   </p:cSld>
@@ -4747,7 +4686,7 @@
           <a:p>
             <a:r>
               <a:rPr lang="en-US" dirty="0" smtClean="0"/>
-              <a:t>MLlib example</a:t>
+              <a:t>Spark MLlib</a:t>
             </a:r>
             <a:endParaRPr lang="en-US" dirty="0"/>
           </a:p>
@@ -4763,301 +4702,78 @@
             <p:ph idx="1"/>
           </p:nvPr>
         </p:nvSpPr>
-        <p:spPr>
-          <a:xfrm>
-            <a:off x="375635" y="1613855"/>
-            <a:ext cx="8229600" cy="4525963"/>
-          </a:xfrm>
-        </p:spPr>
+        <p:spPr/>
         <p:txBody>
           <a:bodyPr>
-            <a:noAutofit/>
+            <a:normAutofit lnSpcReduction="10000"/>
           </a:bodyPr>
           <a:lstStyle/>
           <a:p>
-            <a:pPr marL="0" indent="0">
-              <a:buNone/>
-            </a:pPr>
-            <a:r>
-              <a:rPr lang="en-US" sz="1600" dirty="0">
-                <a:latin typeface="Lucida Console"/>
-                <a:cs typeface="Lucida Console"/>
-              </a:rPr>
-              <a:t>from </a:t>
-            </a:r>
-            <a:r>
-              <a:rPr lang="en-US" sz="1600" dirty="0" err="1">
-                <a:latin typeface="Lucida Console"/>
-                <a:cs typeface="Lucida Console"/>
-              </a:rPr>
-              <a:t>pyspark.mllib.fpm</a:t>
-            </a:r>
-            <a:r>
-              <a:rPr lang="en-US" sz="1600" dirty="0">
-                <a:latin typeface="Lucida Console"/>
-                <a:cs typeface="Lucida Console"/>
-              </a:rPr>
-              <a:t> import </a:t>
-            </a:r>
-            <a:r>
-              <a:rPr lang="en-US" sz="1600" dirty="0" err="1">
-                <a:latin typeface="Lucida Console"/>
-                <a:cs typeface="Lucida Console"/>
-              </a:rPr>
-              <a:t>FPGrowth</a:t>
-            </a:r>
-            <a:endParaRPr lang="en-US" sz="1600" dirty="0">
-              <a:latin typeface="Lucida Console"/>
-              <a:cs typeface="Lucida Console"/>
-            </a:endParaRPr>
-          </a:p>
-          <a:p>
-            <a:pPr marL="0" indent="0">
-              <a:buNone/>
-            </a:pPr>
-            <a:endParaRPr lang="en-US" sz="1600" dirty="0">
-              <a:latin typeface="Lucida Console"/>
-              <a:cs typeface="Lucida Console"/>
-            </a:endParaRPr>
-          </a:p>
-          <a:p>
-            <a:pPr marL="0" indent="0">
-              <a:buNone/>
-            </a:pPr>
-            <a:r>
-              <a:rPr lang="en-US" sz="1600" dirty="0">
-                <a:latin typeface="Lucida Console"/>
-                <a:cs typeface="Lucida Console"/>
-              </a:rPr>
-              <a:t>data = </a:t>
-            </a:r>
-            <a:r>
-              <a:rPr lang="en-US" sz="1600" dirty="0" err="1">
-                <a:latin typeface="Lucida Console"/>
-                <a:cs typeface="Lucida Console"/>
-              </a:rPr>
-              <a:t>sc.textFile</a:t>
-            </a:r>
-            <a:r>
-              <a:rPr lang="en-US" sz="1600" dirty="0">
-                <a:latin typeface="Lucida Console"/>
-                <a:cs typeface="Lucida Console"/>
-              </a:rPr>
-              <a:t>("data/</a:t>
-            </a:r>
-            <a:r>
-              <a:rPr lang="en-US" sz="1600" dirty="0" err="1">
-                <a:latin typeface="Lucida Console"/>
-                <a:cs typeface="Lucida Console"/>
-              </a:rPr>
-              <a:t>mllib</a:t>
-            </a:r>
-            <a:r>
-              <a:rPr lang="en-US" sz="1600" dirty="0">
-                <a:latin typeface="Lucida Console"/>
-                <a:cs typeface="Lucida Console"/>
-              </a:rPr>
-              <a:t>/</a:t>
-            </a:r>
-            <a:r>
-              <a:rPr lang="en-US" sz="1600" dirty="0" err="1">
-                <a:latin typeface="Lucida Console"/>
-                <a:cs typeface="Lucida Console"/>
-              </a:rPr>
-              <a:t>sample_fpgrowth.txt</a:t>
-            </a:r>
-            <a:r>
-              <a:rPr lang="en-US" sz="1600" dirty="0">
-                <a:latin typeface="Lucida Console"/>
-                <a:cs typeface="Lucida Console"/>
-              </a:rPr>
-              <a:t>")</a:t>
-            </a:r>
-          </a:p>
-          <a:p>
-            <a:pPr marL="0" indent="0">
-              <a:buNone/>
-            </a:pPr>
-            <a:endParaRPr lang="en-US" sz="1600" dirty="0">
-              <a:latin typeface="Lucida Console"/>
-              <a:cs typeface="Lucida Console"/>
-            </a:endParaRPr>
-          </a:p>
-          <a:p>
-            <a:pPr marL="0" indent="0">
-              <a:buNone/>
-            </a:pPr>
-            <a:r>
-              <a:rPr lang="en-US" sz="1600" dirty="0">
-                <a:latin typeface="Lucida Console"/>
-                <a:cs typeface="Lucida Console"/>
-              </a:rPr>
-              <a:t>transactions = </a:t>
-            </a:r>
-            <a:r>
-              <a:rPr lang="en-US" sz="1600" dirty="0" err="1">
-                <a:latin typeface="Lucida Console"/>
-                <a:cs typeface="Lucida Console"/>
-              </a:rPr>
-              <a:t>data.map</a:t>
-            </a:r>
-            <a:r>
-              <a:rPr lang="en-US" sz="1600" dirty="0">
-                <a:latin typeface="Lucida Console"/>
-                <a:cs typeface="Lucida Console"/>
-              </a:rPr>
-              <a:t>(lambda line: </a:t>
-            </a:r>
-            <a:r>
-              <a:rPr lang="en-US" sz="1600" dirty="0" err="1">
-                <a:latin typeface="Lucida Console"/>
-                <a:cs typeface="Lucida Console"/>
-              </a:rPr>
-              <a:t>line.strip</a:t>
-            </a:r>
-            <a:r>
-              <a:rPr lang="en-US" sz="1600" dirty="0">
-                <a:latin typeface="Lucida Console"/>
-                <a:cs typeface="Lucida Console"/>
-              </a:rPr>
-              <a:t>().split(' '))</a:t>
-            </a:r>
-          </a:p>
-          <a:p>
-            <a:pPr marL="0" indent="0">
-              <a:buNone/>
-            </a:pPr>
-            <a:endParaRPr lang="en-US" sz="1600" dirty="0">
-              <a:latin typeface="Lucida Console"/>
-              <a:cs typeface="Lucida Console"/>
-            </a:endParaRPr>
-          </a:p>
-          <a:p>
-            <a:pPr marL="0" indent="0">
-              <a:buNone/>
-            </a:pPr>
-            <a:r>
-              <a:rPr lang="en-US" sz="1600" dirty="0">
-                <a:latin typeface="Lucida Console"/>
-                <a:cs typeface="Lucida Console"/>
-              </a:rPr>
-              <a:t>model = </a:t>
-            </a:r>
-            <a:r>
-              <a:rPr lang="en-US" sz="1600" dirty="0" err="1">
-                <a:latin typeface="Lucida Console"/>
-                <a:cs typeface="Lucida Console"/>
-              </a:rPr>
-              <a:t>FPGrowth.train</a:t>
-            </a:r>
-            <a:r>
-              <a:rPr lang="en-US" sz="1600" dirty="0">
-                <a:latin typeface="Lucida Console"/>
-                <a:cs typeface="Lucida Console"/>
-              </a:rPr>
-              <a:t>(transactions, </a:t>
-            </a:r>
-            <a:r>
-              <a:rPr lang="en-US" sz="1600" dirty="0" err="1">
-                <a:latin typeface="Lucida Console"/>
-                <a:cs typeface="Lucida Console"/>
-              </a:rPr>
-              <a:t>minSupport</a:t>
-            </a:r>
-            <a:r>
-              <a:rPr lang="en-US" sz="1600" dirty="0">
-                <a:latin typeface="Lucida Console"/>
-                <a:cs typeface="Lucida Console"/>
-              </a:rPr>
-              <a:t>=0.2, </a:t>
-            </a:r>
-            <a:r>
-              <a:rPr lang="en-US" sz="1600" dirty="0" smtClean="0">
-                <a:latin typeface="Lucida Console"/>
-                <a:cs typeface="Lucida Console"/>
-              </a:rPr>
-              <a:t>	</a:t>
-            </a:r>
-            <a:r>
-              <a:rPr lang="en-US" sz="1600" dirty="0" err="1" smtClean="0">
-                <a:latin typeface="Lucida Console"/>
-                <a:cs typeface="Lucida Console"/>
-              </a:rPr>
-              <a:t>numPartitions</a:t>
-            </a:r>
-            <a:r>
-              <a:rPr lang="en-US" sz="1600" dirty="0">
-                <a:latin typeface="Lucida Console"/>
-                <a:cs typeface="Lucida Console"/>
-              </a:rPr>
-              <a:t>=10)</a:t>
-            </a:r>
-          </a:p>
-          <a:p>
-            <a:pPr marL="0" indent="0">
-              <a:buNone/>
-            </a:pPr>
-            <a:endParaRPr lang="en-US" sz="1600" dirty="0">
-              <a:latin typeface="Lucida Console"/>
-              <a:cs typeface="Lucida Console"/>
-            </a:endParaRPr>
-          </a:p>
-          <a:p>
-            <a:pPr marL="0" indent="0">
-              <a:buNone/>
-            </a:pPr>
-            <a:r>
-              <a:rPr lang="en-US" sz="1600" dirty="0">
-                <a:latin typeface="Lucida Console"/>
-                <a:cs typeface="Lucida Console"/>
-              </a:rPr>
-              <a:t>result = </a:t>
-            </a:r>
-            <a:r>
-              <a:rPr lang="en-US" sz="1600" dirty="0" err="1">
-                <a:latin typeface="Lucida Console"/>
-                <a:cs typeface="Lucida Console"/>
-              </a:rPr>
-              <a:t>model.freqItemsets</a:t>
-            </a:r>
-            <a:r>
-              <a:rPr lang="en-US" sz="1600" dirty="0">
-                <a:latin typeface="Lucida Console"/>
-                <a:cs typeface="Lucida Console"/>
-              </a:rPr>
-              <a:t>().collect()</a:t>
-            </a:r>
-          </a:p>
-          <a:p>
-            <a:pPr marL="0" indent="0">
-              <a:buNone/>
-            </a:pPr>
-            <a:r>
-              <a:rPr lang="en-US" sz="1600" dirty="0">
-                <a:latin typeface="Lucida Console"/>
-                <a:cs typeface="Lucida Console"/>
-              </a:rPr>
-              <a:t>for fi in result:</a:t>
-            </a:r>
-          </a:p>
-          <a:p>
-            <a:pPr marL="0" indent="0">
-              <a:buNone/>
-            </a:pPr>
-            <a:r>
-              <a:rPr lang="en-US" sz="1600" dirty="0">
-                <a:latin typeface="Lucida Console"/>
-                <a:cs typeface="Lucida Console"/>
-              </a:rPr>
-              <a:t>    print(fi)</a:t>
-            </a:r>
+            <a:r>
+              <a:rPr lang="en-US" dirty="0" smtClean="0"/>
+              <a:t>Simple stats and correlation testing</a:t>
+            </a:r>
+          </a:p>
+          <a:p>
+            <a:r>
+              <a:rPr lang="en-US" dirty="0" smtClean="0"/>
+              <a:t>Classification and regression</a:t>
+            </a:r>
+          </a:p>
+          <a:p>
+            <a:r>
+              <a:rPr lang="en-US" dirty="0" smtClean="0"/>
+              <a:t>Collaborative Filtering</a:t>
+            </a:r>
+          </a:p>
+          <a:p>
+            <a:pPr lvl="1"/>
+            <a:r>
+              <a:rPr lang="en-US" dirty="0" smtClean="0"/>
+              <a:t>Alternating Least Squares </a:t>
+            </a:r>
+          </a:p>
+          <a:p>
+            <a:r>
+              <a:rPr lang="en-US" dirty="0" smtClean="0"/>
+              <a:t>Clustering</a:t>
+            </a:r>
+          </a:p>
+          <a:p>
+            <a:pPr lvl="1"/>
+            <a:r>
+              <a:rPr lang="en-US" dirty="0"/>
+              <a:t>k</a:t>
+            </a:r>
+            <a:r>
+              <a:rPr lang="en-US" dirty="0" smtClean="0"/>
+              <a:t>-means, </a:t>
+            </a:r>
+            <a:r>
+              <a:rPr lang="en-US" dirty="0" err="1" smtClean="0"/>
+              <a:t>etc</a:t>
+            </a:r>
+            <a:endParaRPr lang="en-US" dirty="0" smtClean="0"/>
+          </a:p>
+          <a:p>
+            <a:r>
+              <a:rPr lang="en-US" dirty="0" smtClean="0"/>
+              <a:t>Frequent Pattern Mining</a:t>
+            </a:r>
+          </a:p>
+          <a:p>
+            <a:r>
+              <a:rPr lang="en-US" dirty="0" smtClean="0"/>
+              <a:t>Plus more</a:t>
+            </a:r>
+            <a:endParaRPr lang="en-US" dirty="0"/>
           </a:p>
         </p:txBody>
       </p:sp>
     </p:spTree>
     <p:extLst>
       <p:ext uri="{BB962C8B-B14F-4D97-AF65-F5344CB8AC3E}">
-        <p14:creationId xmlns:p14="http://schemas.microsoft.com/office/powerpoint/2010/main" val="4269920811"/>
+        <p14:creationId xmlns:p14="http://schemas.microsoft.com/office/powerpoint/2010/main" val="2635590007"/>
       </p:ext>
     </p:extLst>
   </p:cSld>
@@ -5107,8 +4823,8 @@
           <a:lstStyle/>
           <a:p>
             <a:r>
-              <a:rPr lang="en-US" dirty="0" err="1" smtClean="0"/>
-              <a:t>GraphX</a:t>
+              <a:rPr lang="en-US" dirty="0" smtClean="0"/>
+              <a:t>MLlib example</a:t>
             </a:r>
             <a:endParaRPr lang="en-US" dirty="0"/>
           </a:p>
@@ -5124,73 +4840,301 @@
             <p:ph idx="1"/>
           </p:nvPr>
         </p:nvSpPr>
-        <p:spPr/>
-        <p:txBody>
-          <a:bodyPr/>
-          <a:lstStyle/>
-          <a:p>
-            <a:r>
-              <a:rPr lang="en-US" dirty="0" smtClean="0"/>
-              <a:t>  </a:t>
-            </a:r>
-          </a:p>
-          <a:p>
-            <a:endParaRPr lang="en-US" dirty="0"/>
-          </a:p>
-        </p:txBody>
-      </p:sp>
-      <p:pic>
-        <p:nvPicPr>
-          <p:cNvPr id="4" name="Picture 3"/>
-          <p:cNvPicPr>
-            <a:picLocks noChangeAspect="1"/>
-          </p:cNvPicPr>
-          <p:nvPr/>
-        </p:nvPicPr>
-        <p:blipFill>
-          <a:blip r:embed="rId2"/>
-          <a:stretch>
-            <a:fillRect/>
-          </a:stretch>
-        </p:blipFill>
-        <p:spPr>
-          <a:xfrm>
-            <a:off x="6313668" y="274638"/>
-            <a:ext cx="2639155" cy="904155"/>
-          </a:xfrm>
-          <a:prstGeom prst="rect">
-            <a:avLst/>
-          </a:prstGeom>
-        </p:spPr>
-      </p:pic>
-      <p:pic>
-        <p:nvPicPr>
-          <p:cNvPr id="5" name="Picture 4"/>
-          <p:cNvPicPr>
-            <a:picLocks noChangeAspect="1"/>
-          </p:cNvPicPr>
-          <p:nvPr/>
-        </p:nvPicPr>
-        <p:blipFill>
-          <a:blip r:embed="rId3"/>
-          <a:stretch>
-            <a:fillRect/>
-          </a:stretch>
-        </p:blipFill>
-        <p:spPr>
-          <a:xfrm>
-            <a:off x="1160710" y="1295243"/>
-            <a:ext cx="7128120" cy="4630232"/>
-          </a:xfrm>
-          <a:prstGeom prst="rect">
-            <a:avLst/>
-          </a:prstGeom>
-        </p:spPr>
-      </p:pic>
+        <p:spPr>
+          <a:xfrm>
+            <a:off x="375635" y="1613855"/>
+            <a:ext cx="8229600" cy="4525963"/>
+          </a:xfrm>
+        </p:spPr>
+        <p:txBody>
+          <a:bodyPr>
+            <a:noAutofit/>
+          </a:bodyPr>
+          <a:lstStyle/>
+          <a:p>
+            <a:pPr marL="0" indent="0">
+              <a:buNone/>
+            </a:pPr>
+            <a:r>
+              <a:rPr lang="en-US" sz="1600" dirty="0">
+                <a:latin typeface="Lucida Console"/>
+                <a:cs typeface="Lucida Console"/>
+              </a:rPr>
+              <a:t>from </a:t>
+            </a:r>
+            <a:r>
+              <a:rPr lang="en-US" sz="1600" dirty="0" err="1">
+                <a:latin typeface="Lucida Console"/>
+                <a:cs typeface="Lucida Console"/>
+              </a:rPr>
+              <a:t>pyspark.mllib.fpm</a:t>
+            </a:r>
+            <a:r>
+              <a:rPr lang="en-US" sz="1600" dirty="0">
+                <a:latin typeface="Lucida Console"/>
+                <a:cs typeface="Lucida Console"/>
+              </a:rPr>
+              <a:t> import </a:t>
+            </a:r>
+            <a:r>
+              <a:rPr lang="en-US" sz="1600" dirty="0" err="1">
+                <a:latin typeface="Lucida Console"/>
+                <a:cs typeface="Lucida Console"/>
+              </a:rPr>
+              <a:t>FPGrowth</a:t>
+            </a:r>
+            <a:endParaRPr lang="en-US" sz="1600" dirty="0">
+              <a:latin typeface="Lucida Console"/>
+              <a:cs typeface="Lucida Console"/>
+            </a:endParaRPr>
+          </a:p>
+          <a:p>
+            <a:pPr marL="0" indent="0">
+              <a:buNone/>
+            </a:pPr>
+            <a:endParaRPr lang="en-US" sz="1600" dirty="0">
+              <a:latin typeface="Lucida Console"/>
+              <a:cs typeface="Lucida Console"/>
+            </a:endParaRPr>
+          </a:p>
+          <a:p>
+            <a:pPr marL="0" indent="0">
+              <a:buNone/>
+            </a:pPr>
+            <a:r>
+              <a:rPr lang="en-US" sz="1600" dirty="0">
+                <a:latin typeface="Lucida Console"/>
+                <a:cs typeface="Lucida Console"/>
+              </a:rPr>
+              <a:t>data = </a:t>
+            </a:r>
+            <a:r>
+              <a:rPr lang="en-US" sz="1600" dirty="0" err="1">
+                <a:latin typeface="Lucida Console"/>
+                <a:cs typeface="Lucida Console"/>
+              </a:rPr>
+              <a:t>sc.textFile</a:t>
+            </a:r>
+            <a:r>
+              <a:rPr lang="en-US" sz="1600" dirty="0">
+                <a:latin typeface="Lucida Console"/>
+                <a:cs typeface="Lucida Console"/>
+              </a:rPr>
+              <a:t>("data/</a:t>
+            </a:r>
+            <a:r>
+              <a:rPr lang="en-US" sz="1600" dirty="0" err="1">
+                <a:latin typeface="Lucida Console"/>
+                <a:cs typeface="Lucida Console"/>
+              </a:rPr>
+              <a:t>mllib</a:t>
+            </a:r>
+            <a:r>
+              <a:rPr lang="en-US" sz="1600" dirty="0">
+                <a:latin typeface="Lucida Console"/>
+                <a:cs typeface="Lucida Console"/>
+              </a:rPr>
+              <a:t>/</a:t>
+            </a:r>
+            <a:r>
+              <a:rPr lang="en-US" sz="1600" dirty="0" err="1">
+                <a:latin typeface="Lucida Console"/>
+                <a:cs typeface="Lucida Console"/>
+              </a:rPr>
+              <a:t>sample_fpgrowth.txt</a:t>
+            </a:r>
+            <a:r>
+              <a:rPr lang="en-US" sz="1600" dirty="0">
+                <a:latin typeface="Lucida Console"/>
+                <a:cs typeface="Lucida Console"/>
+              </a:rPr>
+              <a:t>")</a:t>
+            </a:r>
+          </a:p>
+          <a:p>
+            <a:pPr marL="0" indent="0">
+              <a:buNone/>
+            </a:pPr>
+            <a:endParaRPr lang="en-US" sz="1600" dirty="0">
+              <a:latin typeface="Lucida Console"/>
+              <a:cs typeface="Lucida Console"/>
+            </a:endParaRPr>
+          </a:p>
+          <a:p>
+            <a:pPr marL="0" indent="0">
+              <a:buNone/>
+            </a:pPr>
+            <a:r>
+              <a:rPr lang="en-US" sz="1600" dirty="0">
+                <a:latin typeface="Lucida Console"/>
+                <a:cs typeface="Lucida Console"/>
+              </a:rPr>
+              <a:t>transactions = </a:t>
+            </a:r>
+            <a:r>
+              <a:rPr lang="en-US" sz="1600" dirty="0" err="1">
+                <a:latin typeface="Lucida Console"/>
+                <a:cs typeface="Lucida Console"/>
+              </a:rPr>
+              <a:t>data.map</a:t>
+            </a:r>
+            <a:r>
+              <a:rPr lang="en-US" sz="1600" dirty="0">
+                <a:latin typeface="Lucida Console"/>
+                <a:cs typeface="Lucida Console"/>
+              </a:rPr>
+              <a:t>(lambda line: </a:t>
+            </a:r>
+            <a:r>
+              <a:rPr lang="en-US" sz="1600" dirty="0" err="1">
+                <a:latin typeface="Lucida Console"/>
+                <a:cs typeface="Lucida Console"/>
+              </a:rPr>
+              <a:t>line.strip</a:t>
+            </a:r>
+            <a:r>
+              <a:rPr lang="en-US" sz="1600" dirty="0">
+                <a:latin typeface="Lucida Console"/>
+                <a:cs typeface="Lucida Console"/>
+              </a:rPr>
+              <a:t>().split(' '))</a:t>
+            </a:r>
+          </a:p>
+          <a:p>
+            <a:pPr marL="0" indent="0">
+              <a:buNone/>
+            </a:pPr>
+            <a:endParaRPr lang="en-US" sz="1600" dirty="0">
+              <a:latin typeface="Lucida Console"/>
+              <a:cs typeface="Lucida Console"/>
+            </a:endParaRPr>
+          </a:p>
+          <a:p>
+            <a:pPr marL="0" indent="0">
+              <a:buNone/>
+            </a:pPr>
+            <a:r>
+              <a:rPr lang="en-US" sz="1600" dirty="0">
+                <a:latin typeface="Lucida Console"/>
+                <a:cs typeface="Lucida Console"/>
+              </a:rPr>
+              <a:t>model = </a:t>
+            </a:r>
+            <a:r>
+              <a:rPr lang="en-US" sz="1600" dirty="0" err="1">
+                <a:latin typeface="Lucida Console"/>
+                <a:cs typeface="Lucida Console"/>
+              </a:rPr>
+              <a:t>FPGrowth.train</a:t>
+            </a:r>
+            <a:r>
+              <a:rPr lang="en-US" sz="1600" dirty="0">
+                <a:latin typeface="Lucida Console"/>
+                <a:cs typeface="Lucida Console"/>
+              </a:rPr>
+              <a:t>(transactions, </a:t>
+            </a:r>
+            <a:r>
+              <a:rPr lang="en-US" sz="1600" dirty="0" err="1">
+                <a:latin typeface="Lucida Console"/>
+                <a:cs typeface="Lucida Console"/>
+              </a:rPr>
+              <a:t>minSupport</a:t>
+            </a:r>
+            <a:r>
+              <a:rPr lang="en-US" sz="1600" dirty="0">
+                <a:latin typeface="Lucida Console"/>
+                <a:cs typeface="Lucida Console"/>
+              </a:rPr>
+              <a:t>=0.2, </a:t>
+            </a:r>
+            <a:r>
+              <a:rPr lang="en-US" sz="1600" dirty="0" smtClean="0">
+                <a:latin typeface="Lucida Console"/>
+                <a:cs typeface="Lucida Console"/>
+              </a:rPr>
+              <a:t>	</a:t>
+            </a:r>
+            <a:r>
+              <a:rPr lang="en-US" sz="1600" dirty="0" err="1" smtClean="0">
+                <a:latin typeface="Lucida Console"/>
+                <a:cs typeface="Lucida Console"/>
+              </a:rPr>
+              <a:t>numPartitions</a:t>
+            </a:r>
+            <a:r>
+              <a:rPr lang="en-US" sz="1600" dirty="0">
+                <a:latin typeface="Lucida Console"/>
+                <a:cs typeface="Lucida Console"/>
+              </a:rPr>
+              <a:t>=10)</a:t>
+            </a:r>
+          </a:p>
+          <a:p>
+            <a:pPr marL="0" indent="0">
+              <a:buNone/>
+            </a:pPr>
+            <a:endParaRPr lang="en-US" sz="1600" dirty="0">
+              <a:latin typeface="Lucida Console"/>
+              <a:cs typeface="Lucida Console"/>
+            </a:endParaRPr>
+          </a:p>
+          <a:p>
+            <a:pPr marL="0" indent="0">
+              <a:buNone/>
+            </a:pPr>
+            <a:r>
+              <a:rPr lang="en-US" sz="1600" dirty="0">
+                <a:latin typeface="Lucida Console"/>
+                <a:cs typeface="Lucida Console"/>
+              </a:rPr>
+              <a:t>result = </a:t>
+            </a:r>
+            <a:r>
+              <a:rPr lang="en-US" sz="1600" dirty="0" err="1">
+                <a:latin typeface="Lucida Console"/>
+                <a:cs typeface="Lucida Console"/>
+              </a:rPr>
+              <a:t>model.freqItemsets</a:t>
+            </a:r>
+            <a:r>
+              <a:rPr lang="en-US" sz="1600" dirty="0">
+                <a:latin typeface="Lucida Console"/>
+                <a:cs typeface="Lucida Console"/>
+              </a:rPr>
+              <a:t>().collect()</a:t>
+            </a:r>
+          </a:p>
+          <a:p>
+            <a:pPr marL="0" indent="0">
+              <a:buNone/>
+            </a:pPr>
+            <a:r>
+              <a:rPr lang="en-US" sz="1600" dirty="0">
+                <a:latin typeface="Lucida Console"/>
+                <a:cs typeface="Lucida Console"/>
+              </a:rPr>
+              <a:t>for fi in result:</a:t>
+            </a:r>
+          </a:p>
+          <a:p>
+            <a:pPr marL="0" indent="0">
+              <a:buNone/>
+            </a:pPr>
+            <a:r>
+              <a:rPr lang="en-US" sz="1600" dirty="0">
+                <a:latin typeface="Lucida Console"/>
+                <a:cs typeface="Lucida Console"/>
+              </a:rPr>
+              <a:t>    print(fi)</a:t>
+            </a:r>
+          </a:p>
+        </p:txBody>
+      </p:sp>
     </p:spTree>
     <p:extLst>
       <p:ext uri="{BB962C8B-B14F-4D97-AF65-F5344CB8AC3E}">
-        <p14:creationId xmlns:p14="http://schemas.microsoft.com/office/powerpoint/2010/main" val="868205749"/>
+        <p14:creationId xmlns:p14="http://schemas.microsoft.com/office/powerpoint/2010/main" val="4269920811"/>
       </p:ext>
     </p:extLst>
   </p:cSld>
@@ -5240,8 +5184,8 @@
           <a:lstStyle/>
           <a:p>
             <a:r>
-              <a:rPr lang="en-US" dirty="0" smtClean="0"/>
-              <a:t>R</a:t>
+              <a:rPr lang="en-US" dirty="0" err="1" smtClean="0"/>
+              <a:t>GraphX</a:t>
             </a:r>
             <a:endParaRPr lang="en-US" dirty="0"/>
           </a:p>
@@ -5259,48 +5203,22 @@
         </p:nvSpPr>
         <p:spPr/>
         <p:txBody>
-          <a:bodyPr>
-            <a:normAutofit lnSpcReduction="10000"/>
-          </a:bodyPr>
-          <a:lstStyle/>
-          <a:p>
-            <a:r>
-              <a:rPr lang="en-US" dirty="0" smtClean="0"/>
-              <a:t> R is an open source system for statistics and graphics</a:t>
-            </a:r>
-          </a:p>
-          <a:p>
-            <a:pPr lvl="1"/>
-            <a:r>
-              <a:rPr lang="en-US" dirty="0" smtClean="0"/>
-              <a:t>Based on the S language from AT&amp;T Bell Labs</a:t>
-            </a:r>
-          </a:p>
-          <a:p>
-            <a:r>
-              <a:rPr lang="en-US" dirty="0" smtClean="0"/>
-              <a:t>Supports a wide variety of statistical techniques and graphing tools</a:t>
-            </a:r>
-          </a:p>
-          <a:p>
-            <a:r>
-              <a:rPr lang="en-US" dirty="0" smtClean="0"/>
-              <a:t>An extensible set of packages that provide extra functions via CRAN</a:t>
-            </a:r>
-          </a:p>
-          <a:p>
-            <a:pPr lvl="1"/>
-            <a:r>
-              <a:rPr lang="en-US" dirty="0" smtClean="0"/>
-              <a:t>The Comprehensive R Archive Network</a:t>
-            </a:r>
+          <a:bodyPr/>
+          <a:lstStyle/>
+          <a:p>
+            <a:r>
+              <a:rPr lang="en-US" dirty="0" smtClean="0"/>
+              <a:t>  </a:t>
+            </a:r>
+          </a:p>
+          <a:p>
             <a:endParaRPr lang="en-US" dirty="0"/>
           </a:p>
         </p:txBody>
       </p:sp>
       <p:pic>
         <p:nvPicPr>
-          <p:cNvPr id="5" name="Picture 4"/>
+          <p:cNvPr id="4" name="Picture 3"/>
           <p:cNvPicPr>
             <a:picLocks noChangeAspect="1"/>
           </p:cNvPicPr>
@@ -5314,8 +5232,32 @@
         </p:blipFill>
         <p:spPr>
           <a:xfrm>
-            <a:off x="7685385" y="117126"/>
-            <a:ext cx="1170279" cy="906966"/>
+            <a:off x="6313668" y="274638"/>
+            <a:ext cx="2639155" cy="904155"/>
+          </a:xfrm>
+          <a:prstGeom prst="rect">
+            <a:avLst/>
+          </a:prstGeom>
+        </p:spPr>
+      </p:pic>
+      <p:pic>
+        <p:nvPicPr>
+          <p:cNvPr id="5" name="Picture 4"/>
+          <p:cNvPicPr>
+            <a:picLocks noChangeAspect="1"/>
+          </p:cNvPicPr>
+          <p:nvPr/>
+        </p:nvPicPr>
+        <p:blipFill>
+          <a:blip r:embed="rId3"/>
+          <a:stretch>
+            <a:fillRect/>
+          </a:stretch>
+        </p:blipFill>
+        <p:spPr>
+          <a:xfrm>
+            <a:off x="1160710" y="1295243"/>
+            <a:ext cx="7128120" cy="4630232"/>
           </a:xfrm>
           <a:prstGeom prst="rect">
             <a:avLst/>
@@ -5325,7 +5267,7 @@
     </p:spTree>
     <p:extLst>
       <p:ext uri="{BB962C8B-B14F-4D97-AF65-F5344CB8AC3E}">
-        <p14:creationId xmlns:p14="http://schemas.microsoft.com/office/powerpoint/2010/main" val="3437246227"/>
+        <p14:creationId xmlns:p14="http://schemas.microsoft.com/office/powerpoint/2010/main" val="868205749"/>
       </p:ext>
     </p:extLst>
   </p:cSld>
@@ -5375,8 +5317,8 @@
           <a:lstStyle/>
           <a:p>
             <a:r>
-              <a:rPr lang="en-US" dirty="0" err="1" smtClean="0"/>
-              <a:t>SparkR</a:t>
+              <a:rPr lang="en-US" dirty="0" smtClean="0"/>
+              <a:t>R</a:t>
             </a:r>
             <a:endParaRPr lang="en-US" dirty="0"/>
           </a:p>
@@ -5394,33 +5336,73 @@
         </p:nvSpPr>
         <p:spPr/>
         <p:txBody>
-          <a:bodyPr/>
-          <a:lstStyle/>
-          <a:p>
-            <a:r>
-              <a:rPr lang="en-US" dirty="0" smtClean="0"/>
-              <a:t>A lightweight approach to use Spark from within R</a:t>
-            </a:r>
-          </a:p>
-          <a:p>
-            <a:r>
-              <a:rPr lang="en-US" dirty="0" smtClean="0"/>
-              <a:t>Also works with MLlib for machine learning</a:t>
-            </a:r>
-          </a:p>
-          <a:p>
-            <a:r>
-              <a:rPr lang="en-US" dirty="0" smtClean="0"/>
-              <a:t>Allows complex statistical analysis to be done on a Spark cluster </a:t>
+          <a:bodyPr>
+            <a:normAutofit lnSpcReduction="10000"/>
+          </a:bodyPr>
+          <a:lstStyle/>
+          <a:p>
+            <a:r>
+              <a:rPr lang="en-US" dirty="0" smtClean="0"/>
+              <a:t> R is an open source system for statistics and graphics</a:t>
+            </a:r>
+          </a:p>
+          <a:p>
+            <a:pPr lvl="1"/>
+            <a:r>
+              <a:rPr lang="en-US" dirty="0" smtClean="0"/>
+              <a:t>Based on the S language from AT&amp;T Bell Labs</a:t>
+            </a:r>
+          </a:p>
+          <a:p>
+            <a:r>
+              <a:rPr lang="en-US" dirty="0" smtClean="0"/>
+              <a:t>Supports a wide variety of statistical techniques and graphing tools</a:t>
+            </a:r>
+          </a:p>
+          <a:p>
+            <a:r>
+              <a:rPr lang="en-US" dirty="0" smtClean="0"/>
+              <a:t>An extensible set of packages that provide extra functions via CRAN</a:t>
+            </a:r>
+          </a:p>
+          <a:p>
+            <a:pPr lvl="1"/>
+            <a:r>
+              <a:rPr lang="en-US" dirty="0" smtClean="0"/>
+              <a:t>The Comprehensive R Archive Network</a:t>
             </a:r>
             <a:endParaRPr lang="en-US" dirty="0"/>
           </a:p>
         </p:txBody>
       </p:sp>
+      <p:pic>
+        <p:nvPicPr>
+          <p:cNvPr id="5" name="Picture 4"/>
+          <p:cNvPicPr>
+            <a:picLocks noChangeAspect="1"/>
+          </p:cNvPicPr>
+          <p:nvPr/>
+        </p:nvPicPr>
+        <p:blipFill>
+          <a:blip r:embed="rId2"/>
+          <a:stretch>
+            <a:fillRect/>
+          </a:stretch>
+        </p:blipFill>
+        <p:spPr>
+          <a:xfrm>
+            <a:off x="7685385" y="117126"/>
+            <a:ext cx="1170279" cy="906966"/>
+          </a:xfrm>
+          <a:prstGeom prst="rect">
+            <a:avLst/>
+          </a:prstGeom>
+        </p:spPr>
+      </p:pic>
     </p:spTree>
     <p:extLst>
       <p:ext uri="{BB962C8B-B14F-4D97-AF65-F5344CB8AC3E}">
-        <p14:creationId xmlns:p14="http://schemas.microsoft.com/office/powerpoint/2010/main" val="1296439439"/>
+        <p14:creationId xmlns:p14="http://schemas.microsoft.com/office/powerpoint/2010/main" val="3437246227"/>
       </p:ext>
     </p:extLst>
   </p:cSld>
@@ -5470,8 +5452,8 @@
           <a:lstStyle/>
           <a:p>
             <a:r>
-              <a:rPr lang="en-US" dirty="0" smtClean="0"/>
-              <a:t>Apache Avro</a:t>
+              <a:rPr lang="en-US" dirty="0" err="1" smtClean="0"/>
+              <a:t>SparkR</a:t>
             </a:r>
             <a:endParaRPr lang="en-US" dirty="0"/>
           </a:p>
@@ -5489,62 +5471,24 @@
         </p:nvSpPr>
         <p:spPr/>
         <p:txBody>
-          <a:bodyPr>
-            <a:normAutofit fontScale="92500" lnSpcReduction="10000"/>
-          </a:bodyPr>
-          <a:lstStyle/>
-          <a:p>
-            <a:r>
-              <a:rPr lang="en-US" dirty="0" smtClean="0"/>
-              <a:t>A compact data storage and transmission system</a:t>
-            </a:r>
-          </a:p>
-          <a:p>
-            <a:pPr lvl="1"/>
-            <a:r>
-              <a:rPr lang="en-US" dirty="0" smtClean="0"/>
-              <a:t>Uses schemas of data to ensure it can be read by the receiver</a:t>
-            </a:r>
-          </a:p>
-          <a:p>
-            <a:pPr lvl="1"/>
-            <a:r>
-              <a:rPr lang="en-US" dirty="0" smtClean="0"/>
-              <a:t>Supports dynamic typing</a:t>
-            </a:r>
-          </a:p>
-          <a:p>
-            <a:r>
-              <a:rPr lang="en-US" dirty="0" smtClean="0"/>
-              <a:t>Used by RPC or data collection systems </a:t>
-            </a:r>
-          </a:p>
-          <a:p>
-            <a:pPr lvl="1"/>
-            <a:r>
-              <a:rPr lang="en-US" dirty="0" smtClean="0"/>
-              <a:t>Fast binary protocols</a:t>
-            </a:r>
-          </a:p>
-          <a:p>
-            <a:r>
-              <a:rPr lang="en-US" dirty="0" smtClean="0"/>
-              <a:t>Also supports storage</a:t>
-            </a:r>
-          </a:p>
-          <a:p>
-            <a:pPr lvl="1"/>
-            <a:r>
-              <a:rPr lang="en-US" dirty="0" smtClean="0"/>
-              <a:t>Hence used by many Big Data apps including </a:t>
-            </a:r>
-            <a:r>
-              <a:rPr lang="en-US" dirty="0" err="1" smtClean="0"/>
-              <a:t>Hadoop</a:t>
-            </a:r>
-            <a:r>
-              <a:rPr lang="en-US" dirty="0" smtClean="0"/>
-              <a:t> and Spark</a:t>
+          <a:bodyPr/>
+          <a:lstStyle/>
+          <a:p>
+            <a:r>
+              <a:rPr lang="en-US" dirty="0" smtClean="0"/>
+              <a:t>A lightweight approach to use Spark from within R</a:t>
+            </a:r>
+          </a:p>
+          <a:p>
+            <a:r>
+              <a:rPr lang="en-US" dirty="0" smtClean="0"/>
+              <a:t>Also works with MLlib for machine learning</a:t>
+            </a:r>
+          </a:p>
+          <a:p>
+            <a:r>
+              <a:rPr lang="en-US" dirty="0" smtClean="0"/>
+              <a:t>Allows complex statistical analysis to be done on a Spark cluster </a:t>
             </a:r>
             <a:endParaRPr lang="en-US" dirty="0"/>
           </a:p>
@@ -5553,13 +5497,20 @@
     </p:spTree>
     <p:extLst>
       <p:ext uri="{BB962C8B-B14F-4D97-AF65-F5344CB8AC3E}">
-        <p14:creationId xmlns:p14="http://schemas.microsoft.com/office/powerpoint/2010/main" val="3216011013"/>
+        <p14:creationId xmlns:p14="http://schemas.microsoft.com/office/powerpoint/2010/main" val="1296439439"/>
       </p:ext>
     </p:extLst>
   </p:cSld>
   <p:clrMapOvr>
     <a:masterClrMapping/>
   </p:clrMapOvr>
+  <p:timing>
+    <p:tnLst>
+      <p:par>
+        <p:cTn xmlns:p14="http://schemas.microsoft.com/office/powerpoint/2010/main" id="1" dur="indefinite" restart="never" nodeType="tmRoot"/>
+      </p:par>
+    </p:tnLst>
+  </p:timing>
 </p:sld>
 </file>
 
@@ -5597,7 +5548,7 @@
           <a:p>
             <a:r>
               <a:rPr lang="en-US" dirty="0" smtClean="0"/>
-              <a:t>Apache Parquet</a:t>
+              <a:t>Apache Avro</a:t>
             </a:r>
             <a:endParaRPr lang="en-US" dirty="0"/>
           </a:p>
@@ -5613,87 +5564,73 @@
             <p:ph idx="1"/>
           </p:nvPr>
         </p:nvSpPr>
-        <p:spPr>
-          <a:xfrm>
-            <a:off x="375635" y="1600200"/>
-            <a:ext cx="3824814" cy="4525963"/>
-          </a:xfrm>
-        </p:spPr>
+        <p:spPr/>
         <p:txBody>
           <a:bodyPr>
-            <a:normAutofit/>
+            <a:normAutofit fontScale="92500" lnSpcReduction="10000"/>
           </a:bodyPr>
           <a:lstStyle/>
           <a:p>
             <a:r>
-              <a:rPr lang="en-US" sz="2800" dirty="0" smtClean="0"/>
-              <a:t>Apache Parquet is a columnar data storage model </a:t>
+              <a:rPr lang="en-US" dirty="0" smtClean="0"/>
+              <a:t>A compact data storage and transmission system</a:t>
             </a:r>
           </a:p>
           <a:p>
             <a:pPr lvl="1"/>
             <a:r>
-              <a:rPr lang="en-US" sz="2400" dirty="0" smtClean="0"/>
-              <a:t>Works with </a:t>
-            </a:r>
-            <a:r>
-              <a:rPr lang="en-US" sz="2400" dirty="0" err="1" smtClean="0"/>
+              <a:rPr lang="en-US" dirty="0" smtClean="0"/>
+              <a:t>Uses schemas of data to ensure it can be read by the receiver</a:t>
+            </a:r>
+          </a:p>
+          <a:p>
+            <a:pPr lvl="1"/>
+            <a:r>
+              <a:rPr lang="en-US" dirty="0" smtClean="0"/>
+              <a:t>Supports dynamic typing</a:t>
+            </a:r>
+          </a:p>
+          <a:p>
+            <a:r>
+              <a:rPr lang="en-US" dirty="0" smtClean="0"/>
+              <a:t>Used by RPC or data collection systems </a:t>
+            </a:r>
+          </a:p>
+          <a:p>
+            <a:pPr lvl="1"/>
+            <a:r>
+              <a:rPr lang="en-US" dirty="0" smtClean="0"/>
+              <a:t>Fast binary protocols</a:t>
+            </a:r>
+          </a:p>
+          <a:p>
+            <a:r>
+              <a:rPr lang="en-US" dirty="0" smtClean="0"/>
+              <a:t>Also supports storage</a:t>
+            </a:r>
+          </a:p>
+          <a:p>
+            <a:pPr lvl="1"/>
+            <a:r>
+              <a:rPr lang="en-US" dirty="0" smtClean="0"/>
+              <a:t>Hence used by many Big Data apps including </a:t>
+            </a:r>
+            <a:r>
+              <a:rPr lang="en-US" dirty="0" err="1" smtClean="0"/>
               <a:t>Hadoop</a:t>
             </a:r>
             <a:r>
-              <a:rPr lang="en-US" sz="2400" dirty="0" smtClean="0"/>
-              <a:t>, Spark and many others</a:t>
-            </a:r>
-          </a:p>
-          <a:p>
-            <a:pPr lvl="1"/>
-            <a:r>
-              <a:rPr lang="en-US" sz="2400" dirty="0" smtClean="0"/>
-              <a:t>Efficient storage of data</a:t>
-            </a:r>
-          </a:p>
-          <a:p>
-            <a:pPr lvl="1"/>
-            <a:r>
-              <a:rPr lang="en-US" sz="2400" dirty="0" smtClean="0"/>
-              <a:t>Based on another Google system called </a:t>
-            </a:r>
-            <a:r>
-              <a:rPr lang="en-US" sz="2400" dirty="0" err="1" smtClean="0"/>
-              <a:t>Dremel</a:t>
-            </a:r>
-            <a:endParaRPr lang="en-US" sz="2400" dirty="0"/>
-          </a:p>
-        </p:txBody>
-      </p:sp>
-      <p:pic>
-        <p:nvPicPr>
-          <p:cNvPr id="4" name="Picture 3"/>
-          <p:cNvPicPr>
-            <a:picLocks noChangeAspect="1"/>
-          </p:cNvPicPr>
-          <p:nvPr/>
-        </p:nvPicPr>
-        <p:blipFill>
-          <a:blip r:embed="rId2"/>
-          <a:stretch>
-            <a:fillRect/>
-          </a:stretch>
-        </p:blipFill>
-        <p:spPr>
-          <a:xfrm>
-            <a:off x="4200449" y="2009773"/>
-            <a:ext cx="4600532" cy="3658992"/>
-          </a:xfrm>
-          <a:prstGeom prst="rect">
-            <a:avLst/>
-          </a:prstGeom>
-        </p:spPr>
-      </p:pic>
+              <a:rPr lang="en-US" dirty="0" smtClean="0"/>
+              <a:t> and Spark</a:t>
+            </a:r>
+            <a:endParaRPr lang="en-US" dirty="0"/>
+          </a:p>
+        </p:txBody>
+      </p:sp>
     </p:spTree>
     <p:extLst>
       <p:ext uri="{BB962C8B-B14F-4D97-AF65-F5344CB8AC3E}">
-        <p14:creationId xmlns:p14="http://schemas.microsoft.com/office/powerpoint/2010/main" val="366265488"/>
+        <p14:creationId xmlns:p14="http://schemas.microsoft.com/office/powerpoint/2010/main" val="3216011013"/>
       </p:ext>
     </p:extLst>
   </p:cSld>
@@ -6473,6 +6410,146 @@
         </p:nvSpPr>
         <p:spPr/>
         <p:txBody>
+          <a:bodyPr/>
+          <a:lstStyle/>
+          <a:p>
+            <a:r>
+              <a:rPr lang="en-US" dirty="0" smtClean="0"/>
+              <a:t>Apache Parquet</a:t>
+            </a:r>
+            <a:endParaRPr lang="en-US" dirty="0"/>
+          </a:p>
+        </p:txBody>
+      </p:sp>
+      <p:sp>
+        <p:nvSpPr>
+          <p:cNvPr id="3" name="Content Placeholder 2"/>
+          <p:cNvSpPr>
+            <a:spLocks noGrp="1"/>
+          </p:cNvSpPr>
+          <p:nvPr>
+            <p:ph idx="1"/>
+          </p:nvPr>
+        </p:nvSpPr>
+        <p:spPr>
+          <a:xfrm>
+            <a:off x="375635" y="1600200"/>
+            <a:ext cx="3824814" cy="4525963"/>
+          </a:xfrm>
+        </p:spPr>
+        <p:txBody>
+          <a:bodyPr>
+            <a:normAutofit/>
+          </a:bodyPr>
+          <a:lstStyle/>
+          <a:p>
+            <a:r>
+              <a:rPr lang="en-US" sz="2800" dirty="0" smtClean="0"/>
+              <a:t>Apache Parquet is a columnar data storage model </a:t>
+            </a:r>
+          </a:p>
+          <a:p>
+            <a:pPr lvl="1"/>
+            <a:r>
+              <a:rPr lang="en-US" sz="2400" dirty="0" smtClean="0"/>
+              <a:t>Works with </a:t>
+            </a:r>
+            <a:r>
+              <a:rPr lang="en-US" sz="2400" dirty="0" err="1" smtClean="0"/>
+              <a:t>Hadoop</a:t>
+            </a:r>
+            <a:r>
+              <a:rPr lang="en-US" sz="2400" dirty="0" smtClean="0"/>
+              <a:t>, Spark and many others</a:t>
+            </a:r>
+          </a:p>
+          <a:p>
+            <a:pPr lvl="1"/>
+            <a:r>
+              <a:rPr lang="en-US" sz="2400" dirty="0" smtClean="0"/>
+              <a:t>Efficient storage of data</a:t>
+            </a:r>
+          </a:p>
+          <a:p>
+            <a:pPr lvl="1"/>
+            <a:r>
+              <a:rPr lang="en-US" sz="2400" dirty="0" smtClean="0"/>
+              <a:t>Based on another Google system called </a:t>
+            </a:r>
+            <a:r>
+              <a:rPr lang="en-US" sz="2400" dirty="0" err="1" smtClean="0"/>
+              <a:t>Dremel</a:t>
+            </a:r>
+            <a:endParaRPr lang="en-US" sz="2400" dirty="0"/>
+          </a:p>
+        </p:txBody>
+      </p:sp>
+      <p:pic>
+        <p:nvPicPr>
+          <p:cNvPr id="4" name="Picture 3"/>
+          <p:cNvPicPr>
+            <a:picLocks noChangeAspect="1"/>
+          </p:cNvPicPr>
+          <p:nvPr/>
+        </p:nvPicPr>
+        <p:blipFill>
+          <a:blip r:embed="rId2"/>
+          <a:stretch>
+            <a:fillRect/>
+          </a:stretch>
+        </p:blipFill>
+        <p:spPr>
+          <a:xfrm>
+            <a:off x="4200449" y="2009773"/>
+            <a:ext cx="4600532" cy="3658992"/>
+          </a:xfrm>
+          <a:prstGeom prst="rect">
+            <a:avLst/>
+          </a:prstGeom>
+        </p:spPr>
+      </p:pic>
+    </p:spTree>
+    <p:extLst>
+      <p:ext uri="{BB962C8B-B14F-4D97-AF65-F5344CB8AC3E}">
+        <p14:creationId xmlns:p14="http://schemas.microsoft.com/office/powerpoint/2010/main" val="366265488"/>
+      </p:ext>
+    </p:extLst>
+  </p:cSld>
+  <p:clrMapOvr>
+    <a:masterClrMapping/>
+  </p:clrMapOvr>
+</p:sld>
+</file>
+
+<file path=ppt/slides/slide21.xml><?xml version="1.0" encoding="utf-8"?>
+<p:sld xmlns:a="http://schemas.openxmlformats.org/drawingml/2006/main" xmlns:r="http://schemas.openxmlformats.org/officeDocument/2006/relationships" xmlns:p="http://schemas.openxmlformats.org/presentationml/2006/main">
+  <p:cSld>
+    <p:spTree>
+      <p:nvGrpSpPr>
+        <p:cNvPr id="1" name=""/>
+        <p:cNvGrpSpPr/>
+        <p:nvPr/>
+      </p:nvGrpSpPr>
+      <p:grpSpPr>
+        <a:xfrm>
+          <a:off x="0" y="0"/>
+          <a:ext cx="0" cy="0"/>
+          <a:chOff x="0" y="0"/>
+          <a:chExt cx="0" cy="0"/>
+        </a:xfrm>
+      </p:grpSpPr>
+      <p:sp>
+        <p:nvSpPr>
+          <p:cNvPr id="2" name="Title 1"/>
+          <p:cNvSpPr>
+            <a:spLocks noGrp="1"/>
+          </p:cNvSpPr>
+          <p:nvPr>
+            <p:ph type="title"/>
+          </p:nvPr>
+        </p:nvSpPr>
+        <p:spPr/>
+        <p:txBody>
           <a:bodyPr>
             <a:normAutofit fontScale="90000"/>
           </a:bodyPr>
@@ -6598,119 +6675,6 @@
 </p:sld>
 </file>
 
-<file path=ppt/slides/slide21.xml><?xml version="1.0" encoding="utf-8"?>
-<p:sld xmlns:a="http://schemas.openxmlformats.org/drawingml/2006/main" xmlns:r="http://schemas.openxmlformats.org/officeDocument/2006/relationships" xmlns:p="http://schemas.openxmlformats.org/presentationml/2006/main">
-  <p:cSld>
-    <p:spTree>
-      <p:nvGrpSpPr>
-        <p:cNvPr id="1" name=""/>
-        <p:cNvGrpSpPr/>
-        <p:nvPr/>
-      </p:nvGrpSpPr>
-      <p:grpSpPr>
-        <a:xfrm>
-          <a:off x="0" y="0"/>
-          <a:ext cx="0" cy="0"/>
-          <a:chOff x="0" y="0"/>
-          <a:chExt cx="0" cy="0"/>
-        </a:xfrm>
-      </p:grpSpPr>
-      <p:sp>
-        <p:nvSpPr>
-          <p:cNvPr id="2" name="Title 1"/>
-          <p:cNvSpPr>
-            <a:spLocks noGrp="1"/>
-          </p:cNvSpPr>
-          <p:nvPr>
-            <p:ph type="title"/>
-          </p:nvPr>
-        </p:nvSpPr>
-        <p:spPr/>
-        <p:txBody>
-          <a:bodyPr/>
-          <a:lstStyle/>
-          <a:p>
-            <a:r>
-              <a:rPr lang="en-US" dirty="0" smtClean="0"/>
-              <a:t>What is YARN?</a:t>
-            </a:r>
-            <a:endParaRPr lang="en-US" dirty="0"/>
-          </a:p>
-        </p:txBody>
-      </p:sp>
-      <p:sp>
-        <p:nvSpPr>
-          <p:cNvPr id="3" name="Content Placeholder 2"/>
-          <p:cNvSpPr>
-            <a:spLocks noGrp="1"/>
-          </p:cNvSpPr>
-          <p:nvPr>
-            <p:ph idx="1"/>
-          </p:nvPr>
-        </p:nvSpPr>
-        <p:spPr/>
-        <p:txBody>
-          <a:bodyPr/>
-          <a:lstStyle/>
-          <a:p>
-            <a:r>
-              <a:rPr lang="en-US" b="1" dirty="0" smtClean="0"/>
-              <a:t>YARN is the system that runs your code on multiple nodes</a:t>
-            </a:r>
-          </a:p>
-          <a:p>
-            <a:r>
-              <a:rPr lang="en-US" dirty="0" err="1" smtClean="0"/>
-              <a:t>Hadoop</a:t>
-            </a:r>
-            <a:r>
-              <a:rPr lang="en-US" dirty="0" smtClean="0"/>
-              <a:t> 2.0 replacement for the cluster manager</a:t>
-            </a:r>
-          </a:p>
-          <a:p>
-            <a:pPr lvl="1"/>
-            <a:r>
-              <a:rPr lang="en-US" dirty="0" smtClean="0"/>
-              <a:t>Basically a model to distribute and manage workloads</a:t>
-            </a:r>
-          </a:p>
-          <a:p>
-            <a:pPr lvl="1"/>
-            <a:r>
-              <a:rPr lang="en-US" dirty="0" smtClean="0"/>
-              <a:t>Not just </a:t>
-            </a:r>
-            <a:r>
-              <a:rPr lang="en-US" dirty="0" err="1" smtClean="0"/>
-              <a:t>MapReduce</a:t>
-            </a:r>
-            <a:r>
-              <a:rPr lang="en-US" dirty="0" smtClean="0"/>
-              <a:t> but supports other workloads</a:t>
-            </a:r>
-          </a:p>
-          <a:p>
-            <a:pPr marL="457200" lvl="1" indent="0">
-              <a:buNone/>
-            </a:pPr>
-            <a:endParaRPr lang="en-US" dirty="0"/>
-          </a:p>
-        </p:txBody>
-      </p:sp>
-    </p:spTree>
-    <p:extLst>
-      <p:ext uri="{BB962C8B-B14F-4D97-AF65-F5344CB8AC3E}">
-        <p14:creationId xmlns:p14="http://schemas.microsoft.com/office/powerpoint/2010/main" val="2145847800"/>
-      </p:ext>
-    </p:extLst>
-  </p:cSld>
-  <p:clrMapOvr>
-    <a:masterClrMapping/>
-  </p:clrMapOvr>
-</p:sld>
-</file>
-
 <file path=ppt/slides/slide22.xml><?xml version="1.0" encoding="utf-8"?>
 <p:sld xmlns:a="http://schemas.openxmlformats.org/drawingml/2006/main" xmlns:r="http://schemas.openxmlformats.org/officeDocument/2006/relationships" xmlns:p="http://schemas.openxmlformats.org/presentationml/2006/main">
   <p:cSld>
@@ -6745,40 +6709,76 @@
           <a:p>
             <a:r>
               <a:rPr lang="en-US" dirty="0" smtClean="0"/>
-              <a:t>YARN architecture</a:t>
+              <a:t>What is YARN?</a:t>
             </a:r>
             <a:endParaRPr lang="en-US" dirty="0"/>
           </a:p>
         </p:txBody>
       </p:sp>
-      <p:pic>
-        <p:nvPicPr>
-          <p:cNvPr id="4" name="Picture 3"/>
-          <p:cNvPicPr>
-            <a:picLocks noChangeAspect="1"/>
-          </p:cNvPicPr>
-          <p:nvPr/>
-        </p:nvPicPr>
-        <p:blipFill>
-          <a:blip r:embed="rId2"/>
-          <a:stretch>
-            <a:fillRect/>
-          </a:stretch>
-        </p:blipFill>
-        <p:spPr>
-          <a:xfrm>
-            <a:off x="457200" y="1122492"/>
-            <a:ext cx="7665798" cy="4744907"/>
-          </a:xfrm>
-          <a:prstGeom prst="rect">
-            <a:avLst/>
-          </a:prstGeom>
-        </p:spPr>
-      </p:pic>
+      <p:sp>
+        <p:nvSpPr>
+          <p:cNvPr id="3" name="Content Placeholder 2"/>
+          <p:cNvSpPr>
+            <a:spLocks noGrp="1"/>
+          </p:cNvSpPr>
+          <p:nvPr>
+            <p:ph idx="1"/>
+          </p:nvPr>
+        </p:nvSpPr>
+        <p:spPr/>
+        <p:txBody>
+          <a:bodyPr/>
+          <a:lstStyle/>
+          <a:p>
+            <a:r>
+              <a:rPr lang="en-US" b="1" dirty="0" smtClean="0"/>
+              <a:t>YARN is the system that runs your code on multiple nodes</a:t>
+            </a:r>
+          </a:p>
+          <a:p>
+            <a:r>
+              <a:rPr lang="en-US" dirty="0" err="1" smtClean="0"/>
+              <a:t>Hadoop</a:t>
+            </a:r>
+            <a:r>
+              <a:rPr lang="en-US" dirty="0" smtClean="0"/>
+              <a:t> 2.0 replacement for the cluster manager</a:t>
+            </a:r>
+          </a:p>
+          <a:p>
+            <a:pPr lvl="1"/>
+            <a:r>
+              <a:rPr lang="en-US" dirty="0" smtClean="0"/>
+              <a:t>Basically a model to distribute and manage workloads</a:t>
+            </a:r>
+          </a:p>
+          <a:p>
+            <a:pPr lvl="1"/>
+            <a:r>
+              <a:rPr lang="en-US" dirty="0" smtClean="0"/>
+              <a:t>Not just </a:t>
+            </a:r>
+            <a:r>
+              <a:rPr lang="en-US" dirty="0" err="1" smtClean="0"/>
+              <a:t>MapReduce</a:t>
+            </a:r>
+            <a:r>
+              <a:rPr lang="en-US" dirty="0" smtClean="0"/>
+              <a:t> but supports other workloads</a:t>
+            </a:r>
+          </a:p>
+          <a:p>
+            <a:pPr marL="457200" lvl="1" indent="0">
+              <a:buNone/>
+            </a:pPr>
+            <a:endParaRPr lang="en-US" dirty="0"/>
+          </a:p>
+        </p:txBody>
+      </p:sp>
     </p:spTree>
     <p:extLst>
       <p:ext uri="{BB962C8B-B14F-4D97-AF65-F5344CB8AC3E}">
-        <p14:creationId xmlns:p14="http://schemas.microsoft.com/office/powerpoint/2010/main" val="3002769397"/>
+        <p14:creationId xmlns:p14="http://schemas.microsoft.com/office/powerpoint/2010/main" val="2145847800"/>
       </p:ext>
     </p:extLst>
   </p:cSld>
@@ -6817,6 +6817,83 @@
         </p:nvSpPr>
         <p:spPr/>
         <p:txBody>
+          <a:bodyPr/>
+          <a:lstStyle/>
+          <a:p>
+            <a:r>
+              <a:rPr lang="en-US" dirty="0" smtClean="0"/>
+              <a:t>YARN architecture</a:t>
+            </a:r>
+            <a:endParaRPr lang="en-US" dirty="0"/>
+          </a:p>
+        </p:txBody>
+      </p:sp>
+      <p:pic>
+        <p:nvPicPr>
+          <p:cNvPr id="4" name="Picture 3"/>
+          <p:cNvPicPr>
+            <a:picLocks noChangeAspect="1"/>
+          </p:cNvPicPr>
+          <p:nvPr/>
+        </p:nvPicPr>
+        <p:blipFill>
+          <a:blip r:embed="rId2"/>
+          <a:stretch>
+            <a:fillRect/>
+          </a:stretch>
+        </p:blipFill>
+        <p:spPr>
+          <a:xfrm>
+            <a:off x="457200" y="1122492"/>
+            <a:ext cx="7665798" cy="4744907"/>
+          </a:xfrm>
+          <a:prstGeom prst="rect">
+            <a:avLst/>
+          </a:prstGeom>
+        </p:spPr>
+      </p:pic>
+    </p:spTree>
+    <p:extLst>
+      <p:ext uri="{BB962C8B-B14F-4D97-AF65-F5344CB8AC3E}">
+        <p14:creationId xmlns:p14="http://schemas.microsoft.com/office/powerpoint/2010/main" val="3002769397"/>
+      </p:ext>
+    </p:extLst>
+  </p:cSld>
+  <p:clrMapOvr>
+    <a:masterClrMapping/>
+  </p:clrMapOvr>
+</p:sld>
+</file>
+
+<file path=ppt/slides/slide24.xml><?xml version="1.0" encoding="utf-8"?>
+<p:sld xmlns:a="http://schemas.openxmlformats.org/drawingml/2006/main" xmlns:r="http://schemas.openxmlformats.org/officeDocument/2006/relationships" xmlns:p="http://schemas.openxmlformats.org/presentationml/2006/main">
+  <p:cSld>
+    <p:spTree>
+      <p:nvGrpSpPr>
+        <p:cNvPr id="1" name=""/>
+        <p:cNvGrpSpPr/>
+        <p:nvPr/>
+      </p:nvGrpSpPr>
+      <p:grpSpPr>
+        <a:xfrm>
+          <a:off x="0" y="0"/>
+          <a:ext cx="0" cy="0"/>
+          <a:chOff x="0" y="0"/>
+          <a:chExt cx="0" cy="0"/>
+        </a:xfrm>
+      </p:grpSpPr>
+      <p:sp>
+        <p:nvSpPr>
+          <p:cNvPr id="2" name="Title 1"/>
+          <p:cNvSpPr>
+            <a:spLocks noGrp="1"/>
+          </p:cNvSpPr>
+          <p:nvPr>
+            <p:ph type="title"/>
+          </p:nvPr>
+        </p:nvSpPr>
+        <p:spPr/>
+        <p:txBody>
           <a:bodyPr>
             <a:normAutofit fontScale="90000"/>
           </a:bodyPr>
@@ -6885,7 +6962,7 @@
 </p:sld>
 </file>
 
-<file path=ppt/slides/slide24.xml><?xml version="1.0" encoding="utf-8"?>
+<file path=ppt/slides/slide25.xml><?xml version="1.0" encoding="utf-8"?>
 <p:sld xmlns:a="http://schemas.openxmlformats.org/drawingml/2006/main" xmlns:r="http://schemas.openxmlformats.org/officeDocument/2006/relationships" xmlns:p="http://schemas.openxmlformats.org/presentationml/2006/main">
   <p:cSld>
     <p:spTree>
@@ -6919,16 +6996,705 @@
           <a:p>
             <a:r>
               <a:rPr lang="en-US" dirty="0" smtClean="0"/>
-              <a:t>Questions?</a:t>
+              <a:t>Infrastructure-as-a-Service</a:t>
             </a:r>
             <a:endParaRPr lang="en-US" dirty="0"/>
           </a:p>
         </p:txBody>
       </p:sp>
+      <p:pic>
+        <p:nvPicPr>
+          <p:cNvPr id="4" name="Picture 3"/>
+          <p:cNvPicPr>
+            <a:picLocks noChangeAspect="1"/>
+          </p:cNvPicPr>
+          <p:nvPr/>
+        </p:nvPicPr>
+        <p:blipFill>
+          <a:blip r:embed="rId2"/>
+          <a:stretch>
+            <a:fillRect/>
+          </a:stretch>
+        </p:blipFill>
+        <p:spPr>
+          <a:xfrm>
+            <a:off x="0" y="274638"/>
+            <a:ext cx="9144000" cy="5651560"/>
+          </a:xfrm>
+          <a:prstGeom prst="rect">
+            <a:avLst/>
+          </a:prstGeom>
+        </p:spPr>
+      </p:pic>
     </p:spTree>
     <p:extLst>
       <p:ext uri="{BB962C8B-B14F-4D97-AF65-F5344CB8AC3E}">
-        <p14:creationId xmlns:p14="http://schemas.microsoft.com/office/powerpoint/2010/main" val="973082986"/>
+        <p14:creationId xmlns:p14="http://schemas.microsoft.com/office/powerpoint/2010/main" val="2791974609"/>
+      </p:ext>
+    </p:extLst>
+  </p:cSld>
+  <p:clrMapOvr>
+    <a:masterClrMapping/>
+  </p:clrMapOvr>
+</p:sld>
+</file>
+
+<file path=ppt/slides/slide26.xml><?xml version="1.0" encoding="utf-8"?>
+<p:sld xmlns:a="http://schemas.openxmlformats.org/drawingml/2006/main" xmlns:r="http://schemas.openxmlformats.org/officeDocument/2006/relationships" xmlns:p="http://schemas.openxmlformats.org/presentationml/2006/main">
+  <p:cSld>
+    <p:spTree>
+      <p:nvGrpSpPr>
+        <p:cNvPr id="1" name=""/>
+        <p:cNvGrpSpPr/>
+        <p:nvPr/>
+      </p:nvGrpSpPr>
+      <p:grpSpPr>
+        <a:xfrm>
+          <a:off x="0" y="0"/>
+          <a:ext cx="0" cy="0"/>
+          <a:chOff x="0" y="0"/>
+          <a:chExt cx="0" cy="0"/>
+        </a:xfrm>
+      </p:grpSpPr>
+      <p:sp>
+        <p:nvSpPr>
+          <p:cNvPr id="2" name="Title 1"/>
+          <p:cNvSpPr>
+            <a:spLocks noGrp="1"/>
+          </p:cNvSpPr>
+          <p:nvPr>
+            <p:ph type="title"/>
+          </p:nvPr>
+        </p:nvSpPr>
+        <p:spPr/>
+        <p:txBody>
+          <a:bodyPr/>
+          <a:lstStyle/>
+          <a:p>
+            <a:r>
+              <a:rPr lang="en-US" dirty="0" smtClean="0"/>
+              <a:t>EC2 / AWS main functions</a:t>
+            </a:r>
+            <a:endParaRPr lang="en-US" dirty="0"/>
+          </a:p>
+        </p:txBody>
+      </p:sp>
+      <p:sp>
+        <p:nvSpPr>
+          <p:cNvPr id="3" name="Content Placeholder 2"/>
+          <p:cNvSpPr>
+            <a:spLocks noGrp="1"/>
+          </p:cNvSpPr>
+          <p:nvPr>
+            <p:ph idx="1"/>
+          </p:nvPr>
+        </p:nvSpPr>
+        <p:spPr/>
+        <p:txBody>
+          <a:bodyPr>
+            <a:normAutofit fontScale="85000" lnSpcReduction="20000"/>
+          </a:bodyPr>
+          <a:lstStyle/>
+          <a:p>
+            <a:r>
+              <a:rPr lang="en-US" dirty="0" smtClean="0"/>
+              <a:t>EC2 (Elastic Compute Cloud)</a:t>
+            </a:r>
+          </a:p>
+          <a:p>
+            <a:pPr lvl="1"/>
+            <a:r>
+              <a:rPr lang="en-US" dirty="0" smtClean="0"/>
+              <a:t>Instances</a:t>
+            </a:r>
+          </a:p>
+          <a:p>
+            <a:pPr lvl="2"/>
+            <a:r>
+              <a:rPr lang="en-US" dirty="0" smtClean="0"/>
+              <a:t>Servers of various sizes</a:t>
+            </a:r>
+          </a:p>
+          <a:p>
+            <a:pPr lvl="1"/>
+            <a:r>
+              <a:rPr lang="en-US" dirty="0" smtClean="0"/>
+              <a:t>AMIs (Amazon Machine Images)</a:t>
+            </a:r>
+          </a:p>
+          <a:p>
+            <a:pPr lvl="2"/>
+            <a:r>
+              <a:rPr lang="en-US" dirty="0" smtClean="0"/>
+              <a:t>Server images </a:t>
+            </a:r>
+          </a:p>
+          <a:p>
+            <a:pPr lvl="1"/>
+            <a:r>
+              <a:rPr lang="en-US" dirty="0" smtClean="0"/>
+              <a:t>Elastic Block Storage (EBS)</a:t>
+            </a:r>
+          </a:p>
+          <a:p>
+            <a:pPr lvl="2"/>
+            <a:r>
+              <a:rPr lang="en-US" dirty="0" smtClean="0"/>
+              <a:t>Virtualized Hard drives</a:t>
+            </a:r>
+          </a:p>
+          <a:p>
+            <a:pPr lvl="1"/>
+            <a:r>
+              <a:rPr lang="en-US" dirty="0" smtClean="0"/>
+              <a:t>VPC (Virtual Private Cloud)</a:t>
+            </a:r>
+          </a:p>
+          <a:p>
+            <a:pPr lvl="2"/>
+            <a:r>
+              <a:rPr lang="en-US" dirty="0" smtClean="0"/>
+              <a:t>Secure network space</a:t>
+            </a:r>
+          </a:p>
+          <a:p>
+            <a:r>
+              <a:rPr lang="en-US" dirty="0" smtClean="0"/>
+              <a:t>S3 (Simple Storage Solution)</a:t>
+            </a:r>
+          </a:p>
+          <a:p>
+            <a:pPr lvl="1"/>
+            <a:r>
+              <a:rPr lang="en-US" dirty="0" smtClean="0"/>
+              <a:t>“Buckets” of data </a:t>
+            </a:r>
+          </a:p>
+          <a:p>
+            <a:pPr lvl="1"/>
+            <a:r>
+              <a:rPr lang="en-US" dirty="0" smtClean="0"/>
+              <a:t>Longer term storage of data</a:t>
+            </a:r>
+          </a:p>
+          <a:p>
+            <a:pPr lvl="1"/>
+            <a:endParaRPr lang="en-US" dirty="0" smtClean="0"/>
+          </a:p>
+        </p:txBody>
+      </p:sp>
+    </p:spTree>
+    <p:extLst>
+      <p:ext uri="{BB962C8B-B14F-4D97-AF65-F5344CB8AC3E}">
+        <p14:creationId xmlns:p14="http://schemas.microsoft.com/office/powerpoint/2010/main" val="4285244010"/>
+      </p:ext>
+    </p:extLst>
+  </p:cSld>
+  <p:clrMapOvr>
+    <a:masterClrMapping/>
+  </p:clrMapOvr>
+</p:sld>
+</file>
+
+<file path=ppt/slides/slide27.xml><?xml version="1.0" encoding="utf-8"?>
+<p:sld xmlns:a="http://schemas.openxmlformats.org/drawingml/2006/main" xmlns:r="http://schemas.openxmlformats.org/officeDocument/2006/relationships" xmlns:p="http://schemas.openxmlformats.org/presentationml/2006/main">
+  <p:cSld>
+    <p:spTree>
+      <p:nvGrpSpPr>
+        <p:cNvPr id="1" name=""/>
+        <p:cNvGrpSpPr/>
+        <p:nvPr/>
+      </p:nvGrpSpPr>
+      <p:grpSpPr>
+        <a:xfrm>
+          <a:off x="0" y="0"/>
+          <a:ext cx="0" cy="0"/>
+          <a:chOff x="0" y="0"/>
+          <a:chExt cx="0" cy="0"/>
+        </a:xfrm>
+      </p:grpSpPr>
+      <p:sp>
+        <p:nvSpPr>
+          <p:cNvPr id="2" name="Title 1"/>
+          <p:cNvSpPr>
+            <a:spLocks noGrp="1"/>
+          </p:cNvSpPr>
+          <p:nvPr>
+            <p:ph type="title"/>
+          </p:nvPr>
+        </p:nvSpPr>
+        <p:spPr/>
+        <p:txBody>
+          <a:bodyPr/>
+          <a:lstStyle/>
+          <a:p>
+            <a:r>
+              <a:rPr lang="en-US" dirty="0" err="1" smtClean="0"/>
+              <a:t>Flintrock</a:t>
+            </a:r>
+            <a:endParaRPr lang="en-US" dirty="0"/>
+          </a:p>
+        </p:txBody>
+      </p:sp>
+      <p:pic>
+        <p:nvPicPr>
+          <p:cNvPr id="4" name="Content Placeholder 3"/>
+          <p:cNvPicPr>
+            <a:picLocks noGrp="1" noChangeAspect="1"/>
+          </p:cNvPicPr>
+          <p:nvPr>
+            <p:ph idx="1"/>
+          </p:nvPr>
+        </p:nvPicPr>
+        <p:blipFill>
+          <a:blip r:embed="rId2"/>
+          <a:srcRect l="4284" r="4284"/>
+          <a:stretch>
+            <a:fillRect/>
+          </a:stretch>
+        </p:blipFill>
+        <p:spPr>
+          <a:xfrm>
+            <a:off x="774080" y="1417638"/>
+            <a:ext cx="8229600" cy="4525963"/>
+          </a:xfrm>
+        </p:spPr>
+      </p:pic>
+    </p:spTree>
+    <p:extLst>
+      <p:ext uri="{BB962C8B-B14F-4D97-AF65-F5344CB8AC3E}">
+        <p14:creationId xmlns:p14="http://schemas.microsoft.com/office/powerpoint/2010/main" val="4129864817"/>
+      </p:ext>
+    </p:extLst>
+  </p:cSld>
+  <p:clrMapOvr>
+    <a:masterClrMapping/>
+  </p:clrMapOvr>
+</p:sld>
+</file>
+
+<file path=ppt/slides/slide28.xml><?xml version="1.0" encoding="utf-8"?>
+<p:sld xmlns:a="http://schemas.openxmlformats.org/drawingml/2006/main" xmlns:r="http://schemas.openxmlformats.org/officeDocument/2006/relationships" xmlns:p="http://schemas.openxmlformats.org/presentationml/2006/main">
+  <p:cSld>
+    <p:spTree>
+      <p:nvGrpSpPr>
+        <p:cNvPr id="1" name=""/>
+        <p:cNvGrpSpPr/>
+        <p:nvPr/>
+      </p:nvGrpSpPr>
+      <p:grpSpPr>
+        <a:xfrm>
+          <a:off x="0" y="0"/>
+          <a:ext cx="0" cy="0"/>
+          <a:chOff x="0" y="0"/>
+          <a:chExt cx="0" cy="0"/>
+        </a:xfrm>
+      </p:grpSpPr>
+      <p:sp>
+        <p:nvSpPr>
+          <p:cNvPr id="2" name="Title 1"/>
+          <p:cNvSpPr>
+            <a:spLocks noGrp="1"/>
+          </p:cNvSpPr>
+          <p:nvPr>
+            <p:ph type="title"/>
+          </p:nvPr>
+        </p:nvSpPr>
+        <p:spPr/>
+        <p:txBody>
+          <a:bodyPr/>
+          <a:lstStyle/>
+          <a:p>
+            <a:r>
+              <a:rPr lang="en-US" dirty="0" err="1" smtClean="0"/>
+              <a:t>Flintrock</a:t>
+            </a:r>
+            <a:r>
+              <a:rPr lang="en-US" dirty="0" smtClean="0"/>
+              <a:t> Launching a cluster</a:t>
+            </a:r>
+            <a:endParaRPr lang="en-US" dirty="0"/>
+          </a:p>
+        </p:txBody>
+      </p:sp>
+      <p:pic>
+        <p:nvPicPr>
+          <p:cNvPr id="4" name="Picture 3"/>
+          <p:cNvPicPr>
+            <a:picLocks noChangeAspect="1"/>
+          </p:cNvPicPr>
+          <p:nvPr/>
+        </p:nvPicPr>
+        <p:blipFill>
+          <a:blip r:embed="rId2"/>
+          <a:stretch>
+            <a:fillRect/>
+          </a:stretch>
+        </p:blipFill>
+        <p:spPr>
+          <a:xfrm>
+            <a:off x="168922" y="1417638"/>
+            <a:ext cx="8517878" cy="3887520"/>
+          </a:xfrm>
+          <a:prstGeom prst="rect">
+            <a:avLst/>
+          </a:prstGeom>
+        </p:spPr>
+      </p:pic>
+    </p:spTree>
+    <p:extLst>
+      <p:ext uri="{BB962C8B-B14F-4D97-AF65-F5344CB8AC3E}">
+        <p14:creationId xmlns:p14="http://schemas.microsoft.com/office/powerpoint/2010/main" val="2244670542"/>
+      </p:ext>
+    </p:extLst>
+  </p:cSld>
+  <p:clrMapOvr>
+    <a:masterClrMapping/>
+  </p:clrMapOvr>
+</p:sld>
+</file>
+
+<file path=ppt/slides/slide29.xml><?xml version="1.0" encoding="utf-8"?>
+<p:sld xmlns:a="http://schemas.openxmlformats.org/drawingml/2006/main" xmlns:r="http://schemas.openxmlformats.org/officeDocument/2006/relationships" xmlns:p="http://schemas.openxmlformats.org/presentationml/2006/main">
+  <p:cSld>
+    <p:spTree>
+      <p:nvGrpSpPr>
+        <p:cNvPr id="1" name=""/>
+        <p:cNvGrpSpPr/>
+        <p:nvPr/>
+      </p:nvGrpSpPr>
+      <p:grpSpPr>
+        <a:xfrm>
+          <a:off x="0" y="0"/>
+          <a:ext cx="0" cy="0"/>
+          <a:chOff x="0" y="0"/>
+          <a:chExt cx="0" cy="0"/>
+        </a:xfrm>
+      </p:grpSpPr>
+      <p:sp>
+        <p:nvSpPr>
+          <p:cNvPr id="2" name="Title 1"/>
+          <p:cNvSpPr>
+            <a:spLocks noGrp="1"/>
+          </p:cNvSpPr>
+          <p:nvPr>
+            <p:ph type="title"/>
+          </p:nvPr>
+        </p:nvSpPr>
+        <p:spPr/>
+        <p:txBody>
+          <a:bodyPr/>
+          <a:lstStyle/>
+          <a:p>
+            <a:r>
+              <a:rPr lang="en-US" dirty="0" smtClean="0"/>
+              <a:t>Other things you can do</a:t>
+            </a:r>
+            <a:endParaRPr lang="en-US" dirty="0"/>
+          </a:p>
+        </p:txBody>
+      </p:sp>
+      <p:sp>
+        <p:nvSpPr>
+          <p:cNvPr id="3" name="Content Placeholder 2"/>
+          <p:cNvSpPr>
+            <a:spLocks noGrp="1"/>
+          </p:cNvSpPr>
+          <p:nvPr>
+            <p:ph idx="1"/>
+          </p:nvPr>
+        </p:nvSpPr>
+        <p:spPr/>
+        <p:txBody>
+          <a:bodyPr>
+            <a:normAutofit fontScale="85000" lnSpcReduction="20000"/>
+          </a:bodyPr>
+          <a:lstStyle/>
+          <a:p>
+            <a:pPr marL="0" indent="0">
+              <a:buNone/>
+            </a:pPr>
+            <a:r>
+              <a:rPr lang="en-US" dirty="0" err="1">
+                <a:latin typeface="Menlo Regular"/>
+                <a:cs typeface="Menlo Regular"/>
+              </a:rPr>
+              <a:t>flintrock</a:t>
+            </a:r>
+            <a:r>
+              <a:rPr lang="en-US" dirty="0">
+                <a:latin typeface="Menlo Regular"/>
+                <a:cs typeface="Menlo Regular"/>
+              </a:rPr>
+              <a:t> destroy test-cluster</a:t>
+            </a:r>
+          </a:p>
+          <a:p>
+            <a:pPr marL="0" indent="0">
+              <a:buNone/>
+            </a:pPr>
+            <a:r>
+              <a:rPr lang="en-US" dirty="0" err="1" smtClean="0">
+                <a:latin typeface="Menlo Regular"/>
+                <a:cs typeface="Menlo Regular"/>
+              </a:rPr>
+              <a:t>flintrock</a:t>
+            </a:r>
+            <a:r>
+              <a:rPr lang="en-US" dirty="0" smtClean="0">
+                <a:latin typeface="Menlo Regular"/>
+                <a:cs typeface="Menlo Regular"/>
+              </a:rPr>
+              <a:t> </a:t>
+            </a:r>
+            <a:r>
+              <a:rPr lang="en-US" dirty="0">
+                <a:latin typeface="Menlo Regular"/>
+                <a:cs typeface="Menlo Regular"/>
+              </a:rPr>
+              <a:t>login test-cluster</a:t>
+            </a:r>
+          </a:p>
+          <a:p>
+            <a:pPr marL="0" indent="0">
+              <a:buNone/>
+            </a:pPr>
+            <a:r>
+              <a:rPr lang="en-US" dirty="0" err="1">
+                <a:latin typeface="Menlo Regular"/>
+                <a:cs typeface="Menlo Regular"/>
+              </a:rPr>
+              <a:t>flintrock</a:t>
+            </a:r>
+            <a:r>
+              <a:rPr lang="en-US" dirty="0">
+                <a:latin typeface="Menlo Regular"/>
+                <a:cs typeface="Menlo Regular"/>
+              </a:rPr>
+              <a:t> describe test-cluster</a:t>
+            </a:r>
+          </a:p>
+          <a:p>
+            <a:pPr marL="0" indent="0">
+              <a:buNone/>
+            </a:pPr>
+            <a:r>
+              <a:rPr lang="en-US" dirty="0" err="1">
+                <a:latin typeface="Menlo Regular"/>
+                <a:cs typeface="Menlo Regular"/>
+              </a:rPr>
+              <a:t>flintrock</a:t>
+            </a:r>
+            <a:r>
+              <a:rPr lang="en-US" dirty="0">
+                <a:latin typeface="Menlo Regular"/>
+                <a:cs typeface="Menlo Regular"/>
+              </a:rPr>
+              <a:t> add-slaves test-cluster </a:t>
+            </a:r>
+            <a:endParaRPr lang="en-US" dirty="0" smtClean="0">
+              <a:latin typeface="Menlo Regular"/>
+              <a:cs typeface="Menlo Regular"/>
+            </a:endParaRPr>
+          </a:p>
+          <a:p>
+            <a:pPr marL="457200" lvl="1" indent="0">
+              <a:buNone/>
+            </a:pPr>
+            <a:r>
+              <a:rPr lang="en-US" dirty="0">
+                <a:latin typeface="Menlo Regular"/>
+                <a:cs typeface="Menlo Regular"/>
+              </a:rPr>
+              <a:t>	</a:t>
+            </a:r>
+            <a:r>
+              <a:rPr lang="en-US" dirty="0" smtClean="0">
+                <a:latin typeface="Menlo Regular"/>
+                <a:cs typeface="Menlo Regular"/>
+              </a:rPr>
+              <a:t>-</a:t>
+            </a:r>
+            <a:r>
+              <a:rPr lang="en-US" dirty="0">
+                <a:latin typeface="Menlo Regular"/>
+                <a:cs typeface="Menlo Regular"/>
+              </a:rPr>
+              <a:t>-</a:t>
+            </a:r>
+            <a:r>
+              <a:rPr lang="en-US" dirty="0" err="1">
+                <a:latin typeface="Menlo Regular"/>
+                <a:cs typeface="Menlo Regular"/>
+              </a:rPr>
+              <a:t>num</a:t>
+            </a:r>
+            <a:r>
+              <a:rPr lang="en-US" dirty="0">
+                <a:latin typeface="Menlo Regular"/>
+                <a:cs typeface="Menlo Regular"/>
+              </a:rPr>
+              <a:t>-slaves 2</a:t>
+            </a:r>
+          </a:p>
+          <a:p>
+            <a:pPr marL="0" indent="0">
+              <a:buNone/>
+            </a:pPr>
+            <a:r>
+              <a:rPr lang="en-US" dirty="0" err="1">
+                <a:latin typeface="Menlo Regular"/>
+                <a:cs typeface="Menlo Regular"/>
+              </a:rPr>
+              <a:t>flintrock</a:t>
+            </a:r>
+            <a:r>
+              <a:rPr lang="en-US" dirty="0">
+                <a:latin typeface="Menlo Regular"/>
+                <a:cs typeface="Menlo Regular"/>
+              </a:rPr>
+              <a:t> remove-slaves test-cluster </a:t>
+            </a:r>
+            <a:endParaRPr lang="en-US" dirty="0" smtClean="0">
+              <a:latin typeface="Menlo Regular"/>
+              <a:cs typeface="Menlo Regular"/>
+            </a:endParaRPr>
+          </a:p>
+          <a:p>
+            <a:pPr marL="0" indent="0">
+              <a:buNone/>
+            </a:pPr>
+            <a:r>
+              <a:rPr lang="en-US" dirty="0">
+                <a:latin typeface="Menlo Regular"/>
+                <a:cs typeface="Menlo Regular"/>
+              </a:rPr>
+              <a:t>	</a:t>
+            </a:r>
+            <a:r>
+              <a:rPr lang="en-US" dirty="0" smtClean="0">
+                <a:latin typeface="Menlo Regular"/>
+                <a:cs typeface="Menlo Regular"/>
+              </a:rPr>
+              <a:t>	-</a:t>
+            </a:r>
+            <a:r>
+              <a:rPr lang="en-US" dirty="0">
+                <a:latin typeface="Menlo Regular"/>
+                <a:cs typeface="Menlo Regular"/>
+              </a:rPr>
+              <a:t>-</a:t>
+            </a:r>
+            <a:r>
+              <a:rPr lang="en-US" dirty="0" err="1">
+                <a:latin typeface="Menlo Regular"/>
+                <a:cs typeface="Menlo Regular"/>
+              </a:rPr>
+              <a:t>num</a:t>
+            </a:r>
+            <a:r>
+              <a:rPr lang="en-US" dirty="0">
+                <a:latin typeface="Menlo Regular"/>
+                <a:cs typeface="Menlo Regular"/>
+              </a:rPr>
+              <a:t>-slaves 1</a:t>
+            </a:r>
+          </a:p>
+          <a:p>
+            <a:pPr marL="0" indent="0">
+              <a:buNone/>
+            </a:pPr>
+            <a:r>
+              <a:rPr lang="en-US" dirty="0" err="1">
+                <a:latin typeface="Menlo Regular"/>
+                <a:cs typeface="Menlo Regular"/>
+              </a:rPr>
+              <a:t>flintrock</a:t>
+            </a:r>
+            <a:r>
+              <a:rPr lang="en-US" dirty="0">
+                <a:latin typeface="Menlo Regular"/>
+                <a:cs typeface="Menlo Regular"/>
+              </a:rPr>
+              <a:t> run-command test-cluster </a:t>
+            </a:r>
+            <a:r>
+              <a:rPr lang="en-US" dirty="0" smtClean="0">
+                <a:latin typeface="Menlo Regular"/>
+                <a:cs typeface="Menlo Regular"/>
+              </a:rPr>
+              <a:t>	'</a:t>
+            </a:r>
+            <a:r>
+              <a:rPr lang="en-US" dirty="0" err="1">
+                <a:latin typeface="Menlo Regular"/>
+                <a:cs typeface="Menlo Regular"/>
+              </a:rPr>
+              <a:t>sudo</a:t>
+            </a:r>
+            <a:r>
+              <a:rPr lang="en-US" dirty="0">
+                <a:latin typeface="Menlo Regular"/>
+                <a:cs typeface="Menlo Regular"/>
+              </a:rPr>
+              <a:t> yum install -y package'</a:t>
+            </a:r>
+          </a:p>
+          <a:p>
+            <a:pPr marL="0" indent="0">
+              <a:buNone/>
+            </a:pPr>
+            <a:r>
+              <a:rPr lang="en-US" dirty="0" err="1">
+                <a:latin typeface="Menlo Regular"/>
+                <a:cs typeface="Menlo Regular"/>
+              </a:rPr>
+              <a:t>flintrock</a:t>
+            </a:r>
+            <a:r>
+              <a:rPr lang="en-US" dirty="0">
+                <a:latin typeface="Menlo Regular"/>
+                <a:cs typeface="Menlo Regular"/>
+              </a:rPr>
+              <a:t> copy-file test-cluster </a:t>
+            </a:r>
+            <a:endParaRPr lang="en-US" dirty="0" smtClean="0">
+              <a:latin typeface="Menlo Regular"/>
+              <a:cs typeface="Menlo Regular"/>
+            </a:endParaRPr>
+          </a:p>
+          <a:p>
+            <a:pPr marL="0" indent="0">
+              <a:buNone/>
+            </a:pPr>
+            <a:r>
+              <a:rPr lang="en-US" dirty="0">
+                <a:latin typeface="Menlo Regular"/>
+                <a:cs typeface="Menlo Regular"/>
+              </a:rPr>
+              <a:t>	</a:t>
+            </a:r>
+            <a:r>
+              <a:rPr lang="en-US" dirty="0" smtClean="0">
+                <a:latin typeface="Menlo Regular"/>
+                <a:cs typeface="Menlo Regular"/>
+              </a:rPr>
+              <a:t>	/</a:t>
+            </a:r>
+            <a:r>
+              <a:rPr lang="en-US" dirty="0">
+                <a:latin typeface="Menlo Regular"/>
+                <a:cs typeface="Menlo Regular"/>
+              </a:rPr>
+              <a:t>local/path /remote/path</a:t>
+            </a:r>
+          </a:p>
+        </p:txBody>
+      </p:sp>
+    </p:spTree>
+    <p:extLst>
+      <p:ext uri="{BB962C8B-B14F-4D97-AF65-F5344CB8AC3E}">
+        <p14:creationId xmlns:p14="http://schemas.microsoft.com/office/powerpoint/2010/main" val="769307551"/>
       </p:ext>
     </p:extLst>
   </p:cSld>
@@ -7059,6 +7825,59 @@
     <p:extLst>
       <p:ext uri="{BB962C8B-B14F-4D97-AF65-F5344CB8AC3E}">
         <p14:creationId xmlns:p14="http://schemas.microsoft.com/office/powerpoint/2010/main" val="3448563101"/>
+      </p:ext>
+    </p:extLst>
+  </p:cSld>
+  <p:clrMapOvr>
+    <a:masterClrMapping/>
+  </p:clrMapOvr>
+</p:sld>
+</file>
+
+<file path=ppt/slides/slide30.xml><?xml version="1.0" encoding="utf-8"?>
+<p:sld xmlns:a="http://schemas.openxmlformats.org/drawingml/2006/main" xmlns:r="http://schemas.openxmlformats.org/officeDocument/2006/relationships" xmlns:p="http://schemas.openxmlformats.org/presentationml/2006/main">
+  <p:cSld>
+    <p:spTree>
+      <p:nvGrpSpPr>
+        <p:cNvPr id="1" name=""/>
+        <p:cNvGrpSpPr/>
+        <p:nvPr/>
+      </p:nvGrpSpPr>
+      <p:grpSpPr>
+        <a:xfrm>
+          <a:off x="0" y="0"/>
+          <a:ext cx="0" cy="0"/>
+          <a:chOff x="0" y="0"/>
+          <a:chExt cx="0" cy="0"/>
+        </a:xfrm>
+      </p:grpSpPr>
+      <p:sp>
+        <p:nvSpPr>
+          <p:cNvPr id="2" name="Title 1"/>
+          <p:cNvSpPr>
+            <a:spLocks noGrp="1"/>
+          </p:cNvSpPr>
+          <p:nvPr>
+            <p:ph type="title"/>
+          </p:nvPr>
+        </p:nvSpPr>
+        <p:spPr/>
+        <p:txBody>
+          <a:bodyPr/>
+          <a:lstStyle/>
+          <a:p>
+            <a:r>
+              <a:rPr lang="en-US" dirty="0" smtClean="0"/>
+              <a:t>Questions?</a:t>
+            </a:r>
+            <a:endParaRPr lang="en-US" dirty="0"/>
+          </a:p>
+        </p:txBody>
+      </p:sp>
+    </p:spTree>
+    <p:extLst>
+      <p:ext uri="{BB962C8B-B14F-4D97-AF65-F5344CB8AC3E}">
+        <p14:creationId xmlns:p14="http://schemas.microsoft.com/office/powerpoint/2010/main" val="973082986"/>
       </p:ext>
     </p:extLst>
   </p:cSld>
@@ -7600,14 +8419,12 @@
         </p:nvSpPr>
         <p:spPr/>
         <p:txBody>
-          <a:bodyPr>
-            <a:normAutofit/>
-          </a:bodyPr>
-          <a:lstStyle/>
-          <a:p>
-            <a:r>
-              <a:rPr lang="en-US" dirty="0" smtClean="0"/>
-              <a:t>Spark packages</a:t>
+          <a:bodyPr/>
+          <a:lstStyle/>
+          <a:p>
+            <a:r>
+              <a:rPr lang="en-US" dirty="0" smtClean="0"/>
+              <a:t>Amazon S3</a:t>
             </a:r>
             <a:endParaRPr lang="en-US" dirty="0"/>
           </a:p>
@@ -7630,80 +8447,55 @@
           <a:p>
             <a:r>
               <a:rPr lang="en-US" dirty="0" smtClean="0"/>
-              <a:t>A wide set of plugins</a:t>
+              <a:t>Simple Storage Service</a:t>
+            </a:r>
+          </a:p>
+          <a:p>
+            <a:r>
+              <a:rPr lang="en-US" dirty="0" smtClean="0"/>
+              <a:t>Unlimited storage of files </a:t>
             </a:r>
           </a:p>
           <a:p>
             <a:pPr lvl="1"/>
             <a:r>
               <a:rPr lang="en-US" dirty="0" smtClean="0"/>
-              <a:t>Currently 148 community donated plugins</a:t>
-            </a:r>
-          </a:p>
-          <a:p>
-            <a:r>
-              <a:rPr lang="en-US" dirty="0" smtClean="0"/>
-              <a:t> Data connectors	</a:t>
+              <a:t>Up to 5 terabytes each</a:t>
             </a:r>
           </a:p>
           <a:p>
             <a:pPr lvl="1"/>
             <a:r>
               <a:rPr lang="en-US" dirty="0" smtClean="0"/>
-              <a:t>Cassandra, </a:t>
-            </a:r>
-            <a:r>
-              <a:rPr lang="en-US" dirty="0" err="1" smtClean="0"/>
-              <a:t>Couchbase</a:t>
-            </a:r>
-            <a:r>
-              <a:rPr lang="en-US" dirty="0" smtClean="0"/>
-              <a:t>, Mongo, CSV, </a:t>
-            </a:r>
-            <a:r>
-              <a:rPr lang="en-US" dirty="0" err="1" smtClean="0"/>
-              <a:t>etc</a:t>
-            </a:r>
-            <a:endParaRPr lang="en-US" dirty="0" smtClean="0"/>
-          </a:p>
-          <a:p>
-            <a:r>
-              <a:rPr lang="en-US" dirty="0" smtClean="0"/>
-              <a:t>Machine Learning, Neural networks</a:t>
-            </a:r>
-          </a:p>
-          <a:p>
-            <a:r>
-              <a:rPr lang="en-US" dirty="0" smtClean="0"/>
-              <a:t>Streaming</a:t>
-            </a:r>
-          </a:p>
-          <a:p>
-            <a:r>
-              <a:rPr lang="en-US" dirty="0" err="1" smtClean="0"/>
-              <a:t>etc</a:t>
-            </a:r>
-            <a:endParaRPr lang="en-US" dirty="0"/>
+              <a:t>Stored in named “buckets”</a:t>
+            </a:r>
+          </a:p>
+          <a:p>
+            <a:pPr lvl="1"/>
+            <a:r>
+              <a:rPr lang="en-US" dirty="0" smtClean="0"/>
+              <a:t>Accessible via AWS APIs or HTTP</a:t>
+            </a:r>
+          </a:p>
+          <a:p>
+            <a:pPr lvl="1"/>
+            <a:r>
+              <a:rPr lang="en-US" dirty="0" smtClean="0"/>
+              <a:t>Authenticated or Public</a:t>
+            </a:r>
           </a:p>
         </p:txBody>
       </p:sp>
     </p:spTree>
     <p:extLst>
       <p:ext uri="{BB962C8B-B14F-4D97-AF65-F5344CB8AC3E}">
-        <p14:creationId xmlns:p14="http://schemas.microsoft.com/office/powerpoint/2010/main" val="1004807774"/>
+        <p14:creationId xmlns:p14="http://schemas.microsoft.com/office/powerpoint/2010/main" val="259004655"/>
       </p:ext>
     </p:extLst>
   </p:cSld>
   <p:clrMapOvr>
     <a:masterClrMapping/>
   </p:clrMapOvr>
-  <p:timing>
-    <p:tnLst>
-      <p:par>
-        <p:cTn xmlns:p14="http://schemas.microsoft.com/office/powerpoint/2010/main" id="1" dur="indefinite" restart="never" nodeType="tmRoot"/>
-      </p:par>
-    </p:tnLst>
-  </p:timing>
 </p:sld>
 </file>
 
@@ -7736,85 +8528,97 @@
         </p:nvSpPr>
         <p:spPr/>
         <p:txBody>
+          <a:bodyPr>
+            <a:normAutofit/>
+          </a:bodyPr>
+          <a:lstStyle/>
+          <a:p>
+            <a:r>
+              <a:rPr lang="en-US" dirty="0" smtClean="0"/>
+              <a:t>Spark packages</a:t>
+            </a:r>
+            <a:endParaRPr lang="en-US" dirty="0"/>
+          </a:p>
+        </p:txBody>
+      </p:sp>
+      <p:sp>
+        <p:nvSpPr>
+          <p:cNvPr id="3" name="Content Placeholder 2"/>
+          <p:cNvSpPr>
+            <a:spLocks noGrp="1"/>
+          </p:cNvSpPr>
+          <p:nvPr>
+            <p:ph idx="1"/>
+          </p:nvPr>
+        </p:nvSpPr>
+        <p:spPr/>
+        <p:txBody>
           <a:bodyPr/>
           <a:lstStyle/>
           <a:p>
             <a:r>
               <a:rPr lang="en-US" dirty="0" smtClean="0"/>
-              <a:t>Using Spark Packages</a:t>
+              <a:t>A wide set of plugins</a:t>
+            </a:r>
+          </a:p>
+          <a:p>
+            <a:pPr lvl="1"/>
+            <a:r>
+              <a:rPr lang="en-US" dirty="0" smtClean="0"/>
+              <a:t>Currently 148 community donated plugins</a:t>
+            </a:r>
+          </a:p>
+          <a:p>
+            <a:r>
+              <a:rPr lang="en-US" dirty="0" smtClean="0"/>
+              <a:t> Data connectors	</a:t>
+            </a:r>
+          </a:p>
+          <a:p>
+            <a:pPr lvl="1"/>
+            <a:r>
+              <a:rPr lang="en-US" dirty="0" smtClean="0"/>
+              <a:t>Cassandra, </a:t>
+            </a:r>
+            <a:r>
+              <a:rPr lang="en-US" dirty="0" err="1" smtClean="0"/>
+              <a:t>Couchbase</a:t>
+            </a:r>
+            <a:r>
+              <a:rPr lang="en-US" dirty="0" smtClean="0"/>
+              <a:t>, Mongo, CSV, </a:t>
+            </a:r>
+            <a:r>
+              <a:rPr lang="en-US" dirty="0" err="1" smtClean="0"/>
+              <a:t>etc</a:t>
+            </a:r>
+            <a:endParaRPr lang="en-US" dirty="0" smtClean="0"/>
+          </a:p>
+          <a:p>
+            <a:r>
+              <a:rPr lang="en-US" dirty="0" smtClean="0"/>
+              <a:t>Machine Learning, Neural networks</a:t>
+            </a:r>
+          </a:p>
+          <a:p>
+            <a:r>
+              <a:rPr lang="en-US" dirty="0" smtClean="0"/>
+              <a:t>Streaming</a:t>
+            </a:r>
+          </a:p>
+          <a:p>
+            <a:r>
+              <a:rPr lang="en-US" dirty="0" err="1" smtClean="0"/>
+              <a:t>etc</a:t>
             </a:r>
             <a:endParaRPr lang="en-US" dirty="0"/>
-          </a:p>
-        </p:txBody>
-      </p:sp>
-      <p:sp>
-        <p:nvSpPr>
-          <p:cNvPr id="3" name="Content Placeholder 2"/>
-          <p:cNvSpPr>
-            <a:spLocks noGrp="1"/>
-          </p:cNvSpPr>
-          <p:nvPr>
-            <p:ph idx="1"/>
-          </p:nvPr>
-        </p:nvSpPr>
-        <p:spPr/>
-        <p:txBody>
-          <a:bodyPr/>
-          <a:lstStyle/>
-          <a:p>
-            <a:pPr marL="0" indent="0">
-              <a:buNone/>
-            </a:pPr>
-            <a:r>
-              <a:rPr lang="en-US" dirty="0" smtClean="0"/>
-              <a:t>Automatic download from the web:</a:t>
-            </a:r>
-          </a:p>
-          <a:p>
-            <a:pPr marL="0" indent="0">
-              <a:buNone/>
-            </a:pPr>
-            <a:endParaRPr lang="en-US" dirty="0"/>
-          </a:p>
-          <a:p>
-            <a:pPr marL="0" indent="0">
-              <a:buNone/>
-            </a:pPr>
-            <a:endParaRPr lang="en-US" dirty="0" smtClean="0"/>
-          </a:p>
-          <a:p>
-            <a:pPr marL="0" indent="0">
-              <a:buNone/>
-            </a:pPr>
-            <a:r>
-              <a:rPr lang="en-US" sz="2400" dirty="0" smtClean="0"/>
-              <a:t>bin</a:t>
-            </a:r>
-            <a:r>
-              <a:rPr lang="en-US" sz="2400" dirty="0"/>
-              <a:t>/spark-shell </a:t>
-            </a:r>
-            <a:endParaRPr lang="en-US" sz="2400" dirty="0" smtClean="0"/>
-          </a:p>
-          <a:p>
-            <a:pPr marL="457200" lvl="1" indent="0">
-              <a:buNone/>
-            </a:pPr>
-            <a:r>
-              <a:rPr lang="en-US" sz="2400" dirty="0" smtClean="0"/>
-              <a:t>-</a:t>
-            </a:r>
-            <a:r>
-              <a:rPr lang="en-US" sz="2400" dirty="0"/>
-              <a:t>-packages com.databricks:spark-csv_2.11:1.2.0</a:t>
-            </a:r>
           </a:p>
         </p:txBody>
       </p:sp>
     </p:spTree>
     <p:extLst>
       <p:ext uri="{BB962C8B-B14F-4D97-AF65-F5344CB8AC3E}">
-        <p14:creationId xmlns:p14="http://schemas.microsoft.com/office/powerpoint/2010/main" val="3950180315"/>
+        <p14:creationId xmlns:p14="http://schemas.microsoft.com/office/powerpoint/2010/main" val="1004807774"/>
       </p:ext>
     </p:extLst>
   </p:cSld>
